--- a/assets/figures.pptx
+++ b/assets/figures.pptx
@@ -9,7 +9,8 @@
     <p:sldId id="257" r:id="rId3"/>
     <p:sldId id="258" r:id="rId4"/>
     <p:sldId id="259" r:id="rId5"/>
-    <p:sldId id="260" r:id="rId6"/>
+    <p:sldId id="261" r:id="rId6"/>
+    <p:sldId id="260" r:id="rId7"/>
   </p:sldIdLst>
   <p:sldSz cx="6858000" cy="9144000" type="screen4x3"/>
   <p:notesSz cx="6858000" cy="9144000"/>
@@ -247,7 +248,7 @@
           <a:p>
             <a:fld id="{C07B6569-5EFF-41A8-B6CB-39864A9A9501}" type="datetimeFigureOut">
               <a:rPr lang="de-DE" smtClean="0"/>
-              <a:t>14.09.2025</a:t>
+              <a:t>15.09.2025</a:t>
             </a:fld>
             <a:endParaRPr lang="de-DE"/>
           </a:p>
@@ -417,7 +418,7 @@
           <a:p>
             <a:fld id="{C07B6569-5EFF-41A8-B6CB-39864A9A9501}" type="datetimeFigureOut">
               <a:rPr lang="de-DE" smtClean="0"/>
-              <a:t>14.09.2025</a:t>
+              <a:t>15.09.2025</a:t>
             </a:fld>
             <a:endParaRPr lang="de-DE"/>
           </a:p>
@@ -597,7 +598,7 @@
           <a:p>
             <a:fld id="{C07B6569-5EFF-41A8-B6CB-39864A9A9501}" type="datetimeFigureOut">
               <a:rPr lang="de-DE" smtClean="0"/>
-              <a:t>14.09.2025</a:t>
+              <a:t>15.09.2025</a:t>
             </a:fld>
             <a:endParaRPr lang="de-DE"/>
           </a:p>
@@ -844,7 +845,7 @@
           <a:p>
             <a:fld id="{C07B6569-5EFF-41A8-B6CB-39864A9A9501}" type="datetimeFigureOut">
               <a:rPr lang="de-DE" smtClean="0"/>
-              <a:t>14.09.2025</a:t>
+              <a:t>15.09.2025</a:t>
             </a:fld>
             <a:endParaRPr lang="de-DE"/>
           </a:p>
@@ -1088,7 +1089,7 @@
           <a:p>
             <a:fld id="{C07B6569-5EFF-41A8-B6CB-39864A9A9501}" type="datetimeFigureOut">
               <a:rPr lang="de-DE" smtClean="0"/>
-              <a:t>14.09.2025</a:t>
+              <a:t>15.09.2025</a:t>
             </a:fld>
             <a:endParaRPr lang="de-DE"/>
           </a:p>
@@ -1320,7 +1321,7 @@
           <a:p>
             <a:fld id="{C07B6569-5EFF-41A8-B6CB-39864A9A9501}" type="datetimeFigureOut">
               <a:rPr lang="de-DE" smtClean="0"/>
-              <a:t>14.09.2025</a:t>
+              <a:t>15.09.2025</a:t>
             </a:fld>
             <a:endParaRPr lang="de-DE"/>
           </a:p>
@@ -1687,7 +1688,7 @@
           <a:p>
             <a:fld id="{C07B6569-5EFF-41A8-B6CB-39864A9A9501}" type="datetimeFigureOut">
               <a:rPr lang="de-DE" smtClean="0"/>
-              <a:t>14.09.2025</a:t>
+              <a:t>15.09.2025</a:t>
             </a:fld>
             <a:endParaRPr lang="de-DE"/>
           </a:p>
@@ -1805,7 +1806,7 @@
           <a:p>
             <a:fld id="{C07B6569-5EFF-41A8-B6CB-39864A9A9501}" type="datetimeFigureOut">
               <a:rPr lang="de-DE" smtClean="0"/>
-              <a:t>14.09.2025</a:t>
+              <a:t>15.09.2025</a:t>
             </a:fld>
             <a:endParaRPr lang="de-DE"/>
           </a:p>
@@ -1900,7 +1901,7 @@
           <a:p>
             <a:fld id="{C07B6569-5EFF-41A8-B6CB-39864A9A9501}" type="datetimeFigureOut">
               <a:rPr lang="de-DE" smtClean="0"/>
-              <a:t>14.09.2025</a:t>
+              <a:t>15.09.2025</a:t>
             </a:fld>
             <a:endParaRPr lang="de-DE"/>
           </a:p>
@@ -2177,7 +2178,7 @@
           <a:p>
             <a:fld id="{C07B6569-5EFF-41A8-B6CB-39864A9A9501}" type="datetimeFigureOut">
               <a:rPr lang="de-DE" smtClean="0"/>
-              <a:t>14.09.2025</a:t>
+              <a:t>15.09.2025</a:t>
             </a:fld>
             <a:endParaRPr lang="de-DE"/>
           </a:p>
@@ -2434,7 +2435,7 @@
           <a:p>
             <a:fld id="{C07B6569-5EFF-41A8-B6CB-39864A9A9501}" type="datetimeFigureOut">
               <a:rPr lang="de-DE" smtClean="0"/>
-              <a:t>14.09.2025</a:t>
+              <a:t>15.09.2025</a:t>
             </a:fld>
             <a:endParaRPr lang="de-DE"/>
           </a:p>
@@ -2647,7 +2648,7 @@
           <a:p>
             <a:fld id="{C07B6569-5EFF-41A8-B6CB-39864A9A9501}" type="datetimeFigureOut">
               <a:rPr lang="de-DE" smtClean="0"/>
-              <a:t>14.09.2025</a:t>
+              <a:t>15.09.2025</a:t>
             </a:fld>
             <a:endParaRPr lang="de-DE"/>
           </a:p>
@@ -7111,6 +7112,1444 @@
       </p:grpSpPr>
       <p:sp>
         <p:nvSpPr>
+          <p:cNvPr id="56" name="Pfeil: nach rechts 55">
+            <a:extLst>
+              <a:ext uri="{FF2B5EF4-FFF2-40B4-BE49-F238E27FC236}">
+                <a16:creationId xmlns:a16="http://schemas.microsoft.com/office/drawing/2014/main" id="{8E0770B1-0687-4AE4-A351-D91B3356585F}"/>
+              </a:ext>
+            </a:extLst>
+          </p:cNvPr>
+          <p:cNvSpPr/>
+          <p:nvPr/>
+        </p:nvSpPr>
+        <p:spPr>
+          <a:xfrm rot="10800000" flipH="1">
+            <a:off x="2420232" y="2256760"/>
+            <a:ext cx="1523157" cy="317898"/>
+          </a:xfrm>
+          <a:prstGeom prst="rightArrow">
+            <a:avLst/>
+          </a:prstGeom>
+          <a:solidFill>
+            <a:srgbClr val="D6DCE5"/>
+          </a:solidFill>
+          <a:ln>
+            <a:noFill/>
+          </a:ln>
+        </p:spPr>
+        <p:style>
+          <a:lnRef idx="2">
+            <a:schemeClr val="accent1">
+              <a:shade val="50000"/>
+            </a:schemeClr>
+          </a:lnRef>
+          <a:fillRef idx="1">
+            <a:schemeClr val="accent1"/>
+          </a:fillRef>
+          <a:effectRef idx="0">
+            <a:schemeClr val="accent1"/>
+          </a:effectRef>
+          <a:fontRef idx="minor">
+            <a:schemeClr val="lt1"/>
+          </a:fontRef>
+        </p:style>
+        <p:txBody>
+          <a:bodyPr rtlCol="0" anchor="ctr"/>
+          <a:lstStyle/>
+          <a:p>
+            <a:pPr algn="ctr"/>
+            <a:endParaRPr lang="de-DE"/>
+          </a:p>
+        </p:txBody>
+      </p:sp>
+      <p:sp>
+        <p:nvSpPr>
+          <p:cNvPr id="53" name="Pfeil: nach rechts 52">
+            <a:extLst>
+              <a:ext uri="{FF2B5EF4-FFF2-40B4-BE49-F238E27FC236}">
+                <a16:creationId xmlns:a16="http://schemas.microsoft.com/office/drawing/2014/main" id="{6782127F-7395-40D6-BBE4-A9C252840B16}"/>
+              </a:ext>
+            </a:extLst>
+          </p:cNvPr>
+          <p:cNvSpPr/>
+          <p:nvPr/>
+        </p:nvSpPr>
+        <p:spPr>
+          <a:xfrm rot="10800000">
+            <a:off x="2583262" y="2938205"/>
+            <a:ext cx="1691476" cy="317898"/>
+          </a:xfrm>
+          <a:prstGeom prst="rightArrow">
+            <a:avLst/>
+          </a:prstGeom>
+          <a:solidFill>
+            <a:srgbClr val="D6DCE5"/>
+          </a:solidFill>
+          <a:ln>
+            <a:noFill/>
+          </a:ln>
+        </p:spPr>
+        <p:style>
+          <a:lnRef idx="2">
+            <a:schemeClr val="accent1">
+              <a:shade val="50000"/>
+            </a:schemeClr>
+          </a:lnRef>
+          <a:fillRef idx="1">
+            <a:schemeClr val="accent1"/>
+          </a:fillRef>
+          <a:effectRef idx="0">
+            <a:schemeClr val="accent1"/>
+          </a:effectRef>
+          <a:fontRef idx="minor">
+            <a:schemeClr val="lt1"/>
+          </a:fontRef>
+        </p:style>
+        <p:txBody>
+          <a:bodyPr rtlCol="0" anchor="ctr"/>
+          <a:lstStyle/>
+          <a:p>
+            <a:pPr algn="ctr"/>
+            <a:endParaRPr lang="de-DE"/>
+          </a:p>
+        </p:txBody>
+      </p:sp>
+      <p:sp>
+        <p:nvSpPr>
+          <p:cNvPr id="52" name="Pfeil: nach rechts 51">
+            <a:extLst>
+              <a:ext uri="{FF2B5EF4-FFF2-40B4-BE49-F238E27FC236}">
+                <a16:creationId xmlns:a16="http://schemas.microsoft.com/office/drawing/2014/main" id="{D596ED4A-B066-47F3-883E-6B929CE5C9D4}"/>
+              </a:ext>
+            </a:extLst>
+          </p:cNvPr>
+          <p:cNvSpPr/>
+          <p:nvPr/>
+        </p:nvSpPr>
+        <p:spPr>
+          <a:xfrm rot="10800000" flipH="1">
+            <a:off x="2420232" y="3192469"/>
+            <a:ext cx="1523157" cy="317898"/>
+          </a:xfrm>
+          <a:prstGeom prst="rightArrow">
+            <a:avLst/>
+          </a:prstGeom>
+          <a:solidFill>
+            <a:srgbClr val="D6DCE5"/>
+          </a:solidFill>
+          <a:ln>
+            <a:noFill/>
+          </a:ln>
+        </p:spPr>
+        <p:style>
+          <a:lnRef idx="2">
+            <a:schemeClr val="accent1">
+              <a:shade val="50000"/>
+            </a:schemeClr>
+          </a:lnRef>
+          <a:fillRef idx="1">
+            <a:schemeClr val="accent1"/>
+          </a:fillRef>
+          <a:effectRef idx="0">
+            <a:schemeClr val="accent1"/>
+          </a:effectRef>
+          <a:fontRef idx="minor">
+            <a:schemeClr val="lt1"/>
+          </a:fontRef>
+        </p:style>
+        <p:txBody>
+          <a:bodyPr rtlCol="0" anchor="ctr"/>
+          <a:lstStyle/>
+          <a:p>
+            <a:pPr algn="ctr"/>
+            <a:endParaRPr lang="de-DE"/>
+          </a:p>
+        </p:txBody>
+      </p:sp>
+      <p:sp>
+        <p:nvSpPr>
+          <p:cNvPr id="47" name="Pfeil: nach rechts 46">
+            <a:extLst>
+              <a:ext uri="{FF2B5EF4-FFF2-40B4-BE49-F238E27FC236}">
+                <a16:creationId xmlns:a16="http://schemas.microsoft.com/office/drawing/2014/main" id="{95CEDEDB-F285-455A-8EB9-7D990A4BA321}"/>
+              </a:ext>
+            </a:extLst>
+          </p:cNvPr>
+          <p:cNvSpPr/>
+          <p:nvPr/>
+        </p:nvSpPr>
+        <p:spPr>
+          <a:xfrm rot="10800000" flipH="1">
+            <a:off x="2420232" y="4404850"/>
+            <a:ext cx="1523157" cy="317898"/>
+          </a:xfrm>
+          <a:prstGeom prst="rightArrow">
+            <a:avLst/>
+          </a:prstGeom>
+          <a:solidFill>
+            <a:srgbClr val="D6DCE5"/>
+          </a:solidFill>
+          <a:ln>
+            <a:noFill/>
+          </a:ln>
+        </p:spPr>
+        <p:style>
+          <a:lnRef idx="2">
+            <a:schemeClr val="accent1">
+              <a:shade val="50000"/>
+            </a:schemeClr>
+          </a:lnRef>
+          <a:fillRef idx="1">
+            <a:schemeClr val="accent1"/>
+          </a:fillRef>
+          <a:effectRef idx="0">
+            <a:schemeClr val="accent1"/>
+          </a:effectRef>
+          <a:fontRef idx="minor">
+            <a:schemeClr val="lt1"/>
+          </a:fontRef>
+        </p:style>
+        <p:txBody>
+          <a:bodyPr rtlCol="0" anchor="ctr"/>
+          <a:lstStyle/>
+          <a:p>
+            <a:pPr algn="ctr"/>
+            <a:endParaRPr lang="de-DE"/>
+          </a:p>
+        </p:txBody>
+      </p:sp>
+      <p:sp>
+        <p:nvSpPr>
+          <p:cNvPr id="45" name="Pfeil: nach rechts 44">
+            <a:extLst>
+              <a:ext uri="{FF2B5EF4-FFF2-40B4-BE49-F238E27FC236}">
+                <a16:creationId xmlns:a16="http://schemas.microsoft.com/office/drawing/2014/main" id="{808225D5-188F-4A8B-B9BC-8EBEB9AFF2DE}"/>
+              </a:ext>
+            </a:extLst>
+          </p:cNvPr>
+          <p:cNvSpPr/>
+          <p:nvPr/>
+        </p:nvSpPr>
+        <p:spPr>
+          <a:xfrm rot="10800000">
+            <a:off x="2586771" y="3752796"/>
+            <a:ext cx="1691476" cy="317898"/>
+          </a:xfrm>
+          <a:prstGeom prst="rightArrow">
+            <a:avLst/>
+          </a:prstGeom>
+          <a:solidFill>
+            <a:srgbClr val="D6DCE5"/>
+          </a:solidFill>
+          <a:ln>
+            <a:noFill/>
+          </a:ln>
+        </p:spPr>
+        <p:style>
+          <a:lnRef idx="2">
+            <a:schemeClr val="accent1">
+              <a:shade val="50000"/>
+            </a:schemeClr>
+          </a:lnRef>
+          <a:fillRef idx="1">
+            <a:schemeClr val="accent1"/>
+          </a:fillRef>
+          <a:effectRef idx="0">
+            <a:schemeClr val="accent1"/>
+          </a:effectRef>
+          <a:fontRef idx="minor">
+            <a:schemeClr val="lt1"/>
+          </a:fontRef>
+        </p:style>
+        <p:txBody>
+          <a:bodyPr rtlCol="0" anchor="ctr"/>
+          <a:lstStyle/>
+          <a:p>
+            <a:pPr algn="ctr"/>
+            <a:endParaRPr lang="de-DE"/>
+          </a:p>
+        </p:txBody>
+      </p:sp>
+      <p:sp>
+        <p:nvSpPr>
+          <p:cNvPr id="2" name="Titel 1">
+            <a:extLst>
+              <a:ext uri="{FF2B5EF4-FFF2-40B4-BE49-F238E27FC236}">
+                <a16:creationId xmlns:a16="http://schemas.microsoft.com/office/drawing/2014/main" id="{0551B04D-69E8-4BFE-9F1D-951E570F0118}"/>
+              </a:ext>
+            </a:extLst>
+          </p:cNvPr>
+          <p:cNvSpPr>
+            <a:spLocks noGrp="1"/>
+          </p:cNvSpPr>
+          <p:nvPr>
+            <p:ph type="title"/>
+          </p:nvPr>
+        </p:nvSpPr>
+        <p:spPr/>
+        <p:txBody>
+          <a:bodyPr/>
+          <a:lstStyle/>
+          <a:p>
+            <a:r>
+              <a:rPr lang="de-DE"/>
+              <a:t>coding-service-vera.png</a:t>
+            </a:r>
+          </a:p>
+        </p:txBody>
+      </p:sp>
+      <p:sp>
+        <p:nvSpPr>
+          <p:cNvPr id="5" name="Rechteck 4">
+            <a:extLst>
+              <a:ext uri="{FF2B5EF4-FFF2-40B4-BE49-F238E27FC236}">
+                <a16:creationId xmlns:a16="http://schemas.microsoft.com/office/drawing/2014/main" id="{8D492F30-5400-4C0A-AFC2-EAC63131E272}"/>
+              </a:ext>
+            </a:extLst>
+          </p:cNvPr>
+          <p:cNvSpPr/>
+          <p:nvPr/>
+        </p:nvSpPr>
+        <p:spPr>
+          <a:xfrm>
+            <a:off x="2660399" y="2950619"/>
+            <a:ext cx="1272142" cy="312190"/>
+          </a:xfrm>
+          <a:prstGeom prst="rect">
+            <a:avLst/>
+          </a:prstGeom>
+          <a:noFill/>
+          <a:ln>
+            <a:noFill/>
+          </a:ln>
+        </p:spPr>
+        <p:style>
+          <a:lnRef idx="2">
+            <a:schemeClr val="accent1">
+              <a:shade val="50000"/>
+            </a:schemeClr>
+          </a:lnRef>
+          <a:fillRef idx="1">
+            <a:schemeClr val="accent1"/>
+          </a:fillRef>
+          <a:effectRef idx="0">
+            <a:schemeClr val="accent1"/>
+          </a:effectRef>
+          <a:fontRef idx="minor">
+            <a:schemeClr val="lt1"/>
+          </a:fontRef>
+        </p:style>
+        <p:txBody>
+          <a:bodyPr rtlCol="0" anchor="t"/>
+          <a:lstStyle/>
+          <a:p>
+            <a:pPr algn="ctr"/>
+            <a:r>
+              <a:rPr lang="de-DE" sz="1200">
+                <a:solidFill>
+                  <a:srgbClr val="405786"/>
+                </a:solidFill>
+              </a:rPr>
+              <a:t>Testhefte, Logins</a:t>
+            </a:r>
+            <a:endParaRPr lang="de-DE" sz="1400">
+              <a:solidFill>
+                <a:srgbClr val="405786"/>
+              </a:solidFill>
+            </a:endParaRPr>
+          </a:p>
+        </p:txBody>
+      </p:sp>
+      <p:sp>
+        <p:nvSpPr>
+          <p:cNvPr id="24" name="Rechteck: abgerundete Ecken 23">
+            <a:extLst>
+              <a:ext uri="{FF2B5EF4-FFF2-40B4-BE49-F238E27FC236}">
+                <a16:creationId xmlns:a16="http://schemas.microsoft.com/office/drawing/2014/main" id="{55A149B1-1B8A-4A2A-A04E-957240767D97}"/>
+              </a:ext>
+            </a:extLst>
+          </p:cNvPr>
+          <p:cNvSpPr/>
+          <p:nvPr/>
+        </p:nvSpPr>
+        <p:spPr>
+          <a:xfrm>
+            <a:off x="842318" y="2938048"/>
+            <a:ext cx="1676257" cy="566909"/>
+          </a:xfrm>
+          <a:prstGeom prst="roundRect">
+            <a:avLst/>
+          </a:prstGeom>
+          <a:solidFill>
+            <a:srgbClr val="008CBA"/>
+          </a:solidFill>
+          <a:ln>
+            <a:noFill/>
+          </a:ln>
+        </p:spPr>
+        <p:style>
+          <a:lnRef idx="2">
+            <a:schemeClr val="accent1">
+              <a:shade val="50000"/>
+            </a:schemeClr>
+          </a:lnRef>
+          <a:fillRef idx="1">
+            <a:schemeClr val="accent1"/>
+          </a:fillRef>
+          <a:effectRef idx="0">
+            <a:schemeClr val="accent1"/>
+          </a:effectRef>
+          <a:fontRef idx="minor">
+            <a:schemeClr val="lt1"/>
+          </a:fontRef>
+        </p:style>
+        <p:txBody>
+          <a:bodyPr rtlCol="0" anchor="ctr"/>
+          <a:lstStyle/>
+          <a:p>
+            <a:pPr algn="ctr"/>
+            <a:r>
+              <a:rPr lang="de-DE" sz="1400"/>
+              <a:t>IQB-Testcenter</a:t>
+            </a:r>
+            <a:endParaRPr lang="de-DE"/>
+          </a:p>
+        </p:txBody>
+      </p:sp>
+      <p:sp>
+        <p:nvSpPr>
+          <p:cNvPr id="28" name="Rechteck: abgerundete Ecken 27">
+            <a:extLst>
+              <a:ext uri="{FF2B5EF4-FFF2-40B4-BE49-F238E27FC236}">
+                <a16:creationId xmlns:a16="http://schemas.microsoft.com/office/drawing/2014/main" id="{18CDCB2C-10D5-4159-8DD6-1628F42C8F1C}"/>
+              </a:ext>
+            </a:extLst>
+          </p:cNvPr>
+          <p:cNvSpPr/>
+          <p:nvPr/>
+        </p:nvSpPr>
+        <p:spPr>
+          <a:xfrm>
+            <a:off x="842318" y="3776488"/>
+            <a:ext cx="1676257" cy="961458"/>
+          </a:xfrm>
+          <a:prstGeom prst="roundRect">
+            <a:avLst/>
+          </a:prstGeom>
+          <a:solidFill>
+            <a:srgbClr val="008CBA"/>
+          </a:solidFill>
+          <a:ln>
+            <a:noFill/>
+          </a:ln>
+        </p:spPr>
+        <p:style>
+          <a:lnRef idx="2">
+            <a:schemeClr val="accent1">
+              <a:shade val="50000"/>
+            </a:schemeClr>
+          </a:lnRef>
+          <a:fillRef idx="1">
+            <a:schemeClr val="accent1"/>
+          </a:fillRef>
+          <a:effectRef idx="0">
+            <a:schemeClr val="accent1"/>
+          </a:effectRef>
+          <a:fontRef idx="minor">
+            <a:schemeClr val="lt1"/>
+          </a:fontRef>
+        </p:style>
+        <p:txBody>
+          <a:bodyPr rtlCol="0" anchor="ctr"/>
+          <a:lstStyle/>
+          <a:p>
+            <a:pPr algn="ctr"/>
+            <a:r>
+              <a:rPr lang="de-DE" sz="1400"/>
+              <a:t>IQB-CodingService</a:t>
+            </a:r>
+            <a:endParaRPr lang="de-DE"/>
+          </a:p>
+        </p:txBody>
+      </p:sp>
+      <p:sp>
+        <p:nvSpPr>
+          <p:cNvPr id="33" name="Rechteck 32">
+            <a:extLst>
+              <a:ext uri="{FF2B5EF4-FFF2-40B4-BE49-F238E27FC236}">
+                <a16:creationId xmlns:a16="http://schemas.microsoft.com/office/drawing/2014/main" id="{E60FA52C-E5FD-4D73-BD0B-066F95104E73}"/>
+              </a:ext>
+            </a:extLst>
+          </p:cNvPr>
+          <p:cNvSpPr/>
+          <p:nvPr/>
+        </p:nvSpPr>
+        <p:spPr>
+          <a:xfrm>
+            <a:off x="3976878" y="2080260"/>
+            <a:ext cx="2230163" cy="3558540"/>
+          </a:xfrm>
+          <a:prstGeom prst="rect">
+            <a:avLst/>
+          </a:prstGeom>
+          <a:solidFill>
+            <a:srgbClr val="D6DCE5"/>
+          </a:solidFill>
+          <a:ln>
+            <a:noFill/>
+          </a:ln>
+        </p:spPr>
+        <p:style>
+          <a:lnRef idx="2">
+            <a:schemeClr val="accent1">
+              <a:shade val="50000"/>
+            </a:schemeClr>
+          </a:lnRef>
+          <a:fillRef idx="1">
+            <a:schemeClr val="accent1"/>
+          </a:fillRef>
+          <a:effectRef idx="0">
+            <a:schemeClr val="accent1"/>
+          </a:effectRef>
+          <a:fontRef idx="minor">
+            <a:schemeClr val="lt1"/>
+          </a:fontRef>
+        </p:style>
+        <p:txBody>
+          <a:bodyPr rtlCol="0" anchor="ctr"/>
+          <a:lstStyle/>
+          <a:p>
+            <a:pPr algn="r"/>
+            <a:endParaRPr lang="de-DE" sz="1600">
+              <a:solidFill>
+                <a:srgbClr val="405786"/>
+              </a:solidFill>
+            </a:endParaRPr>
+          </a:p>
+        </p:txBody>
+      </p:sp>
+      <p:sp>
+        <p:nvSpPr>
+          <p:cNvPr id="37" name="Rechteck 36">
+            <a:extLst>
+              <a:ext uri="{FF2B5EF4-FFF2-40B4-BE49-F238E27FC236}">
+                <a16:creationId xmlns:a16="http://schemas.microsoft.com/office/drawing/2014/main" id="{A169B987-A534-4CB7-A1B9-63A9F65E37E4}"/>
+              </a:ext>
+            </a:extLst>
+          </p:cNvPr>
+          <p:cNvSpPr/>
+          <p:nvPr/>
+        </p:nvSpPr>
+        <p:spPr>
+          <a:xfrm>
+            <a:off x="4124904" y="3182935"/>
+            <a:ext cx="1878368" cy="404398"/>
+          </a:xfrm>
+          <a:prstGeom prst="rect">
+            <a:avLst/>
+          </a:prstGeom>
+          <a:noFill/>
+          <a:ln>
+            <a:noFill/>
+          </a:ln>
+        </p:spPr>
+        <p:style>
+          <a:lnRef idx="2">
+            <a:schemeClr val="accent1">
+              <a:shade val="50000"/>
+            </a:schemeClr>
+          </a:lnRef>
+          <a:fillRef idx="1">
+            <a:schemeClr val="accent1"/>
+          </a:fillRef>
+          <a:effectRef idx="0">
+            <a:schemeClr val="accent1"/>
+          </a:effectRef>
+          <a:fontRef idx="minor">
+            <a:schemeClr val="lt1"/>
+          </a:fontRef>
+        </p:style>
+        <p:txBody>
+          <a:bodyPr rtlCol="0" anchor="t"/>
+          <a:lstStyle/>
+          <a:p>
+            <a:r>
+              <a:rPr lang="de-DE" sz="1200">
+                <a:solidFill>
+                  <a:srgbClr val="405786"/>
+                </a:solidFill>
+              </a:rPr>
+              <a:t>Transformation Antworten</a:t>
+            </a:r>
+          </a:p>
+        </p:txBody>
+      </p:sp>
+      <p:sp>
+        <p:nvSpPr>
+          <p:cNvPr id="38" name="Rechteck 37">
+            <a:extLst>
+              <a:ext uri="{FF2B5EF4-FFF2-40B4-BE49-F238E27FC236}">
+                <a16:creationId xmlns:a16="http://schemas.microsoft.com/office/drawing/2014/main" id="{36AA9122-78A1-4FE7-93DE-AF0FC8D3F9F2}"/>
+              </a:ext>
+            </a:extLst>
+          </p:cNvPr>
+          <p:cNvSpPr/>
+          <p:nvPr/>
+        </p:nvSpPr>
+        <p:spPr>
+          <a:xfrm>
+            <a:off x="4124904" y="3614576"/>
+            <a:ext cx="1942950" cy="504072"/>
+          </a:xfrm>
+          <a:prstGeom prst="rect">
+            <a:avLst/>
+          </a:prstGeom>
+          <a:noFill/>
+          <a:ln>
+            <a:noFill/>
+          </a:ln>
+        </p:spPr>
+        <p:style>
+          <a:lnRef idx="2">
+            <a:schemeClr val="accent1">
+              <a:shade val="50000"/>
+            </a:schemeClr>
+          </a:lnRef>
+          <a:fillRef idx="1">
+            <a:schemeClr val="accent1"/>
+          </a:fillRef>
+          <a:effectRef idx="0">
+            <a:schemeClr val="accent1"/>
+          </a:effectRef>
+          <a:fontRef idx="minor">
+            <a:schemeClr val="lt1"/>
+          </a:fontRef>
+        </p:style>
+        <p:txBody>
+          <a:bodyPr rtlCol="0" anchor="t"/>
+          <a:lstStyle/>
+          <a:p>
+            <a:r>
+              <a:rPr lang="de-DE" sz="1200">
+                <a:solidFill>
+                  <a:srgbClr val="405786"/>
+                </a:solidFill>
+              </a:rPr>
+              <a:t>Zusammenfassung von Personendaten</a:t>
+            </a:r>
+          </a:p>
+        </p:txBody>
+      </p:sp>
+      <p:sp>
+        <p:nvSpPr>
+          <p:cNvPr id="29" name="Rechteck: abgerundete Ecken 28">
+            <a:extLst>
+              <a:ext uri="{FF2B5EF4-FFF2-40B4-BE49-F238E27FC236}">
+                <a16:creationId xmlns:a16="http://schemas.microsoft.com/office/drawing/2014/main" id="{9FDE0028-0EE4-4C14-9A21-5BA76FD49DBA}"/>
+              </a:ext>
+            </a:extLst>
+          </p:cNvPr>
+          <p:cNvSpPr/>
+          <p:nvPr/>
+        </p:nvSpPr>
+        <p:spPr>
+          <a:xfrm>
+            <a:off x="4143415" y="2165014"/>
+            <a:ext cx="1897087" cy="491386"/>
+          </a:xfrm>
+          <a:prstGeom prst="roundRect">
+            <a:avLst/>
+          </a:prstGeom>
+          <a:solidFill>
+            <a:srgbClr val="7D12B9"/>
+          </a:solidFill>
+          <a:ln>
+            <a:noFill/>
+          </a:ln>
+        </p:spPr>
+        <p:style>
+          <a:lnRef idx="2">
+            <a:schemeClr val="accent1">
+              <a:shade val="50000"/>
+            </a:schemeClr>
+          </a:lnRef>
+          <a:fillRef idx="1">
+            <a:schemeClr val="accent1"/>
+          </a:fillRef>
+          <a:effectRef idx="0">
+            <a:schemeClr val="accent1"/>
+          </a:effectRef>
+          <a:fontRef idx="minor">
+            <a:schemeClr val="lt1"/>
+          </a:fontRef>
+        </p:style>
+        <p:txBody>
+          <a:bodyPr rtlCol="0" anchor="ctr"/>
+          <a:lstStyle/>
+          <a:p>
+            <a:pPr algn="ctr"/>
+            <a:r>
+              <a:rPr lang="de-DE" sz="1400"/>
+              <a:t>Landesportalsystem</a:t>
+            </a:r>
+            <a:endParaRPr lang="de-DE"/>
+          </a:p>
+        </p:txBody>
+      </p:sp>
+      <p:sp>
+        <p:nvSpPr>
+          <p:cNvPr id="39" name="Rechteck 38">
+            <a:extLst>
+              <a:ext uri="{FF2B5EF4-FFF2-40B4-BE49-F238E27FC236}">
+                <a16:creationId xmlns:a16="http://schemas.microsoft.com/office/drawing/2014/main" id="{2B9FEF30-B504-4280-9D45-C365E076D20C}"/>
+              </a:ext>
+            </a:extLst>
+          </p:cNvPr>
+          <p:cNvSpPr/>
+          <p:nvPr/>
+        </p:nvSpPr>
+        <p:spPr>
+          <a:xfrm>
+            <a:off x="4124904" y="4078823"/>
+            <a:ext cx="1903188" cy="337057"/>
+          </a:xfrm>
+          <a:prstGeom prst="rect">
+            <a:avLst/>
+          </a:prstGeom>
+          <a:noFill/>
+          <a:ln>
+            <a:noFill/>
+          </a:ln>
+        </p:spPr>
+        <p:style>
+          <a:lnRef idx="2">
+            <a:schemeClr val="accent1">
+              <a:shade val="50000"/>
+            </a:schemeClr>
+          </a:lnRef>
+          <a:fillRef idx="1">
+            <a:schemeClr val="accent1"/>
+          </a:fillRef>
+          <a:effectRef idx="0">
+            <a:schemeClr val="accent1"/>
+          </a:effectRef>
+          <a:fontRef idx="minor">
+            <a:schemeClr val="lt1"/>
+          </a:fontRef>
+        </p:style>
+        <p:txBody>
+          <a:bodyPr rtlCol="0" anchor="t"/>
+          <a:lstStyle/>
+          <a:p>
+            <a:r>
+              <a:rPr lang="de-DE" sz="1200">
+                <a:solidFill>
+                  <a:srgbClr val="405786"/>
+                </a:solidFill>
+              </a:rPr>
+              <a:t>Manuelle Kodierung</a:t>
+            </a:r>
+          </a:p>
+        </p:txBody>
+      </p:sp>
+      <p:sp>
+        <p:nvSpPr>
+          <p:cNvPr id="41" name="Rechteck 40">
+            <a:extLst>
+              <a:ext uri="{FF2B5EF4-FFF2-40B4-BE49-F238E27FC236}">
+                <a16:creationId xmlns:a16="http://schemas.microsoft.com/office/drawing/2014/main" id="{11699080-069A-4BBF-89B5-ECD97458B24F}"/>
+              </a:ext>
+            </a:extLst>
+          </p:cNvPr>
+          <p:cNvSpPr/>
+          <p:nvPr/>
+        </p:nvSpPr>
+        <p:spPr>
+          <a:xfrm>
+            <a:off x="4124904" y="2753811"/>
+            <a:ext cx="1676258" cy="436770"/>
+          </a:xfrm>
+          <a:prstGeom prst="rect">
+            <a:avLst/>
+          </a:prstGeom>
+          <a:noFill/>
+          <a:ln>
+            <a:noFill/>
+          </a:ln>
+        </p:spPr>
+        <p:style>
+          <a:lnRef idx="2">
+            <a:schemeClr val="accent1">
+              <a:shade val="50000"/>
+            </a:schemeClr>
+          </a:lnRef>
+          <a:fillRef idx="1">
+            <a:schemeClr val="accent1"/>
+          </a:fillRef>
+          <a:effectRef idx="0">
+            <a:schemeClr val="accent1"/>
+          </a:effectRef>
+          <a:fontRef idx="minor">
+            <a:schemeClr val="lt1"/>
+          </a:fontRef>
+        </p:style>
+        <p:txBody>
+          <a:bodyPr rtlCol="0" anchor="t"/>
+          <a:lstStyle/>
+          <a:p>
+            <a:r>
+              <a:rPr lang="de-DE" sz="1200">
+                <a:solidFill>
+                  <a:srgbClr val="405786"/>
+                </a:solidFill>
+              </a:rPr>
+              <a:t>Zuweisung Personen zu Testheften</a:t>
+            </a:r>
+          </a:p>
+        </p:txBody>
+      </p:sp>
+      <p:sp>
+        <p:nvSpPr>
+          <p:cNvPr id="42" name="Pfeil: nach links und rechts 41">
+            <a:extLst>
+              <a:ext uri="{FF2B5EF4-FFF2-40B4-BE49-F238E27FC236}">
+                <a16:creationId xmlns:a16="http://schemas.microsoft.com/office/drawing/2014/main" id="{DB134E8A-B06F-4954-956A-97E7E41D151E}"/>
+              </a:ext>
+            </a:extLst>
+          </p:cNvPr>
+          <p:cNvSpPr/>
+          <p:nvPr/>
+        </p:nvSpPr>
+        <p:spPr>
+          <a:xfrm rot="10800000">
+            <a:off x="2586772" y="4078823"/>
+            <a:ext cx="1356617" cy="317898"/>
+          </a:xfrm>
+          <a:prstGeom prst="leftRightArrow">
+            <a:avLst/>
+          </a:prstGeom>
+          <a:solidFill>
+            <a:srgbClr val="D6DCE5"/>
+          </a:solidFill>
+          <a:ln>
+            <a:noFill/>
+          </a:ln>
+        </p:spPr>
+        <p:style>
+          <a:lnRef idx="2">
+            <a:schemeClr val="accent1">
+              <a:shade val="50000"/>
+            </a:schemeClr>
+          </a:lnRef>
+          <a:fillRef idx="1">
+            <a:schemeClr val="accent1"/>
+          </a:fillRef>
+          <a:effectRef idx="0">
+            <a:schemeClr val="accent1"/>
+          </a:effectRef>
+          <a:fontRef idx="minor">
+            <a:schemeClr val="lt1"/>
+          </a:fontRef>
+        </p:style>
+        <p:txBody>
+          <a:bodyPr rtlCol="0" anchor="ctr"/>
+          <a:lstStyle/>
+          <a:p>
+            <a:pPr algn="ctr"/>
+            <a:endParaRPr lang="de-DE"/>
+          </a:p>
+        </p:txBody>
+      </p:sp>
+      <p:sp>
+        <p:nvSpPr>
+          <p:cNvPr id="43" name="Rechteck 42">
+            <a:extLst>
+              <a:ext uri="{FF2B5EF4-FFF2-40B4-BE49-F238E27FC236}">
+                <a16:creationId xmlns:a16="http://schemas.microsoft.com/office/drawing/2014/main" id="{89E45DD8-5AC8-452A-8CF4-54F340B0E071}"/>
+              </a:ext>
+            </a:extLst>
+          </p:cNvPr>
+          <p:cNvSpPr/>
+          <p:nvPr/>
+        </p:nvSpPr>
+        <p:spPr>
+          <a:xfrm>
+            <a:off x="2747770" y="3211688"/>
+            <a:ext cx="912402" cy="323060"/>
+          </a:xfrm>
+          <a:prstGeom prst="rect">
+            <a:avLst/>
+          </a:prstGeom>
+          <a:noFill/>
+          <a:ln>
+            <a:noFill/>
+          </a:ln>
+        </p:spPr>
+        <p:style>
+          <a:lnRef idx="2">
+            <a:schemeClr val="accent1">
+              <a:shade val="50000"/>
+            </a:schemeClr>
+          </a:lnRef>
+          <a:fillRef idx="1">
+            <a:schemeClr val="accent1"/>
+          </a:fillRef>
+          <a:effectRef idx="0">
+            <a:schemeClr val="accent1"/>
+          </a:effectRef>
+          <a:fontRef idx="minor">
+            <a:schemeClr val="lt1"/>
+          </a:fontRef>
+        </p:style>
+        <p:txBody>
+          <a:bodyPr rtlCol="0" anchor="t"/>
+          <a:lstStyle/>
+          <a:p>
+            <a:pPr algn="ctr"/>
+            <a:r>
+              <a:rPr lang="de-DE" sz="1200">
+                <a:solidFill>
+                  <a:srgbClr val="405786"/>
+                </a:solidFill>
+              </a:rPr>
+              <a:t>Antworten</a:t>
+            </a:r>
+            <a:endParaRPr lang="de-DE" sz="1400">
+              <a:solidFill>
+                <a:srgbClr val="405786"/>
+              </a:solidFill>
+            </a:endParaRPr>
+          </a:p>
+        </p:txBody>
+      </p:sp>
+      <p:sp>
+        <p:nvSpPr>
+          <p:cNvPr id="46" name="Rechteck 45">
+            <a:extLst>
+              <a:ext uri="{FF2B5EF4-FFF2-40B4-BE49-F238E27FC236}">
+                <a16:creationId xmlns:a16="http://schemas.microsoft.com/office/drawing/2014/main" id="{447F9071-D586-4080-ACEF-639E7E083537}"/>
+              </a:ext>
+            </a:extLst>
+          </p:cNvPr>
+          <p:cNvSpPr/>
+          <p:nvPr/>
+        </p:nvSpPr>
+        <p:spPr>
+          <a:xfrm>
+            <a:off x="2747770" y="3774276"/>
+            <a:ext cx="912402" cy="317898"/>
+          </a:xfrm>
+          <a:prstGeom prst="rect">
+            <a:avLst/>
+          </a:prstGeom>
+          <a:noFill/>
+          <a:ln>
+            <a:noFill/>
+          </a:ln>
+        </p:spPr>
+        <p:style>
+          <a:lnRef idx="2">
+            <a:schemeClr val="accent1">
+              <a:shade val="50000"/>
+            </a:schemeClr>
+          </a:lnRef>
+          <a:fillRef idx="1">
+            <a:schemeClr val="accent1"/>
+          </a:fillRef>
+          <a:effectRef idx="0">
+            <a:schemeClr val="accent1"/>
+          </a:effectRef>
+          <a:fontRef idx="minor">
+            <a:schemeClr val="lt1"/>
+          </a:fontRef>
+        </p:style>
+        <p:txBody>
+          <a:bodyPr rtlCol="0" anchor="t"/>
+          <a:lstStyle/>
+          <a:p>
+            <a:pPr algn="ctr"/>
+            <a:r>
+              <a:rPr lang="de-DE" sz="1200">
+                <a:solidFill>
+                  <a:srgbClr val="405786"/>
+                </a:solidFill>
+              </a:rPr>
+              <a:t>Antworten</a:t>
+            </a:r>
+            <a:endParaRPr lang="de-DE" sz="1400">
+              <a:solidFill>
+                <a:srgbClr val="405786"/>
+              </a:solidFill>
+            </a:endParaRPr>
+          </a:p>
+        </p:txBody>
+      </p:sp>
+      <p:sp>
+        <p:nvSpPr>
+          <p:cNvPr id="48" name="Rechteck 47">
+            <a:extLst>
+              <a:ext uri="{FF2B5EF4-FFF2-40B4-BE49-F238E27FC236}">
+                <a16:creationId xmlns:a16="http://schemas.microsoft.com/office/drawing/2014/main" id="{1E0FABDF-2317-4303-A7BD-8A147CEB1B88}"/>
+              </a:ext>
+            </a:extLst>
+          </p:cNvPr>
+          <p:cNvSpPr/>
+          <p:nvPr/>
+        </p:nvSpPr>
+        <p:spPr>
+          <a:xfrm>
+            <a:off x="2672838" y="4424605"/>
+            <a:ext cx="1062267" cy="323060"/>
+          </a:xfrm>
+          <a:prstGeom prst="rect">
+            <a:avLst/>
+          </a:prstGeom>
+          <a:noFill/>
+          <a:ln>
+            <a:noFill/>
+          </a:ln>
+        </p:spPr>
+        <p:style>
+          <a:lnRef idx="2">
+            <a:schemeClr val="accent1">
+              <a:shade val="50000"/>
+            </a:schemeClr>
+          </a:lnRef>
+          <a:fillRef idx="1">
+            <a:schemeClr val="accent1"/>
+          </a:fillRef>
+          <a:effectRef idx="0">
+            <a:schemeClr val="accent1"/>
+          </a:effectRef>
+          <a:fontRef idx="minor">
+            <a:schemeClr val="lt1"/>
+          </a:fontRef>
+        </p:style>
+        <p:txBody>
+          <a:bodyPr rtlCol="0" anchor="t"/>
+          <a:lstStyle/>
+          <a:p>
+            <a:pPr algn="ctr"/>
+            <a:r>
+              <a:rPr lang="de-DE" sz="1200">
+                <a:solidFill>
+                  <a:srgbClr val="405786"/>
+                </a:solidFill>
+              </a:rPr>
+              <a:t>Skalenwerte</a:t>
+            </a:r>
+            <a:endParaRPr lang="de-DE" sz="1400">
+              <a:solidFill>
+                <a:srgbClr val="405786"/>
+              </a:solidFill>
+            </a:endParaRPr>
+          </a:p>
+        </p:txBody>
+      </p:sp>
+      <p:sp>
+        <p:nvSpPr>
+          <p:cNvPr id="49" name="Rechteck 48">
+            <a:extLst>
+              <a:ext uri="{FF2B5EF4-FFF2-40B4-BE49-F238E27FC236}">
+                <a16:creationId xmlns:a16="http://schemas.microsoft.com/office/drawing/2014/main" id="{9E0FAA92-76A1-43B5-A73E-501E6515C764}"/>
+              </a:ext>
+            </a:extLst>
+          </p:cNvPr>
+          <p:cNvSpPr/>
+          <p:nvPr/>
+        </p:nvSpPr>
+        <p:spPr>
+          <a:xfrm>
+            <a:off x="4124904" y="5305424"/>
+            <a:ext cx="1903188" cy="337057"/>
+          </a:xfrm>
+          <a:prstGeom prst="rect">
+            <a:avLst/>
+          </a:prstGeom>
+          <a:noFill/>
+          <a:ln>
+            <a:noFill/>
+          </a:ln>
+        </p:spPr>
+        <p:style>
+          <a:lnRef idx="2">
+            <a:schemeClr val="accent1">
+              <a:shade val="50000"/>
+            </a:schemeClr>
+          </a:lnRef>
+          <a:fillRef idx="1">
+            <a:schemeClr val="accent1"/>
+          </a:fillRef>
+          <a:effectRef idx="0">
+            <a:schemeClr val="accent1"/>
+          </a:effectRef>
+          <a:fontRef idx="minor">
+            <a:schemeClr val="lt1"/>
+          </a:fontRef>
+        </p:style>
+        <p:txBody>
+          <a:bodyPr rtlCol="0" anchor="t"/>
+          <a:lstStyle/>
+          <a:p>
+            <a:r>
+              <a:rPr lang="de-DE" sz="1200">
+                <a:solidFill>
+                  <a:srgbClr val="405786"/>
+                </a:solidFill>
+              </a:rPr>
+              <a:t>Rückmeldung</a:t>
+            </a:r>
+          </a:p>
+        </p:txBody>
+      </p:sp>
+      <p:sp>
+        <p:nvSpPr>
+          <p:cNvPr id="50" name="Rechteck 49">
+            <a:extLst>
+              <a:ext uri="{FF2B5EF4-FFF2-40B4-BE49-F238E27FC236}">
+                <a16:creationId xmlns:a16="http://schemas.microsoft.com/office/drawing/2014/main" id="{0F10F39A-DEE5-417F-91DF-57AC6B95C10E}"/>
+              </a:ext>
+            </a:extLst>
+          </p:cNvPr>
+          <p:cNvSpPr/>
+          <p:nvPr/>
+        </p:nvSpPr>
+        <p:spPr>
+          <a:xfrm>
+            <a:off x="4124904" y="4413742"/>
+            <a:ext cx="1903188" cy="522105"/>
+          </a:xfrm>
+          <a:prstGeom prst="rect">
+            <a:avLst/>
+          </a:prstGeom>
+          <a:noFill/>
+          <a:ln>
+            <a:noFill/>
+          </a:ln>
+        </p:spPr>
+        <p:style>
+          <a:lnRef idx="2">
+            <a:schemeClr val="accent1">
+              <a:shade val="50000"/>
+            </a:schemeClr>
+          </a:lnRef>
+          <a:fillRef idx="1">
+            <a:schemeClr val="accent1"/>
+          </a:fillRef>
+          <a:effectRef idx="0">
+            <a:schemeClr val="accent1"/>
+          </a:effectRef>
+          <a:fontRef idx="minor">
+            <a:schemeClr val="lt1"/>
+          </a:fontRef>
+        </p:style>
+        <p:txBody>
+          <a:bodyPr rtlCol="0" anchor="t"/>
+          <a:lstStyle/>
+          <a:p>
+            <a:r>
+              <a:rPr lang="de-DE" sz="1200">
+                <a:solidFill>
+                  <a:srgbClr val="405786"/>
+                </a:solidFill>
+              </a:rPr>
+              <a:t>Transformation in eigene Skalen</a:t>
+            </a:r>
+          </a:p>
+        </p:txBody>
+      </p:sp>
+      <p:cxnSp>
+        <p:nvCxnSpPr>
+          <p:cNvPr id="21" name="Gerader Verbinder 20">
+            <a:extLst>
+              <a:ext uri="{FF2B5EF4-FFF2-40B4-BE49-F238E27FC236}">
+                <a16:creationId xmlns:a16="http://schemas.microsoft.com/office/drawing/2014/main" id="{309971D6-DD97-4ABD-8807-E42A785D7F03}"/>
+              </a:ext>
+            </a:extLst>
+          </p:cNvPr>
+          <p:cNvCxnSpPr>
+            <a:cxnSpLocks/>
+          </p:cNvCxnSpPr>
+          <p:nvPr/>
+        </p:nvCxnSpPr>
+        <p:spPr>
+          <a:xfrm>
+            <a:off x="4124904" y="3197114"/>
+            <a:ext cx="1903188" cy="0"/>
+          </a:xfrm>
+          <a:prstGeom prst="line">
+            <a:avLst/>
+          </a:prstGeom>
+          <a:ln>
+            <a:solidFill>
+              <a:srgbClr val="405786"/>
+            </a:solidFill>
+          </a:ln>
+        </p:spPr>
+        <p:style>
+          <a:lnRef idx="1">
+            <a:schemeClr val="accent1"/>
+          </a:lnRef>
+          <a:fillRef idx="0">
+            <a:schemeClr val="accent1"/>
+          </a:fillRef>
+          <a:effectRef idx="0">
+            <a:schemeClr val="accent1"/>
+          </a:effectRef>
+          <a:fontRef idx="minor">
+            <a:schemeClr val="tx1"/>
+          </a:fontRef>
+        </p:style>
+      </p:cxnSp>
+      <p:cxnSp>
+        <p:nvCxnSpPr>
+          <p:cNvPr id="51" name="Gerader Verbinder 50">
+            <a:extLst>
+              <a:ext uri="{FF2B5EF4-FFF2-40B4-BE49-F238E27FC236}">
+                <a16:creationId xmlns:a16="http://schemas.microsoft.com/office/drawing/2014/main" id="{D63E6CDF-7D22-41DD-9734-C92BED2F0A28}"/>
+              </a:ext>
+            </a:extLst>
+          </p:cNvPr>
+          <p:cNvCxnSpPr>
+            <a:cxnSpLocks/>
+          </p:cNvCxnSpPr>
+          <p:nvPr/>
+        </p:nvCxnSpPr>
+        <p:spPr>
+          <a:xfrm>
+            <a:off x="4124904" y="4379976"/>
+            <a:ext cx="1903188" cy="0"/>
+          </a:xfrm>
+          <a:prstGeom prst="line">
+            <a:avLst/>
+          </a:prstGeom>
+          <a:ln>
+            <a:solidFill>
+              <a:srgbClr val="405786"/>
+            </a:solidFill>
+          </a:ln>
+        </p:spPr>
+        <p:style>
+          <a:lnRef idx="1">
+            <a:schemeClr val="accent1"/>
+          </a:lnRef>
+          <a:fillRef idx="0">
+            <a:schemeClr val="accent1"/>
+          </a:fillRef>
+          <a:effectRef idx="0">
+            <a:schemeClr val="accent1"/>
+          </a:effectRef>
+          <a:fontRef idx="minor">
+            <a:schemeClr val="tx1"/>
+          </a:fontRef>
+        </p:style>
+      </p:cxnSp>
+      <p:sp>
+        <p:nvSpPr>
+          <p:cNvPr id="54" name="Rechteck 53">
+            <a:extLst>
+              <a:ext uri="{FF2B5EF4-FFF2-40B4-BE49-F238E27FC236}">
+                <a16:creationId xmlns:a16="http://schemas.microsoft.com/office/drawing/2014/main" id="{19E56569-12D7-4838-9C41-290707F74D50}"/>
+              </a:ext>
+            </a:extLst>
+          </p:cNvPr>
+          <p:cNvSpPr/>
+          <p:nvPr/>
+        </p:nvSpPr>
+        <p:spPr>
+          <a:xfrm>
+            <a:off x="4124904" y="4822062"/>
+            <a:ext cx="1903188" cy="522105"/>
+          </a:xfrm>
+          <a:prstGeom prst="rect">
+            <a:avLst/>
+          </a:prstGeom>
+          <a:noFill/>
+          <a:ln>
+            <a:noFill/>
+          </a:ln>
+        </p:spPr>
+        <p:style>
+          <a:lnRef idx="2">
+            <a:schemeClr val="accent1">
+              <a:shade val="50000"/>
+            </a:schemeClr>
+          </a:lnRef>
+          <a:fillRef idx="1">
+            <a:schemeClr val="accent1"/>
+          </a:fillRef>
+          <a:effectRef idx="0">
+            <a:schemeClr val="accent1"/>
+          </a:effectRef>
+          <a:fontRef idx="minor">
+            <a:schemeClr val="lt1"/>
+          </a:fontRef>
+        </p:style>
+        <p:txBody>
+          <a:bodyPr rtlCol="0" anchor="t"/>
+          <a:lstStyle/>
+          <a:p>
+            <a:r>
+              <a:rPr lang="de-DE" sz="1200">
+                <a:solidFill>
+                  <a:srgbClr val="405786"/>
+                </a:solidFill>
+              </a:rPr>
+              <a:t>Aggregationen Personengruppen</a:t>
+            </a:r>
+          </a:p>
+        </p:txBody>
+      </p:sp>
+      <p:sp>
+        <p:nvSpPr>
+          <p:cNvPr id="55" name="Rechteck: abgerundete Ecken 54">
+            <a:extLst>
+              <a:ext uri="{FF2B5EF4-FFF2-40B4-BE49-F238E27FC236}">
+                <a16:creationId xmlns:a16="http://schemas.microsoft.com/office/drawing/2014/main" id="{D80FD2EA-39F5-4A60-B97E-43A066217136}"/>
+              </a:ext>
+            </a:extLst>
+          </p:cNvPr>
+          <p:cNvSpPr/>
+          <p:nvPr/>
+        </p:nvSpPr>
+        <p:spPr>
+          <a:xfrm>
+            <a:off x="842318" y="2128711"/>
+            <a:ext cx="1676257" cy="566909"/>
+          </a:xfrm>
+          <a:prstGeom prst="roundRect">
+            <a:avLst/>
+          </a:prstGeom>
+          <a:solidFill>
+            <a:srgbClr val="008CBA"/>
+          </a:solidFill>
+          <a:ln>
+            <a:noFill/>
+          </a:ln>
+        </p:spPr>
+        <p:style>
+          <a:lnRef idx="2">
+            <a:schemeClr val="accent1">
+              <a:shade val="50000"/>
+            </a:schemeClr>
+          </a:lnRef>
+          <a:fillRef idx="1">
+            <a:schemeClr val="accent1"/>
+          </a:fillRef>
+          <a:effectRef idx="0">
+            <a:schemeClr val="accent1"/>
+          </a:effectRef>
+          <a:fontRef idx="minor">
+            <a:schemeClr val="lt1"/>
+          </a:fontRef>
+        </p:style>
+        <p:txBody>
+          <a:bodyPr rtlCol="0" anchor="ctr"/>
+          <a:lstStyle/>
+          <a:p>
+            <a:pPr algn="ctr"/>
+            <a:r>
+              <a:rPr lang="de-DE" sz="1400"/>
+              <a:t>Survey Content Pool</a:t>
+            </a:r>
+            <a:endParaRPr lang="de-DE"/>
+          </a:p>
+        </p:txBody>
+      </p:sp>
+      <p:sp>
+        <p:nvSpPr>
+          <p:cNvPr id="57" name="Rechteck 56">
+            <a:extLst>
+              <a:ext uri="{FF2B5EF4-FFF2-40B4-BE49-F238E27FC236}">
+                <a16:creationId xmlns:a16="http://schemas.microsoft.com/office/drawing/2014/main" id="{4F292E1B-316F-4BB3-B8A9-D3804172848E}"/>
+              </a:ext>
+            </a:extLst>
+          </p:cNvPr>
+          <p:cNvSpPr/>
+          <p:nvPr/>
+        </p:nvSpPr>
+        <p:spPr>
+          <a:xfrm>
+            <a:off x="2620175" y="2179648"/>
+            <a:ext cx="1130749" cy="323060"/>
+          </a:xfrm>
+          <a:prstGeom prst="rect">
+            <a:avLst/>
+          </a:prstGeom>
+          <a:noFill/>
+          <a:ln>
+            <a:noFill/>
+          </a:ln>
+        </p:spPr>
+        <p:style>
+          <a:lnRef idx="2">
+            <a:schemeClr val="accent1">
+              <a:shade val="50000"/>
+            </a:schemeClr>
+          </a:lnRef>
+          <a:fillRef idx="1">
+            <a:schemeClr val="accent1"/>
+          </a:fillRef>
+          <a:effectRef idx="0">
+            <a:schemeClr val="accent1"/>
+          </a:effectRef>
+          <a:fontRef idx="minor">
+            <a:schemeClr val="lt1"/>
+          </a:fontRef>
+        </p:style>
+        <p:txBody>
+          <a:bodyPr rtlCol="0" anchor="t"/>
+          <a:lstStyle/>
+          <a:p>
+            <a:pPr algn="ctr"/>
+            <a:r>
+              <a:rPr lang="de-DE" sz="1200">
+                <a:solidFill>
+                  <a:srgbClr val="405786"/>
+                </a:solidFill>
+              </a:rPr>
+              <a:t>Survey Content Package</a:t>
+            </a:r>
+            <a:endParaRPr lang="de-DE" sz="1400">
+              <a:solidFill>
+                <a:srgbClr val="405786"/>
+              </a:solidFill>
+            </a:endParaRPr>
+          </a:p>
+        </p:txBody>
+      </p:sp>
+    </p:spTree>
+    <p:extLst>
+      <p:ext uri="{BB962C8B-B14F-4D97-AF65-F5344CB8AC3E}">
+        <p14:creationId xmlns:p14="http://schemas.microsoft.com/office/powerpoint/2010/main" val="2712301531"/>
+      </p:ext>
+    </p:extLst>
+  </p:cSld>
+  <p:clrMapOvr>
+    <a:masterClrMapping/>
+  </p:clrMapOvr>
+</p:sld>
+</file>
+
+<file path=ppt/slides/slide6.xml><?xml version="1.0" encoding="utf-8"?>
+<p:sld xmlns:a="http://schemas.openxmlformats.org/drawingml/2006/main" xmlns:r="http://schemas.openxmlformats.org/officeDocument/2006/relationships" xmlns:p="http://schemas.openxmlformats.org/presentationml/2006/main">
+  <p:cSld>
+    <p:spTree>
+      <p:nvGrpSpPr>
+        <p:cNvPr id="1" name=""/>
+        <p:cNvGrpSpPr/>
+        <p:nvPr/>
+      </p:nvGrpSpPr>
+      <p:grpSpPr>
+        <a:xfrm>
+          <a:off x="0" y="0"/>
+          <a:ext cx="0" cy="0"/>
+          <a:chOff x="0" y="0"/>
+          <a:chExt cx="0" cy="0"/>
+        </a:xfrm>
+      </p:grpSpPr>
+      <p:sp>
+        <p:nvSpPr>
           <p:cNvPr id="2" name="Titel 1">
             <a:extLst>
               <a:ext uri="{FF2B5EF4-FFF2-40B4-BE49-F238E27FC236}">

--- a/assets/figures.pptx
+++ b/assets/figures.pptx
@@ -10,7 +10,8 @@
     <p:sldId id="258" r:id="rId4"/>
     <p:sldId id="259" r:id="rId5"/>
     <p:sldId id="261" r:id="rId6"/>
-    <p:sldId id="260" r:id="rId7"/>
+    <p:sldId id="262" r:id="rId7"/>
+    <p:sldId id="260" r:id="rId8"/>
   </p:sldIdLst>
   <p:sldSz cx="6858000" cy="9144000" type="screen4x3"/>
   <p:notesSz cx="6858000" cy="9144000"/>
@@ -8550,6 +8551,1280 @@
       </p:grpSpPr>
       <p:sp>
         <p:nvSpPr>
+          <p:cNvPr id="56" name="Pfeil: nach rechts 55">
+            <a:extLst>
+              <a:ext uri="{FF2B5EF4-FFF2-40B4-BE49-F238E27FC236}">
+                <a16:creationId xmlns:a16="http://schemas.microsoft.com/office/drawing/2014/main" id="{8E0770B1-0687-4AE4-A351-D91B3356585F}"/>
+              </a:ext>
+            </a:extLst>
+          </p:cNvPr>
+          <p:cNvSpPr/>
+          <p:nvPr/>
+        </p:nvSpPr>
+        <p:spPr>
+          <a:xfrm rot="10800000" flipH="1">
+            <a:off x="2420232" y="2256760"/>
+            <a:ext cx="1523157" cy="317898"/>
+          </a:xfrm>
+          <a:prstGeom prst="rightArrow">
+            <a:avLst/>
+          </a:prstGeom>
+          <a:solidFill>
+            <a:srgbClr val="D6DCE5"/>
+          </a:solidFill>
+          <a:ln>
+            <a:noFill/>
+          </a:ln>
+        </p:spPr>
+        <p:style>
+          <a:lnRef idx="2">
+            <a:schemeClr val="accent1">
+              <a:shade val="50000"/>
+            </a:schemeClr>
+          </a:lnRef>
+          <a:fillRef idx="1">
+            <a:schemeClr val="accent1"/>
+          </a:fillRef>
+          <a:effectRef idx="0">
+            <a:schemeClr val="accent1"/>
+          </a:effectRef>
+          <a:fontRef idx="minor">
+            <a:schemeClr val="lt1"/>
+          </a:fontRef>
+        </p:style>
+        <p:txBody>
+          <a:bodyPr rtlCol="0" anchor="ctr"/>
+          <a:lstStyle/>
+          <a:p>
+            <a:pPr algn="ctr"/>
+            <a:endParaRPr lang="de-DE"/>
+          </a:p>
+        </p:txBody>
+      </p:sp>
+      <p:sp>
+        <p:nvSpPr>
+          <p:cNvPr id="53" name="Pfeil: nach rechts 52">
+            <a:extLst>
+              <a:ext uri="{FF2B5EF4-FFF2-40B4-BE49-F238E27FC236}">
+                <a16:creationId xmlns:a16="http://schemas.microsoft.com/office/drawing/2014/main" id="{6782127F-7395-40D6-BBE4-A9C252840B16}"/>
+              </a:ext>
+            </a:extLst>
+          </p:cNvPr>
+          <p:cNvSpPr/>
+          <p:nvPr/>
+        </p:nvSpPr>
+        <p:spPr>
+          <a:xfrm rot="10800000">
+            <a:off x="2583262" y="2938205"/>
+            <a:ext cx="1691476" cy="317898"/>
+          </a:xfrm>
+          <a:prstGeom prst="rightArrow">
+            <a:avLst/>
+          </a:prstGeom>
+          <a:solidFill>
+            <a:srgbClr val="D6DCE5"/>
+          </a:solidFill>
+          <a:ln>
+            <a:noFill/>
+          </a:ln>
+        </p:spPr>
+        <p:style>
+          <a:lnRef idx="2">
+            <a:schemeClr val="accent1">
+              <a:shade val="50000"/>
+            </a:schemeClr>
+          </a:lnRef>
+          <a:fillRef idx="1">
+            <a:schemeClr val="accent1"/>
+          </a:fillRef>
+          <a:effectRef idx="0">
+            <a:schemeClr val="accent1"/>
+          </a:effectRef>
+          <a:fontRef idx="minor">
+            <a:schemeClr val="lt1"/>
+          </a:fontRef>
+        </p:style>
+        <p:txBody>
+          <a:bodyPr rtlCol="0" anchor="ctr"/>
+          <a:lstStyle/>
+          <a:p>
+            <a:pPr algn="ctr"/>
+            <a:endParaRPr lang="de-DE"/>
+          </a:p>
+        </p:txBody>
+      </p:sp>
+      <p:sp>
+        <p:nvSpPr>
+          <p:cNvPr id="52" name="Pfeil: nach rechts 51">
+            <a:extLst>
+              <a:ext uri="{FF2B5EF4-FFF2-40B4-BE49-F238E27FC236}">
+                <a16:creationId xmlns:a16="http://schemas.microsoft.com/office/drawing/2014/main" id="{D596ED4A-B066-47F3-883E-6B929CE5C9D4}"/>
+              </a:ext>
+            </a:extLst>
+          </p:cNvPr>
+          <p:cNvSpPr/>
+          <p:nvPr/>
+        </p:nvSpPr>
+        <p:spPr>
+          <a:xfrm rot="10800000" flipH="1">
+            <a:off x="2420232" y="3192469"/>
+            <a:ext cx="1523157" cy="317898"/>
+          </a:xfrm>
+          <a:prstGeom prst="rightArrow">
+            <a:avLst/>
+          </a:prstGeom>
+          <a:solidFill>
+            <a:srgbClr val="D6DCE5"/>
+          </a:solidFill>
+          <a:ln>
+            <a:noFill/>
+          </a:ln>
+        </p:spPr>
+        <p:style>
+          <a:lnRef idx="2">
+            <a:schemeClr val="accent1">
+              <a:shade val="50000"/>
+            </a:schemeClr>
+          </a:lnRef>
+          <a:fillRef idx="1">
+            <a:schemeClr val="accent1"/>
+          </a:fillRef>
+          <a:effectRef idx="0">
+            <a:schemeClr val="accent1"/>
+          </a:effectRef>
+          <a:fontRef idx="minor">
+            <a:schemeClr val="lt1"/>
+          </a:fontRef>
+        </p:style>
+        <p:txBody>
+          <a:bodyPr rtlCol="0" anchor="ctr"/>
+          <a:lstStyle/>
+          <a:p>
+            <a:pPr algn="ctr"/>
+            <a:endParaRPr lang="de-DE"/>
+          </a:p>
+        </p:txBody>
+      </p:sp>
+      <p:sp>
+        <p:nvSpPr>
+          <p:cNvPr id="47" name="Pfeil: nach rechts 46">
+            <a:extLst>
+              <a:ext uri="{FF2B5EF4-FFF2-40B4-BE49-F238E27FC236}">
+                <a16:creationId xmlns:a16="http://schemas.microsoft.com/office/drawing/2014/main" id="{95CEDEDB-F285-455A-8EB9-7D990A4BA321}"/>
+              </a:ext>
+            </a:extLst>
+          </p:cNvPr>
+          <p:cNvSpPr/>
+          <p:nvPr/>
+        </p:nvSpPr>
+        <p:spPr>
+          <a:xfrm rot="10800000" flipH="1">
+            <a:off x="2420232" y="4244830"/>
+            <a:ext cx="1523157" cy="317898"/>
+          </a:xfrm>
+          <a:prstGeom prst="rightArrow">
+            <a:avLst/>
+          </a:prstGeom>
+          <a:solidFill>
+            <a:srgbClr val="D6DCE5"/>
+          </a:solidFill>
+          <a:ln>
+            <a:noFill/>
+          </a:ln>
+        </p:spPr>
+        <p:style>
+          <a:lnRef idx="2">
+            <a:schemeClr val="accent1">
+              <a:shade val="50000"/>
+            </a:schemeClr>
+          </a:lnRef>
+          <a:fillRef idx="1">
+            <a:schemeClr val="accent1"/>
+          </a:fillRef>
+          <a:effectRef idx="0">
+            <a:schemeClr val="accent1"/>
+          </a:effectRef>
+          <a:fontRef idx="minor">
+            <a:schemeClr val="lt1"/>
+          </a:fontRef>
+        </p:style>
+        <p:txBody>
+          <a:bodyPr rtlCol="0" anchor="ctr"/>
+          <a:lstStyle/>
+          <a:p>
+            <a:pPr algn="ctr"/>
+            <a:endParaRPr lang="de-DE"/>
+          </a:p>
+        </p:txBody>
+      </p:sp>
+      <p:sp>
+        <p:nvSpPr>
+          <p:cNvPr id="45" name="Pfeil: nach rechts 44">
+            <a:extLst>
+              <a:ext uri="{FF2B5EF4-FFF2-40B4-BE49-F238E27FC236}">
+                <a16:creationId xmlns:a16="http://schemas.microsoft.com/office/drawing/2014/main" id="{808225D5-188F-4A8B-B9BC-8EBEB9AFF2DE}"/>
+              </a:ext>
+            </a:extLst>
+          </p:cNvPr>
+          <p:cNvSpPr/>
+          <p:nvPr/>
+        </p:nvSpPr>
+        <p:spPr>
+          <a:xfrm rot="10800000">
+            <a:off x="2586771" y="3928056"/>
+            <a:ext cx="1691476" cy="317898"/>
+          </a:xfrm>
+          <a:prstGeom prst="rightArrow">
+            <a:avLst/>
+          </a:prstGeom>
+          <a:solidFill>
+            <a:srgbClr val="D6DCE5"/>
+          </a:solidFill>
+          <a:ln>
+            <a:noFill/>
+          </a:ln>
+        </p:spPr>
+        <p:style>
+          <a:lnRef idx="2">
+            <a:schemeClr val="accent1">
+              <a:shade val="50000"/>
+            </a:schemeClr>
+          </a:lnRef>
+          <a:fillRef idx="1">
+            <a:schemeClr val="accent1"/>
+          </a:fillRef>
+          <a:effectRef idx="0">
+            <a:schemeClr val="accent1"/>
+          </a:effectRef>
+          <a:fontRef idx="minor">
+            <a:schemeClr val="lt1"/>
+          </a:fontRef>
+        </p:style>
+        <p:txBody>
+          <a:bodyPr rtlCol="0" anchor="ctr"/>
+          <a:lstStyle/>
+          <a:p>
+            <a:pPr algn="ctr"/>
+            <a:endParaRPr lang="de-DE"/>
+          </a:p>
+        </p:txBody>
+      </p:sp>
+      <p:sp>
+        <p:nvSpPr>
+          <p:cNvPr id="2" name="Titel 1">
+            <a:extLst>
+              <a:ext uri="{FF2B5EF4-FFF2-40B4-BE49-F238E27FC236}">
+                <a16:creationId xmlns:a16="http://schemas.microsoft.com/office/drawing/2014/main" id="{0551B04D-69E8-4BFE-9F1D-951E570F0118}"/>
+              </a:ext>
+            </a:extLst>
+          </p:cNvPr>
+          <p:cNvSpPr>
+            <a:spLocks noGrp="1"/>
+          </p:cNvSpPr>
+          <p:nvPr>
+            <p:ph type="title"/>
+          </p:nvPr>
+        </p:nvSpPr>
+        <p:spPr/>
+        <p:txBody>
+          <a:bodyPr/>
+          <a:lstStyle/>
+          <a:p>
+            <a:r>
+              <a:rPr lang="de-DE"/>
+              <a:t>coding-service-stars.png</a:t>
+            </a:r>
+          </a:p>
+        </p:txBody>
+      </p:sp>
+      <p:sp>
+        <p:nvSpPr>
+          <p:cNvPr id="5" name="Rechteck 4">
+            <a:extLst>
+              <a:ext uri="{FF2B5EF4-FFF2-40B4-BE49-F238E27FC236}">
+                <a16:creationId xmlns:a16="http://schemas.microsoft.com/office/drawing/2014/main" id="{8D492F30-5400-4C0A-AFC2-EAC63131E272}"/>
+              </a:ext>
+            </a:extLst>
+          </p:cNvPr>
+          <p:cNvSpPr/>
+          <p:nvPr/>
+        </p:nvSpPr>
+        <p:spPr>
+          <a:xfrm>
+            <a:off x="2660399" y="2950619"/>
+            <a:ext cx="1272142" cy="312190"/>
+          </a:xfrm>
+          <a:prstGeom prst="rect">
+            <a:avLst/>
+          </a:prstGeom>
+          <a:noFill/>
+          <a:ln>
+            <a:noFill/>
+          </a:ln>
+        </p:spPr>
+        <p:style>
+          <a:lnRef idx="2">
+            <a:schemeClr val="accent1">
+              <a:shade val="50000"/>
+            </a:schemeClr>
+          </a:lnRef>
+          <a:fillRef idx="1">
+            <a:schemeClr val="accent1"/>
+          </a:fillRef>
+          <a:effectRef idx="0">
+            <a:schemeClr val="accent1"/>
+          </a:effectRef>
+          <a:fontRef idx="minor">
+            <a:schemeClr val="lt1"/>
+          </a:fontRef>
+        </p:style>
+        <p:txBody>
+          <a:bodyPr rtlCol="0" anchor="t"/>
+          <a:lstStyle/>
+          <a:p>
+            <a:pPr algn="ctr"/>
+            <a:r>
+              <a:rPr lang="de-DE" sz="1200">
+                <a:solidFill>
+                  <a:srgbClr val="405786"/>
+                </a:solidFill>
+              </a:rPr>
+              <a:t>Testhefte, Logins</a:t>
+            </a:r>
+            <a:endParaRPr lang="de-DE" sz="1400">
+              <a:solidFill>
+                <a:srgbClr val="405786"/>
+              </a:solidFill>
+            </a:endParaRPr>
+          </a:p>
+        </p:txBody>
+      </p:sp>
+      <p:sp>
+        <p:nvSpPr>
+          <p:cNvPr id="24" name="Rechteck: abgerundete Ecken 23">
+            <a:extLst>
+              <a:ext uri="{FF2B5EF4-FFF2-40B4-BE49-F238E27FC236}">
+                <a16:creationId xmlns:a16="http://schemas.microsoft.com/office/drawing/2014/main" id="{55A149B1-1B8A-4A2A-A04E-957240767D97}"/>
+              </a:ext>
+            </a:extLst>
+          </p:cNvPr>
+          <p:cNvSpPr/>
+          <p:nvPr/>
+        </p:nvSpPr>
+        <p:spPr>
+          <a:xfrm>
+            <a:off x="842318" y="2938048"/>
+            <a:ext cx="1676257" cy="566909"/>
+          </a:xfrm>
+          <a:prstGeom prst="roundRect">
+            <a:avLst/>
+          </a:prstGeom>
+          <a:solidFill>
+            <a:srgbClr val="008CBA"/>
+          </a:solidFill>
+          <a:ln>
+            <a:noFill/>
+          </a:ln>
+        </p:spPr>
+        <p:style>
+          <a:lnRef idx="2">
+            <a:schemeClr val="accent1">
+              <a:shade val="50000"/>
+            </a:schemeClr>
+          </a:lnRef>
+          <a:fillRef idx="1">
+            <a:schemeClr val="accent1"/>
+          </a:fillRef>
+          <a:effectRef idx="0">
+            <a:schemeClr val="accent1"/>
+          </a:effectRef>
+          <a:fontRef idx="minor">
+            <a:schemeClr val="lt1"/>
+          </a:fontRef>
+        </p:style>
+        <p:txBody>
+          <a:bodyPr rtlCol="0" anchor="ctr"/>
+          <a:lstStyle/>
+          <a:p>
+            <a:pPr algn="ctr"/>
+            <a:r>
+              <a:rPr lang="de-DE" sz="1400"/>
+              <a:t>IQB-Testcenter</a:t>
+            </a:r>
+            <a:endParaRPr lang="de-DE"/>
+          </a:p>
+        </p:txBody>
+      </p:sp>
+      <p:sp>
+        <p:nvSpPr>
+          <p:cNvPr id="28" name="Rechteck: abgerundete Ecken 27">
+            <a:extLst>
+              <a:ext uri="{FF2B5EF4-FFF2-40B4-BE49-F238E27FC236}">
+                <a16:creationId xmlns:a16="http://schemas.microsoft.com/office/drawing/2014/main" id="{18CDCB2C-10D5-4159-8DD6-1628F42C8F1C}"/>
+              </a:ext>
+            </a:extLst>
+          </p:cNvPr>
+          <p:cNvSpPr/>
+          <p:nvPr/>
+        </p:nvSpPr>
+        <p:spPr>
+          <a:xfrm>
+            <a:off x="842318" y="3776488"/>
+            <a:ext cx="1676257" cy="961458"/>
+          </a:xfrm>
+          <a:prstGeom prst="roundRect">
+            <a:avLst/>
+          </a:prstGeom>
+          <a:solidFill>
+            <a:srgbClr val="008CBA"/>
+          </a:solidFill>
+          <a:ln>
+            <a:noFill/>
+          </a:ln>
+        </p:spPr>
+        <p:style>
+          <a:lnRef idx="2">
+            <a:schemeClr val="accent1">
+              <a:shade val="50000"/>
+            </a:schemeClr>
+          </a:lnRef>
+          <a:fillRef idx="1">
+            <a:schemeClr val="accent1"/>
+          </a:fillRef>
+          <a:effectRef idx="0">
+            <a:schemeClr val="accent1"/>
+          </a:effectRef>
+          <a:fontRef idx="minor">
+            <a:schemeClr val="lt1"/>
+          </a:fontRef>
+        </p:style>
+        <p:txBody>
+          <a:bodyPr rtlCol="0" anchor="ctr"/>
+          <a:lstStyle/>
+          <a:p>
+            <a:pPr algn="ctr"/>
+            <a:r>
+              <a:rPr lang="de-DE" sz="1400"/>
+              <a:t>IQB-CodingService</a:t>
+            </a:r>
+            <a:endParaRPr lang="de-DE"/>
+          </a:p>
+        </p:txBody>
+      </p:sp>
+      <p:sp>
+        <p:nvSpPr>
+          <p:cNvPr id="33" name="Rechteck 32">
+            <a:extLst>
+              <a:ext uri="{FF2B5EF4-FFF2-40B4-BE49-F238E27FC236}">
+                <a16:creationId xmlns:a16="http://schemas.microsoft.com/office/drawing/2014/main" id="{E60FA52C-E5FD-4D73-BD0B-066F95104E73}"/>
+              </a:ext>
+            </a:extLst>
+          </p:cNvPr>
+          <p:cNvSpPr/>
+          <p:nvPr/>
+        </p:nvSpPr>
+        <p:spPr>
+          <a:xfrm>
+            <a:off x="3976878" y="2080260"/>
+            <a:ext cx="2230163" cy="2983101"/>
+          </a:xfrm>
+          <a:prstGeom prst="rect">
+            <a:avLst/>
+          </a:prstGeom>
+          <a:solidFill>
+            <a:srgbClr val="D6DCE5"/>
+          </a:solidFill>
+          <a:ln>
+            <a:noFill/>
+          </a:ln>
+        </p:spPr>
+        <p:style>
+          <a:lnRef idx="2">
+            <a:schemeClr val="accent1">
+              <a:shade val="50000"/>
+            </a:schemeClr>
+          </a:lnRef>
+          <a:fillRef idx="1">
+            <a:schemeClr val="accent1"/>
+          </a:fillRef>
+          <a:effectRef idx="0">
+            <a:schemeClr val="accent1"/>
+          </a:effectRef>
+          <a:fontRef idx="minor">
+            <a:schemeClr val="lt1"/>
+          </a:fontRef>
+        </p:style>
+        <p:txBody>
+          <a:bodyPr rtlCol="0" anchor="ctr"/>
+          <a:lstStyle/>
+          <a:p>
+            <a:pPr algn="r"/>
+            <a:endParaRPr lang="de-DE" sz="1600">
+              <a:solidFill>
+                <a:srgbClr val="405786"/>
+              </a:solidFill>
+            </a:endParaRPr>
+          </a:p>
+        </p:txBody>
+      </p:sp>
+      <p:sp>
+        <p:nvSpPr>
+          <p:cNvPr id="37" name="Rechteck 36">
+            <a:extLst>
+              <a:ext uri="{FF2B5EF4-FFF2-40B4-BE49-F238E27FC236}">
+                <a16:creationId xmlns:a16="http://schemas.microsoft.com/office/drawing/2014/main" id="{A169B987-A534-4CB7-A1B9-63A9F65E37E4}"/>
+              </a:ext>
+            </a:extLst>
+          </p:cNvPr>
+          <p:cNvSpPr/>
+          <p:nvPr/>
+        </p:nvSpPr>
+        <p:spPr>
+          <a:xfrm>
+            <a:off x="4124904" y="3182935"/>
+            <a:ext cx="1878368" cy="404398"/>
+          </a:xfrm>
+          <a:prstGeom prst="rect">
+            <a:avLst/>
+          </a:prstGeom>
+          <a:noFill/>
+          <a:ln>
+            <a:noFill/>
+          </a:ln>
+        </p:spPr>
+        <p:style>
+          <a:lnRef idx="2">
+            <a:schemeClr val="accent1">
+              <a:shade val="50000"/>
+            </a:schemeClr>
+          </a:lnRef>
+          <a:fillRef idx="1">
+            <a:schemeClr val="accent1"/>
+          </a:fillRef>
+          <a:effectRef idx="0">
+            <a:schemeClr val="accent1"/>
+          </a:effectRef>
+          <a:fontRef idx="minor">
+            <a:schemeClr val="lt1"/>
+          </a:fontRef>
+        </p:style>
+        <p:txBody>
+          <a:bodyPr rtlCol="0" anchor="t"/>
+          <a:lstStyle/>
+          <a:p>
+            <a:r>
+              <a:rPr lang="de-DE" sz="1200">
+                <a:solidFill>
+                  <a:srgbClr val="405786"/>
+                </a:solidFill>
+              </a:rPr>
+              <a:t>Transformation Antworten</a:t>
+            </a:r>
+          </a:p>
+        </p:txBody>
+      </p:sp>
+      <p:sp>
+        <p:nvSpPr>
+          <p:cNvPr id="38" name="Rechteck 37">
+            <a:extLst>
+              <a:ext uri="{FF2B5EF4-FFF2-40B4-BE49-F238E27FC236}">
+                <a16:creationId xmlns:a16="http://schemas.microsoft.com/office/drawing/2014/main" id="{36AA9122-78A1-4FE7-93DE-AF0FC8D3F9F2}"/>
+              </a:ext>
+            </a:extLst>
+          </p:cNvPr>
+          <p:cNvSpPr/>
+          <p:nvPr/>
+        </p:nvSpPr>
+        <p:spPr>
+          <a:xfrm>
+            <a:off x="4124904" y="3820316"/>
+            <a:ext cx="1942950" cy="504072"/>
+          </a:xfrm>
+          <a:prstGeom prst="rect">
+            <a:avLst/>
+          </a:prstGeom>
+          <a:noFill/>
+          <a:ln>
+            <a:noFill/>
+          </a:ln>
+        </p:spPr>
+        <p:style>
+          <a:lnRef idx="2">
+            <a:schemeClr val="accent1">
+              <a:shade val="50000"/>
+            </a:schemeClr>
+          </a:lnRef>
+          <a:fillRef idx="1">
+            <a:schemeClr val="accent1"/>
+          </a:fillRef>
+          <a:effectRef idx="0">
+            <a:schemeClr val="accent1"/>
+          </a:effectRef>
+          <a:fontRef idx="minor">
+            <a:schemeClr val="lt1"/>
+          </a:fontRef>
+        </p:style>
+        <p:txBody>
+          <a:bodyPr rtlCol="0" anchor="t"/>
+          <a:lstStyle/>
+          <a:p>
+            <a:r>
+              <a:rPr lang="de-DE" sz="1200">
+                <a:solidFill>
+                  <a:srgbClr val="405786"/>
+                </a:solidFill>
+              </a:rPr>
+              <a:t>Zusammenfassung von Personendaten</a:t>
+            </a:r>
+          </a:p>
+        </p:txBody>
+      </p:sp>
+      <p:sp>
+        <p:nvSpPr>
+          <p:cNvPr id="29" name="Rechteck: abgerundete Ecken 28">
+            <a:extLst>
+              <a:ext uri="{FF2B5EF4-FFF2-40B4-BE49-F238E27FC236}">
+                <a16:creationId xmlns:a16="http://schemas.microsoft.com/office/drawing/2014/main" id="{9FDE0028-0EE4-4C14-9A21-5BA76FD49DBA}"/>
+              </a:ext>
+            </a:extLst>
+          </p:cNvPr>
+          <p:cNvSpPr/>
+          <p:nvPr/>
+        </p:nvSpPr>
+        <p:spPr>
+          <a:xfrm>
+            <a:off x="4143415" y="2165014"/>
+            <a:ext cx="1897087" cy="491386"/>
+          </a:xfrm>
+          <a:prstGeom prst="roundRect">
+            <a:avLst/>
+          </a:prstGeom>
+          <a:solidFill>
+            <a:srgbClr val="7D12B9"/>
+          </a:solidFill>
+          <a:ln>
+            <a:noFill/>
+          </a:ln>
+        </p:spPr>
+        <p:style>
+          <a:lnRef idx="2">
+            <a:schemeClr val="accent1">
+              <a:shade val="50000"/>
+            </a:schemeClr>
+          </a:lnRef>
+          <a:fillRef idx="1">
+            <a:schemeClr val="accent1"/>
+          </a:fillRef>
+          <a:effectRef idx="0">
+            <a:schemeClr val="accent1"/>
+          </a:effectRef>
+          <a:fontRef idx="minor">
+            <a:schemeClr val="lt1"/>
+          </a:fontRef>
+        </p:style>
+        <p:txBody>
+          <a:bodyPr rtlCol="0" anchor="ctr"/>
+          <a:lstStyle/>
+          <a:p>
+            <a:pPr algn="ctr"/>
+            <a:r>
+              <a:rPr lang="de-DE" sz="1400"/>
+              <a:t>Landesportalsystem</a:t>
+            </a:r>
+            <a:endParaRPr lang="de-DE"/>
+          </a:p>
+        </p:txBody>
+      </p:sp>
+      <p:sp>
+        <p:nvSpPr>
+          <p:cNvPr id="41" name="Rechteck 40">
+            <a:extLst>
+              <a:ext uri="{FF2B5EF4-FFF2-40B4-BE49-F238E27FC236}">
+                <a16:creationId xmlns:a16="http://schemas.microsoft.com/office/drawing/2014/main" id="{11699080-069A-4BBF-89B5-ECD97458B24F}"/>
+              </a:ext>
+            </a:extLst>
+          </p:cNvPr>
+          <p:cNvSpPr/>
+          <p:nvPr/>
+        </p:nvSpPr>
+        <p:spPr>
+          <a:xfrm>
+            <a:off x="4124904" y="2753811"/>
+            <a:ext cx="1676258" cy="436770"/>
+          </a:xfrm>
+          <a:prstGeom prst="rect">
+            <a:avLst/>
+          </a:prstGeom>
+          <a:noFill/>
+          <a:ln>
+            <a:noFill/>
+          </a:ln>
+        </p:spPr>
+        <p:style>
+          <a:lnRef idx="2">
+            <a:schemeClr val="accent1">
+              <a:shade val="50000"/>
+            </a:schemeClr>
+          </a:lnRef>
+          <a:fillRef idx="1">
+            <a:schemeClr val="accent1"/>
+          </a:fillRef>
+          <a:effectRef idx="0">
+            <a:schemeClr val="accent1"/>
+          </a:effectRef>
+          <a:fontRef idx="minor">
+            <a:schemeClr val="lt1"/>
+          </a:fontRef>
+        </p:style>
+        <p:txBody>
+          <a:bodyPr rtlCol="0" anchor="t"/>
+          <a:lstStyle/>
+          <a:p>
+            <a:r>
+              <a:rPr lang="de-DE" sz="1200">
+                <a:solidFill>
+                  <a:srgbClr val="405786"/>
+                </a:solidFill>
+              </a:rPr>
+              <a:t>Zuweisung Personen zu Testheften</a:t>
+            </a:r>
+          </a:p>
+        </p:txBody>
+      </p:sp>
+      <p:sp>
+        <p:nvSpPr>
+          <p:cNvPr id="43" name="Rechteck 42">
+            <a:extLst>
+              <a:ext uri="{FF2B5EF4-FFF2-40B4-BE49-F238E27FC236}">
+                <a16:creationId xmlns:a16="http://schemas.microsoft.com/office/drawing/2014/main" id="{89E45DD8-5AC8-452A-8CF4-54F340B0E071}"/>
+              </a:ext>
+            </a:extLst>
+          </p:cNvPr>
+          <p:cNvSpPr/>
+          <p:nvPr/>
+        </p:nvSpPr>
+        <p:spPr>
+          <a:xfrm>
+            <a:off x="2747770" y="3211688"/>
+            <a:ext cx="912402" cy="323060"/>
+          </a:xfrm>
+          <a:prstGeom prst="rect">
+            <a:avLst/>
+          </a:prstGeom>
+          <a:noFill/>
+          <a:ln>
+            <a:noFill/>
+          </a:ln>
+        </p:spPr>
+        <p:style>
+          <a:lnRef idx="2">
+            <a:schemeClr val="accent1">
+              <a:shade val="50000"/>
+            </a:schemeClr>
+          </a:lnRef>
+          <a:fillRef idx="1">
+            <a:schemeClr val="accent1"/>
+          </a:fillRef>
+          <a:effectRef idx="0">
+            <a:schemeClr val="accent1"/>
+          </a:effectRef>
+          <a:fontRef idx="minor">
+            <a:schemeClr val="lt1"/>
+          </a:fontRef>
+        </p:style>
+        <p:txBody>
+          <a:bodyPr rtlCol="0" anchor="t"/>
+          <a:lstStyle/>
+          <a:p>
+            <a:pPr algn="ctr"/>
+            <a:r>
+              <a:rPr lang="de-DE" sz="1200">
+                <a:solidFill>
+                  <a:srgbClr val="405786"/>
+                </a:solidFill>
+              </a:rPr>
+              <a:t>Antworten</a:t>
+            </a:r>
+            <a:endParaRPr lang="de-DE" sz="1400">
+              <a:solidFill>
+                <a:srgbClr val="405786"/>
+              </a:solidFill>
+            </a:endParaRPr>
+          </a:p>
+        </p:txBody>
+      </p:sp>
+      <p:sp>
+        <p:nvSpPr>
+          <p:cNvPr id="46" name="Rechteck 45">
+            <a:extLst>
+              <a:ext uri="{FF2B5EF4-FFF2-40B4-BE49-F238E27FC236}">
+                <a16:creationId xmlns:a16="http://schemas.microsoft.com/office/drawing/2014/main" id="{447F9071-D586-4080-ACEF-639E7E083537}"/>
+              </a:ext>
+            </a:extLst>
+          </p:cNvPr>
+          <p:cNvSpPr/>
+          <p:nvPr/>
+        </p:nvSpPr>
+        <p:spPr>
+          <a:xfrm>
+            <a:off x="2747770" y="3949536"/>
+            <a:ext cx="912402" cy="317898"/>
+          </a:xfrm>
+          <a:prstGeom prst="rect">
+            <a:avLst/>
+          </a:prstGeom>
+          <a:noFill/>
+          <a:ln>
+            <a:noFill/>
+          </a:ln>
+        </p:spPr>
+        <p:style>
+          <a:lnRef idx="2">
+            <a:schemeClr val="accent1">
+              <a:shade val="50000"/>
+            </a:schemeClr>
+          </a:lnRef>
+          <a:fillRef idx="1">
+            <a:schemeClr val="accent1"/>
+          </a:fillRef>
+          <a:effectRef idx="0">
+            <a:schemeClr val="accent1"/>
+          </a:effectRef>
+          <a:fontRef idx="minor">
+            <a:schemeClr val="lt1"/>
+          </a:fontRef>
+        </p:style>
+        <p:txBody>
+          <a:bodyPr rtlCol="0" anchor="t"/>
+          <a:lstStyle/>
+          <a:p>
+            <a:pPr algn="ctr"/>
+            <a:r>
+              <a:rPr lang="de-DE" sz="1200">
+                <a:solidFill>
+                  <a:srgbClr val="405786"/>
+                </a:solidFill>
+              </a:rPr>
+              <a:t>Antworten</a:t>
+            </a:r>
+            <a:endParaRPr lang="de-DE" sz="1400">
+              <a:solidFill>
+                <a:srgbClr val="405786"/>
+              </a:solidFill>
+            </a:endParaRPr>
+          </a:p>
+        </p:txBody>
+      </p:sp>
+      <p:sp>
+        <p:nvSpPr>
+          <p:cNvPr id="48" name="Rechteck 47">
+            <a:extLst>
+              <a:ext uri="{FF2B5EF4-FFF2-40B4-BE49-F238E27FC236}">
+                <a16:creationId xmlns:a16="http://schemas.microsoft.com/office/drawing/2014/main" id="{1E0FABDF-2317-4303-A7BD-8A147CEB1B88}"/>
+              </a:ext>
+            </a:extLst>
+          </p:cNvPr>
+          <p:cNvSpPr/>
+          <p:nvPr/>
+        </p:nvSpPr>
+        <p:spPr>
+          <a:xfrm>
+            <a:off x="2672838" y="4264585"/>
+            <a:ext cx="1062267" cy="323060"/>
+          </a:xfrm>
+          <a:prstGeom prst="rect">
+            <a:avLst/>
+          </a:prstGeom>
+          <a:noFill/>
+          <a:ln>
+            <a:noFill/>
+          </a:ln>
+        </p:spPr>
+        <p:style>
+          <a:lnRef idx="2">
+            <a:schemeClr val="accent1">
+              <a:shade val="50000"/>
+            </a:schemeClr>
+          </a:lnRef>
+          <a:fillRef idx="1">
+            <a:schemeClr val="accent1"/>
+          </a:fillRef>
+          <a:effectRef idx="0">
+            <a:schemeClr val="accent1"/>
+          </a:effectRef>
+          <a:fontRef idx="minor">
+            <a:schemeClr val="lt1"/>
+          </a:fontRef>
+        </p:style>
+        <p:txBody>
+          <a:bodyPr rtlCol="0" anchor="t"/>
+          <a:lstStyle/>
+          <a:p>
+            <a:pPr algn="ctr"/>
+            <a:r>
+              <a:rPr lang="de-DE" sz="1200">
+                <a:solidFill>
+                  <a:srgbClr val="405786"/>
+                </a:solidFill>
+              </a:rPr>
+              <a:t>Skalenwerte</a:t>
+            </a:r>
+            <a:endParaRPr lang="de-DE" sz="1400">
+              <a:solidFill>
+                <a:srgbClr val="405786"/>
+              </a:solidFill>
+            </a:endParaRPr>
+          </a:p>
+        </p:txBody>
+      </p:sp>
+      <p:sp>
+        <p:nvSpPr>
+          <p:cNvPr id="49" name="Rechteck 48">
+            <a:extLst>
+              <a:ext uri="{FF2B5EF4-FFF2-40B4-BE49-F238E27FC236}">
+                <a16:creationId xmlns:a16="http://schemas.microsoft.com/office/drawing/2014/main" id="{9E0FAA92-76A1-43B5-A73E-501E6515C764}"/>
+              </a:ext>
+            </a:extLst>
+          </p:cNvPr>
+          <p:cNvSpPr/>
+          <p:nvPr/>
+        </p:nvSpPr>
+        <p:spPr>
+          <a:xfrm>
+            <a:off x="4124904" y="4726304"/>
+            <a:ext cx="1903188" cy="337057"/>
+          </a:xfrm>
+          <a:prstGeom prst="rect">
+            <a:avLst/>
+          </a:prstGeom>
+          <a:noFill/>
+          <a:ln>
+            <a:noFill/>
+          </a:ln>
+        </p:spPr>
+        <p:style>
+          <a:lnRef idx="2">
+            <a:schemeClr val="accent1">
+              <a:shade val="50000"/>
+            </a:schemeClr>
+          </a:lnRef>
+          <a:fillRef idx="1">
+            <a:schemeClr val="accent1"/>
+          </a:fillRef>
+          <a:effectRef idx="0">
+            <a:schemeClr val="accent1"/>
+          </a:effectRef>
+          <a:fontRef idx="minor">
+            <a:schemeClr val="lt1"/>
+          </a:fontRef>
+        </p:style>
+        <p:txBody>
+          <a:bodyPr rtlCol="0" anchor="t"/>
+          <a:lstStyle/>
+          <a:p>
+            <a:r>
+              <a:rPr lang="de-DE" sz="1200">
+                <a:solidFill>
+                  <a:srgbClr val="405786"/>
+                </a:solidFill>
+              </a:rPr>
+              <a:t>Rückmeldung</a:t>
+            </a:r>
+          </a:p>
+        </p:txBody>
+      </p:sp>
+      <p:cxnSp>
+        <p:nvCxnSpPr>
+          <p:cNvPr id="21" name="Gerader Verbinder 20">
+            <a:extLst>
+              <a:ext uri="{FF2B5EF4-FFF2-40B4-BE49-F238E27FC236}">
+                <a16:creationId xmlns:a16="http://schemas.microsoft.com/office/drawing/2014/main" id="{309971D6-DD97-4ABD-8807-E42A785D7F03}"/>
+              </a:ext>
+            </a:extLst>
+          </p:cNvPr>
+          <p:cNvCxnSpPr>
+            <a:cxnSpLocks/>
+          </p:cNvCxnSpPr>
+          <p:nvPr/>
+        </p:nvCxnSpPr>
+        <p:spPr>
+          <a:xfrm>
+            <a:off x="4124904" y="3197114"/>
+            <a:ext cx="1903188" cy="0"/>
+          </a:xfrm>
+          <a:prstGeom prst="line">
+            <a:avLst/>
+          </a:prstGeom>
+          <a:ln>
+            <a:solidFill>
+              <a:srgbClr val="405786"/>
+            </a:solidFill>
+          </a:ln>
+        </p:spPr>
+        <p:style>
+          <a:lnRef idx="1">
+            <a:schemeClr val="accent1"/>
+          </a:lnRef>
+          <a:fillRef idx="0">
+            <a:schemeClr val="accent1"/>
+          </a:fillRef>
+          <a:effectRef idx="0">
+            <a:schemeClr val="accent1"/>
+          </a:effectRef>
+          <a:fontRef idx="minor">
+            <a:schemeClr val="tx1"/>
+          </a:fontRef>
+        </p:style>
+      </p:cxnSp>
+      <p:cxnSp>
+        <p:nvCxnSpPr>
+          <p:cNvPr id="51" name="Gerader Verbinder 50">
+            <a:extLst>
+              <a:ext uri="{FF2B5EF4-FFF2-40B4-BE49-F238E27FC236}">
+                <a16:creationId xmlns:a16="http://schemas.microsoft.com/office/drawing/2014/main" id="{D63E6CDF-7D22-41DD-9734-C92BED2F0A28}"/>
+              </a:ext>
+            </a:extLst>
+          </p:cNvPr>
+          <p:cNvCxnSpPr>
+            <a:cxnSpLocks/>
+          </p:cNvCxnSpPr>
+          <p:nvPr/>
+        </p:nvCxnSpPr>
+        <p:spPr>
+          <a:xfrm>
+            <a:off x="4124904" y="4250436"/>
+            <a:ext cx="1903188" cy="0"/>
+          </a:xfrm>
+          <a:prstGeom prst="line">
+            <a:avLst/>
+          </a:prstGeom>
+          <a:ln>
+            <a:solidFill>
+              <a:srgbClr val="405786"/>
+            </a:solidFill>
+          </a:ln>
+        </p:spPr>
+        <p:style>
+          <a:lnRef idx="1">
+            <a:schemeClr val="accent1"/>
+          </a:lnRef>
+          <a:fillRef idx="0">
+            <a:schemeClr val="accent1"/>
+          </a:fillRef>
+          <a:effectRef idx="0">
+            <a:schemeClr val="accent1"/>
+          </a:effectRef>
+          <a:fontRef idx="minor">
+            <a:schemeClr val="tx1"/>
+          </a:fontRef>
+        </p:style>
+      </p:cxnSp>
+      <p:sp>
+        <p:nvSpPr>
+          <p:cNvPr id="54" name="Rechteck 53">
+            <a:extLst>
+              <a:ext uri="{FF2B5EF4-FFF2-40B4-BE49-F238E27FC236}">
+                <a16:creationId xmlns:a16="http://schemas.microsoft.com/office/drawing/2014/main" id="{19E56569-12D7-4838-9C41-290707F74D50}"/>
+              </a:ext>
+            </a:extLst>
+          </p:cNvPr>
+          <p:cNvSpPr/>
+          <p:nvPr/>
+        </p:nvSpPr>
+        <p:spPr>
+          <a:xfrm>
+            <a:off x="4124904" y="4242942"/>
+            <a:ext cx="1903188" cy="522105"/>
+          </a:xfrm>
+          <a:prstGeom prst="rect">
+            <a:avLst/>
+          </a:prstGeom>
+          <a:noFill/>
+          <a:ln>
+            <a:noFill/>
+          </a:ln>
+        </p:spPr>
+        <p:style>
+          <a:lnRef idx="2">
+            <a:schemeClr val="accent1">
+              <a:shade val="50000"/>
+            </a:schemeClr>
+          </a:lnRef>
+          <a:fillRef idx="1">
+            <a:schemeClr val="accent1"/>
+          </a:fillRef>
+          <a:effectRef idx="0">
+            <a:schemeClr val="accent1"/>
+          </a:effectRef>
+          <a:fontRef idx="minor">
+            <a:schemeClr val="lt1"/>
+          </a:fontRef>
+        </p:style>
+        <p:txBody>
+          <a:bodyPr rtlCol="0" anchor="t"/>
+          <a:lstStyle/>
+          <a:p>
+            <a:r>
+              <a:rPr lang="de-DE" sz="1200">
+                <a:solidFill>
+                  <a:srgbClr val="405786"/>
+                </a:solidFill>
+              </a:rPr>
+              <a:t>Aggregationen Personengruppen</a:t>
+            </a:r>
+          </a:p>
+        </p:txBody>
+      </p:sp>
+      <p:sp>
+        <p:nvSpPr>
+          <p:cNvPr id="55" name="Rechteck: abgerundete Ecken 54">
+            <a:extLst>
+              <a:ext uri="{FF2B5EF4-FFF2-40B4-BE49-F238E27FC236}">
+                <a16:creationId xmlns:a16="http://schemas.microsoft.com/office/drawing/2014/main" id="{D80FD2EA-39F5-4A60-B97E-43A066217136}"/>
+              </a:ext>
+            </a:extLst>
+          </p:cNvPr>
+          <p:cNvSpPr/>
+          <p:nvPr/>
+        </p:nvSpPr>
+        <p:spPr>
+          <a:xfrm>
+            <a:off x="842318" y="2128711"/>
+            <a:ext cx="1676257" cy="566909"/>
+          </a:xfrm>
+          <a:prstGeom prst="roundRect">
+            <a:avLst/>
+          </a:prstGeom>
+          <a:solidFill>
+            <a:srgbClr val="008CBA"/>
+          </a:solidFill>
+          <a:ln>
+            <a:noFill/>
+          </a:ln>
+        </p:spPr>
+        <p:style>
+          <a:lnRef idx="2">
+            <a:schemeClr val="accent1">
+              <a:shade val="50000"/>
+            </a:schemeClr>
+          </a:lnRef>
+          <a:fillRef idx="1">
+            <a:schemeClr val="accent1"/>
+          </a:fillRef>
+          <a:effectRef idx="0">
+            <a:schemeClr val="accent1"/>
+          </a:effectRef>
+          <a:fontRef idx="minor">
+            <a:schemeClr val="lt1"/>
+          </a:fontRef>
+        </p:style>
+        <p:txBody>
+          <a:bodyPr rtlCol="0" anchor="ctr"/>
+          <a:lstStyle/>
+          <a:p>
+            <a:pPr algn="ctr"/>
+            <a:r>
+              <a:rPr lang="de-DE" sz="1400"/>
+              <a:t>Survey Content Pool</a:t>
+            </a:r>
+            <a:endParaRPr lang="de-DE"/>
+          </a:p>
+        </p:txBody>
+      </p:sp>
+      <p:sp>
+        <p:nvSpPr>
+          <p:cNvPr id="57" name="Rechteck 56">
+            <a:extLst>
+              <a:ext uri="{FF2B5EF4-FFF2-40B4-BE49-F238E27FC236}">
+                <a16:creationId xmlns:a16="http://schemas.microsoft.com/office/drawing/2014/main" id="{4F292E1B-316F-4BB3-B8A9-D3804172848E}"/>
+              </a:ext>
+            </a:extLst>
+          </p:cNvPr>
+          <p:cNvSpPr/>
+          <p:nvPr/>
+        </p:nvSpPr>
+        <p:spPr>
+          <a:xfrm>
+            <a:off x="2620175" y="2179648"/>
+            <a:ext cx="1130749" cy="323060"/>
+          </a:xfrm>
+          <a:prstGeom prst="rect">
+            <a:avLst/>
+          </a:prstGeom>
+          <a:noFill/>
+          <a:ln>
+            <a:noFill/>
+          </a:ln>
+        </p:spPr>
+        <p:style>
+          <a:lnRef idx="2">
+            <a:schemeClr val="accent1">
+              <a:shade val="50000"/>
+            </a:schemeClr>
+          </a:lnRef>
+          <a:fillRef idx="1">
+            <a:schemeClr val="accent1"/>
+          </a:fillRef>
+          <a:effectRef idx="0">
+            <a:schemeClr val="accent1"/>
+          </a:effectRef>
+          <a:fontRef idx="minor">
+            <a:schemeClr val="lt1"/>
+          </a:fontRef>
+        </p:style>
+        <p:txBody>
+          <a:bodyPr rtlCol="0" anchor="t"/>
+          <a:lstStyle/>
+          <a:p>
+            <a:pPr algn="ctr"/>
+            <a:r>
+              <a:rPr lang="de-DE" sz="1200">
+                <a:solidFill>
+                  <a:srgbClr val="405786"/>
+                </a:solidFill>
+              </a:rPr>
+              <a:t>Survey Content Package</a:t>
+            </a:r>
+            <a:endParaRPr lang="de-DE" sz="1400">
+              <a:solidFill>
+                <a:srgbClr val="405786"/>
+              </a:solidFill>
+            </a:endParaRPr>
+          </a:p>
+        </p:txBody>
+      </p:sp>
+    </p:spTree>
+    <p:extLst>
+      <p:ext uri="{BB962C8B-B14F-4D97-AF65-F5344CB8AC3E}">
+        <p14:creationId xmlns:p14="http://schemas.microsoft.com/office/powerpoint/2010/main" val="3021817651"/>
+      </p:ext>
+    </p:extLst>
+  </p:cSld>
+  <p:clrMapOvr>
+    <a:masterClrMapping/>
+  </p:clrMapOvr>
+</p:sld>
+</file>
+
+<file path=ppt/slides/slide7.xml><?xml version="1.0" encoding="utf-8"?>
+<p:sld xmlns:a="http://schemas.openxmlformats.org/drawingml/2006/main" xmlns:r="http://schemas.openxmlformats.org/officeDocument/2006/relationships" xmlns:p="http://schemas.openxmlformats.org/presentationml/2006/main">
+  <p:cSld>
+    <p:spTree>
+      <p:nvGrpSpPr>
+        <p:cNvPr id="1" name=""/>
+        <p:cNvGrpSpPr/>
+        <p:nvPr/>
+      </p:nvGrpSpPr>
+      <p:grpSpPr>
+        <a:xfrm>
+          <a:off x="0" y="0"/>
+          <a:ext cx="0" cy="0"/>
+          <a:chOff x="0" y="0"/>
+          <a:chExt cx="0" cy="0"/>
+        </a:xfrm>
+      </p:grpSpPr>
+      <p:sp>
+        <p:nvSpPr>
           <p:cNvPr id="2" name="Titel 1">
             <a:extLst>
               <a:ext uri="{FF2B5EF4-FFF2-40B4-BE49-F238E27FC236}">

--- a/assets/figures.pptx
+++ b/assets/figures.pptx
@@ -8,10 +8,11 @@
     <p:sldId id="256" r:id="rId2"/>
     <p:sldId id="257" r:id="rId3"/>
     <p:sldId id="258" r:id="rId4"/>
-    <p:sldId id="259" r:id="rId5"/>
-    <p:sldId id="261" r:id="rId6"/>
-    <p:sldId id="262" r:id="rId7"/>
-    <p:sldId id="260" r:id="rId8"/>
+    <p:sldId id="263" r:id="rId5"/>
+    <p:sldId id="259" r:id="rId6"/>
+    <p:sldId id="261" r:id="rId7"/>
+    <p:sldId id="262" r:id="rId8"/>
+    <p:sldId id="260" r:id="rId9"/>
   </p:sldIdLst>
   <p:sldSz cx="6858000" cy="9144000" type="screen4x3"/>
   <p:notesSz cx="6858000" cy="9144000"/>
@@ -249,7 +250,7 @@
           <a:p>
             <a:fld id="{C07B6569-5EFF-41A8-B6CB-39864A9A9501}" type="datetimeFigureOut">
               <a:rPr lang="de-DE" smtClean="0"/>
-              <a:t>15.09.2025</a:t>
+              <a:t>24.09.2025</a:t>
             </a:fld>
             <a:endParaRPr lang="de-DE"/>
           </a:p>
@@ -419,7 +420,7 @@
           <a:p>
             <a:fld id="{C07B6569-5EFF-41A8-B6CB-39864A9A9501}" type="datetimeFigureOut">
               <a:rPr lang="de-DE" smtClean="0"/>
-              <a:t>15.09.2025</a:t>
+              <a:t>24.09.2025</a:t>
             </a:fld>
             <a:endParaRPr lang="de-DE"/>
           </a:p>
@@ -599,7 +600,7 @@
           <a:p>
             <a:fld id="{C07B6569-5EFF-41A8-B6CB-39864A9A9501}" type="datetimeFigureOut">
               <a:rPr lang="de-DE" smtClean="0"/>
-              <a:t>15.09.2025</a:t>
+              <a:t>24.09.2025</a:t>
             </a:fld>
             <a:endParaRPr lang="de-DE"/>
           </a:p>
@@ -846,7 +847,7 @@
           <a:p>
             <a:fld id="{C07B6569-5EFF-41A8-B6CB-39864A9A9501}" type="datetimeFigureOut">
               <a:rPr lang="de-DE" smtClean="0"/>
-              <a:t>15.09.2025</a:t>
+              <a:t>24.09.2025</a:t>
             </a:fld>
             <a:endParaRPr lang="de-DE"/>
           </a:p>
@@ -1090,7 +1091,7 @@
           <a:p>
             <a:fld id="{C07B6569-5EFF-41A8-B6CB-39864A9A9501}" type="datetimeFigureOut">
               <a:rPr lang="de-DE" smtClean="0"/>
-              <a:t>15.09.2025</a:t>
+              <a:t>24.09.2025</a:t>
             </a:fld>
             <a:endParaRPr lang="de-DE"/>
           </a:p>
@@ -1322,7 +1323,7 @@
           <a:p>
             <a:fld id="{C07B6569-5EFF-41A8-B6CB-39864A9A9501}" type="datetimeFigureOut">
               <a:rPr lang="de-DE" smtClean="0"/>
-              <a:t>15.09.2025</a:t>
+              <a:t>24.09.2025</a:t>
             </a:fld>
             <a:endParaRPr lang="de-DE"/>
           </a:p>
@@ -1689,7 +1690,7 @@
           <a:p>
             <a:fld id="{C07B6569-5EFF-41A8-B6CB-39864A9A9501}" type="datetimeFigureOut">
               <a:rPr lang="de-DE" smtClean="0"/>
-              <a:t>15.09.2025</a:t>
+              <a:t>24.09.2025</a:t>
             </a:fld>
             <a:endParaRPr lang="de-DE"/>
           </a:p>
@@ -1807,7 +1808,7 @@
           <a:p>
             <a:fld id="{C07B6569-5EFF-41A8-B6CB-39864A9A9501}" type="datetimeFigureOut">
               <a:rPr lang="de-DE" smtClean="0"/>
-              <a:t>15.09.2025</a:t>
+              <a:t>24.09.2025</a:t>
             </a:fld>
             <a:endParaRPr lang="de-DE"/>
           </a:p>
@@ -1902,7 +1903,7 @@
           <a:p>
             <a:fld id="{C07B6569-5EFF-41A8-B6CB-39864A9A9501}" type="datetimeFigureOut">
               <a:rPr lang="de-DE" smtClean="0"/>
-              <a:t>15.09.2025</a:t>
+              <a:t>24.09.2025</a:t>
             </a:fld>
             <a:endParaRPr lang="de-DE"/>
           </a:p>
@@ -2179,7 +2180,7 @@
           <a:p>
             <a:fld id="{C07B6569-5EFF-41A8-B6CB-39864A9A9501}" type="datetimeFigureOut">
               <a:rPr lang="de-DE" smtClean="0"/>
-              <a:t>15.09.2025</a:t>
+              <a:t>24.09.2025</a:t>
             </a:fld>
             <a:endParaRPr lang="de-DE"/>
           </a:p>
@@ -2436,7 +2437,7 @@
           <a:p>
             <a:fld id="{C07B6569-5EFF-41A8-B6CB-39864A9A9501}" type="datetimeFigureOut">
               <a:rPr lang="de-DE" smtClean="0"/>
-              <a:t>15.09.2025</a:t>
+              <a:t>24.09.2025</a:t>
             </a:fld>
             <a:endParaRPr lang="de-DE"/>
           </a:p>
@@ -2649,7 +2650,7 @@
           <a:p>
             <a:fld id="{C07B6569-5EFF-41A8-B6CB-39864A9A9501}" type="datetimeFigureOut">
               <a:rPr lang="de-DE" smtClean="0"/>
-              <a:t>15.09.2025</a:t>
+              <a:t>24.09.2025</a:t>
             </a:fld>
             <a:endParaRPr lang="de-DE"/>
           </a:p>
@@ -5611,10 +5612,10 @@
       </p:grpSpPr>
       <p:sp>
         <p:nvSpPr>
-          <p:cNvPr id="32" name="Rechteck 31">
-            <a:extLst>
-              <a:ext uri="{FF2B5EF4-FFF2-40B4-BE49-F238E27FC236}">
-                <a16:creationId xmlns:a16="http://schemas.microsoft.com/office/drawing/2014/main" id="{547B6DB2-0CC1-4E3F-A59F-14514FC55285}"/>
+          <p:cNvPr id="11" name="Pfeil: nach rechts 10">
+            <a:extLst>
+              <a:ext uri="{FF2B5EF4-FFF2-40B4-BE49-F238E27FC236}">
+                <a16:creationId xmlns:a16="http://schemas.microsoft.com/office/drawing/2014/main" id="{B373BB0E-CC21-4468-A11B-DA3B56985F35}"/>
               </a:ext>
             </a:extLst>
           </p:cNvPr>
@@ -5622,11 +5623,11 @@
           <p:nvPr/>
         </p:nvSpPr>
         <p:spPr>
-          <a:xfrm rot="5400000">
-            <a:off x="3279685" y="5262563"/>
-            <a:ext cx="581025" cy="161925"/>
-          </a:xfrm>
-          <a:prstGeom prst="rect">
+          <a:xfrm rot="3850881">
+            <a:off x="1905879" y="2210141"/>
+            <a:ext cx="1065792" cy="317898"/>
+          </a:xfrm>
+          <a:prstGeom prst="rightArrow">
             <a:avLst/>
           </a:prstGeom>
           <a:solidFill>
@@ -5663,114 +5664,10 @@
       </p:sp>
       <p:sp>
         <p:nvSpPr>
-          <p:cNvPr id="20" name="Pfeil: nach rechts 19">
-            <a:extLst>
-              <a:ext uri="{FF2B5EF4-FFF2-40B4-BE49-F238E27FC236}">
-                <a16:creationId xmlns:a16="http://schemas.microsoft.com/office/drawing/2014/main" id="{0ABCF2EB-9A46-4668-A3A9-1559701052A2}"/>
-              </a:ext>
-            </a:extLst>
-          </p:cNvPr>
-          <p:cNvSpPr/>
-          <p:nvPr/>
-        </p:nvSpPr>
-        <p:spPr>
-          <a:xfrm>
-            <a:off x="3355659" y="4351076"/>
-            <a:ext cx="1256860" cy="317898"/>
-          </a:xfrm>
-          <a:prstGeom prst="rightArrow">
-            <a:avLst/>
-          </a:prstGeom>
-          <a:solidFill>
-            <a:srgbClr val="D6DCE5"/>
-          </a:solidFill>
-          <a:ln>
-            <a:noFill/>
-          </a:ln>
-        </p:spPr>
-        <p:style>
-          <a:lnRef idx="2">
-            <a:schemeClr val="accent1">
-              <a:shade val="50000"/>
-            </a:schemeClr>
-          </a:lnRef>
-          <a:fillRef idx="1">
-            <a:schemeClr val="accent1"/>
-          </a:fillRef>
-          <a:effectRef idx="0">
-            <a:schemeClr val="accent1"/>
-          </a:effectRef>
-          <a:fontRef idx="minor">
-            <a:schemeClr val="lt1"/>
-          </a:fontRef>
-        </p:style>
-        <p:txBody>
-          <a:bodyPr rtlCol="0" anchor="ctr"/>
-          <a:lstStyle/>
-          <a:p>
-            <a:pPr algn="ctr"/>
-            <a:endParaRPr lang="de-DE"/>
-          </a:p>
-        </p:txBody>
-      </p:sp>
-      <p:sp>
-        <p:nvSpPr>
-          <p:cNvPr id="13" name="Pfeil: nach rechts 12">
-            <a:extLst>
-              <a:ext uri="{FF2B5EF4-FFF2-40B4-BE49-F238E27FC236}">
-                <a16:creationId xmlns:a16="http://schemas.microsoft.com/office/drawing/2014/main" id="{450DD977-C9E8-4005-AE12-72EF5716B9CB}"/>
-              </a:ext>
-            </a:extLst>
-          </p:cNvPr>
-          <p:cNvSpPr/>
-          <p:nvPr/>
-        </p:nvSpPr>
-        <p:spPr>
-          <a:xfrm>
-            <a:off x="3293745" y="3271600"/>
-            <a:ext cx="1318773" cy="317898"/>
-          </a:xfrm>
-          <a:prstGeom prst="rightArrow">
-            <a:avLst/>
-          </a:prstGeom>
-          <a:solidFill>
-            <a:srgbClr val="D6DCE5"/>
-          </a:solidFill>
-          <a:ln>
-            <a:noFill/>
-          </a:ln>
-        </p:spPr>
-        <p:style>
-          <a:lnRef idx="2">
-            <a:schemeClr val="accent1">
-              <a:shade val="50000"/>
-            </a:schemeClr>
-          </a:lnRef>
-          <a:fillRef idx="1">
-            <a:schemeClr val="accent1"/>
-          </a:fillRef>
-          <a:effectRef idx="0">
-            <a:schemeClr val="accent1"/>
-          </a:effectRef>
-          <a:fontRef idx="minor">
-            <a:schemeClr val="lt1"/>
-          </a:fontRef>
-        </p:style>
-        <p:txBody>
-          <a:bodyPr rtlCol="0" anchor="ctr"/>
-          <a:lstStyle/>
-          <a:p>
-            <a:pPr algn="ctr"/>
-            <a:endParaRPr lang="de-DE"/>
-          </a:p>
-        </p:txBody>
-      </p:sp>
-      <p:sp>
-        <p:nvSpPr>
           <p:cNvPr id="2" name="Titel 1">
             <a:extLst>
               <a:ext uri="{FF2B5EF4-FFF2-40B4-BE49-F238E27FC236}">
-                <a16:creationId xmlns:a16="http://schemas.microsoft.com/office/drawing/2014/main" id="{0551B04D-69E8-4BFE-9F1D-951E570F0118}"/>
+                <a16:creationId xmlns:a16="http://schemas.microsoft.com/office/drawing/2014/main" id="{69664993-9ED6-4670-922B-6DCFB75DADAE}"/>
               </a:ext>
             </a:extLst>
           </p:cNvPr>
@@ -5788,17 +5685,17 @@
           <a:p>
             <a:r>
               <a:rPr lang="de-DE"/>
-              <a:t>coding-service.png</a:t>
-            </a:r>
-          </a:p>
-        </p:txBody>
-      </p:sp>
-      <p:sp>
-        <p:nvSpPr>
-          <p:cNvPr id="4" name="Pfeil: nach rechts 3">
-            <a:extLst>
-              <a:ext uri="{FF2B5EF4-FFF2-40B4-BE49-F238E27FC236}">
-                <a16:creationId xmlns:a16="http://schemas.microsoft.com/office/drawing/2014/main" id="{9F9BAA5E-6368-402F-A075-A399214FBCD8}"/>
+              <a:t>intro3.png</a:t>
+            </a:r>
+          </a:p>
+        </p:txBody>
+      </p:sp>
+      <p:sp>
+        <p:nvSpPr>
+          <p:cNvPr id="9" name="Rechteck: abgerundete Ecken 8">
+            <a:extLst>
+              <a:ext uri="{FF2B5EF4-FFF2-40B4-BE49-F238E27FC236}">
+                <a16:creationId xmlns:a16="http://schemas.microsoft.com/office/drawing/2014/main" id="{F4BB3833-2C2A-4D03-85C1-B048B97B60EA}"/>
               </a:ext>
             </a:extLst>
           </p:cNvPr>
@@ -5806,9 +5703,132 @@
           <p:nvPr/>
         </p:nvSpPr>
         <p:spPr>
-          <a:xfrm rot="5400000">
-            <a:off x="2944315" y="2249102"/>
-            <a:ext cx="754737" cy="317898"/>
+          <a:xfrm>
+            <a:off x="4866374" y="3322333"/>
+            <a:ext cx="1387562" cy="318109"/>
+          </a:xfrm>
+          <a:prstGeom prst="roundRect">
+            <a:avLst/>
+          </a:prstGeom>
+          <a:solidFill>
+            <a:schemeClr val="bg1"/>
+          </a:solidFill>
+          <a:ln>
+            <a:solidFill>
+              <a:schemeClr val="tx1"/>
+            </a:solidFill>
+          </a:ln>
+        </p:spPr>
+        <p:style>
+          <a:lnRef idx="2">
+            <a:schemeClr val="accent1">
+              <a:shade val="50000"/>
+            </a:schemeClr>
+          </a:lnRef>
+          <a:fillRef idx="1">
+            <a:schemeClr val="accent1"/>
+          </a:fillRef>
+          <a:effectRef idx="0">
+            <a:schemeClr val="accent1"/>
+          </a:effectRef>
+          <a:fontRef idx="minor">
+            <a:schemeClr val="lt1"/>
+          </a:fontRef>
+        </p:style>
+        <p:txBody>
+          <a:bodyPr rtlCol="0" anchor="ctr"/>
+          <a:lstStyle/>
+          <a:p>
+            <a:pPr algn="ctr"/>
+            <a:r>
+              <a:rPr lang="de-DE" sz="1200" b="1">
+                <a:solidFill>
+                  <a:schemeClr val="tx1"/>
+                </a:solidFill>
+              </a:rPr>
+              <a:t>Bericht</a:t>
+            </a:r>
+          </a:p>
+        </p:txBody>
+      </p:sp>
+      <p:sp>
+        <p:nvSpPr>
+          <p:cNvPr id="10" name="Rechteck 9">
+            <a:extLst>
+              <a:ext uri="{FF2B5EF4-FFF2-40B4-BE49-F238E27FC236}">
+                <a16:creationId xmlns:a16="http://schemas.microsoft.com/office/drawing/2014/main" id="{719FAA75-2688-4E1B-A8A9-97CF000C9D32}"/>
+              </a:ext>
+            </a:extLst>
+          </p:cNvPr>
+          <p:cNvSpPr/>
+          <p:nvPr/>
+        </p:nvSpPr>
+        <p:spPr>
+          <a:xfrm>
+            <a:off x="1802463" y="2185932"/>
+            <a:ext cx="912402" cy="256528"/>
+          </a:xfrm>
+          <a:prstGeom prst="rect">
+            <a:avLst/>
+          </a:prstGeom>
+          <a:noFill/>
+          <a:ln>
+            <a:noFill/>
+          </a:ln>
+        </p:spPr>
+        <p:style>
+          <a:lnRef idx="2">
+            <a:schemeClr val="accent1">
+              <a:shade val="50000"/>
+            </a:schemeClr>
+          </a:lnRef>
+          <a:fillRef idx="1">
+            <a:schemeClr val="accent1"/>
+          </a:fillRef>
+          <a:effectRef idx="0">
+            <a:schemeClr val="accent1"/>
+          </a:effectRef>
+          <a:fontRef idx="minor">
+            <a:schemeClr val="lt1"/>
+          </a:fontRef>
+        </p:style>
+        <p:txBody>
+          <a:bodyPr rtlCol="0" anchor="t"/>
+          <a:lstStyle/>
+          <a:p>
+            <a:pPr algn="ctr"/>
+            <a:r>
+              <a:rPr lang="de-DE" sz="1200">
+                <a:solidFill>
+                  <a:srgbClr val="405786"/>
+                </a:solidFill>
+              </a:rPr>
+              <a:t>Units</a:t>
+            </a:r>
+            <a:endParaRPr lang="de-DE" sz="1400">
+              <a:solidFill>
+                <a:srgbClr val="405786"/>
+              </a:solidFill>
+            </a:endParaRPr>
+          </a:p>
+        </p:txBody>
+      </p:sp>
+      <p:sp>
+        <p:nvSpPr>
+          <p:cNvPr id="22" name="Pfeil: nach rechts 21">
+            <a:extLst>
+              <a:ext uri="{FF2B5EF4-FFF2-40B4-BE49-F238E27FC236}">
+                <a16:creationId xmlns:a16="http://schemas.microsoft.com/office/drawing/2014/main" id="{F0ED9A78-65FF-4184-87C8-D2B65CA89911}"/>
+              </a:ext>
+            </a:extLst>
+          </p:cNvPr>
+          <p:cNvSpPr/>
+          <p:nvPr/>
+        </p:nvSpPr>
+        <p:spPr>
+          <a:xfrm>
+            <a:off x="3517112" y="3322438"/>
+            <a:ext cx="1349261" cy="317898"/>
           </a:xfrm>
           <a:prstGeom prst="rightArrow">
             <a:avLst/>
@@ -5847,10 +5867,10 @@
       </p:sp>
       <p:sp>
         <p:nvSpPr>
-          <p:cNvPr id="5" name="Rechteck 4">
-            <a:extLst>
-              <a:ext uri="{FF2B5EF4-FFF2-40B4-BE49-F238E27FC236}">
-                <a16:creationId xmlns:a16="http://schemas.microsoft.com/office/drawing/2014/main" id="{8D492F30-5400-4C0A-AFC2-EAC63131E272}"/>
+          <p:cNvPr id="25" name="Pfeil: nach rechts 24">
+            <a:extLst>
+              <a:ext uri="{FF2B5EF4-FFF2-40B4-BE49-F238E27FC236}">
+                <a16:creationId xmlns:a16="http://schemas.microsoft.com/office/drawing/2014/main" id="{753FC8FE-F56E-45C4-9E72-DDBA99836111}"/>
               </a:ext>
             </a:extLst>
           </p:cNvPr>
@@ -5858,9 +5878,198 @@
           <p:nvPr/>
         </p:nvSpPr>
         <p:spPr>
-          <a:xfrm>
-            <a:off x="2865482" y="2138628"/>
-            <a:ext cx="912402" cy="465410"/>
+          <a:xfrm rot="17749119" flipH="1">
+            <a:off x="3525804" y="2216125"/>
+            <a:ext cx="1065792" cy="317898"/>
+          </a:xfrm>
+          <a:prstGeom prst="rightArrow">
+            <a:avLst/>
+          </a:prstGeom>
+          <a:solidFill>
+            <a:srgbClr val="D6DCE5"/>
+          </a:solidFill>
+          <a:ln>
+            <a:noFill/>
+          </a:ln>
+        </p:spPr>
+        <p:style>
+          <a:lnRef idx="2">
+            <a:schemeClr val="accent1">
+              <a:shade val="50000"/>
+            </a:schemeClr>
+          </a:lnRef>
+          <a:fillRef idx="1">
+            <a:schemeClr val="accent1"/>
+          </a:fillRef>
+          <a:effectRef idx="0">
+            <a:schemeClr val="accent1"/>
+          </a:effectRef>
+          <a:fontRef idx="minor">
+            <a:schemeClr val="lt1"/>
+          </a:fontRef>
+        </p:style>
+        <p:txBody>
+          <a:bodyPr rtlCol="0" anchor="ctr"/>
+          <a:lstStyle/>
+          <a:p>
+            <a:pPr algn="ctr"/>
+            <a:endParaRPr lang="de-DE"/>
+          </a:p>
+        </p:txBody>
+      </p:sp>
+      <p:grpSp>
+        <p:nvGrpSpPr>
+          <p:cNvPr id="28" name="Gruppieren 27">
+            <a:extLst>
+              <a:ext uri="{FF2B5EF4-FFF2-40B4-BE49-F238E27FC236}">
+                <a16:creationId xmlns:a16="http://schemas.microsoft.com/office/drawing/2014/main" id="{228CEA52-D8AD-4F8B-9BD6-0786BCDFAE01}"/>
+              </a:ext>
+            </a:extLst>
+          </p:cNvPr>
+          <p:cNvGrpSpPr/>
+          <p:nvPr/>
+        </p:nvGrpSpPr>
+        <p:grpSpPr>
+          <a:xfrm>
+            <a:off x="1218636" y="1679822"/>
+            <a:ext cx="4060201" cy="318109"/>
+            <a:chOff x="1288215" y="1678108"/>
+            <a:chExt cx="4060201" cy="318109"/>
+          </a:xfrm>
+        </p:grpSpPr>
+        <p:sp>
+          <p:nvSpPr>
+            <p:cNvPr id="4" name="Rechteck: abgerundete Ecken 3">
+              <a:extLst>
+                <a:ext uri="{FF2B5EF4-FFF2-40B4-BE49-F238E27FC236}">
+                  <a16:creationId xmlns:a16="http://schemas.microsoft.com/office/drawing/2014/main" id="{1D19F10A-674D-4908-9A18-FDAD3BD7BEDC}"/>
+                </a:ext>
+              </a:extLst>
+            </p:cNvPr>
+            <p:cNvSpPr/>
+            <p:nvPr/>
+          </p:nvSpPr>
+          <p:spPr>
+            <a:xfrm>
+              <a:off x="1288215" y="1678108"/>
+              <a:ext cx="1676257" cy="318109"/>
+            </a:xfrm>
+            <a:prstGeom prst="roundRect">
+              <a:avLst/>
+            </a:prstGeom>
+            <a:solidFill>
+              <a:srgbClr val="405786"/>
+            </a:solidFill>
+            <a:ln>
+              <a:noFill/>
+            </a:ln>
+          </p:spPr>
+          <p:style>
+            <a:lnRef idx="2">
+              <a:schemeClr val="accent1">
+                <a:shade val="50000"/>
+              </a:schemeClr>
+            </a:lnRef>
+            <a:fillRef idx="1">
+              <a:schemeClr val="accent1"/>
+            </a:fillRef>
+            <a:effectRef idx="0">
+              <a:schemeClr val="accent1"/>
+            </a:effectRef>
+            <a:fontRef idx="minor">
+              <a:schemeClr val="lt1"/>
+            </a:fontRef>
+          </p:style>
+          <p:txBody>
+            <a:bodyPr rtlCol="0" anchor="ctr"/>
+            <a:lstStyle/>
+            <a:p>
+              <a:pPr algn="ctr"/>
+              <a:r>
+                <a:rPr lang="de-DE" sz="1200"/>
+                <a:t>IQB-Studio</a:t>
+              </a:r>
+            </a:p>
+          </p:txBody>
+        </p:sp>
+        <p:sp>
+          <p:nvSpPr>
+            <p:cNvPr id="6" name="Rechteck: abgerundete Ecken 5">
+              <a:extLst>
+                <a:ext uri="{FF2B5EF4-FFF2-40B4-BE49-F238E27FC236}">
+                  <a16:creationId xmlns:a16="http://schemas.microsoft.com/office/drawing/2014/main" id="{2B3200A0-8EF8-4FFF-B02C-41172859B333}"/>
+                </a:ext>
+              </a:extLst>
+            </p:cNvPr>
+            <p:cNvSpPr/>
+            <p:nvPr/>
+          </p:nvSpPr>
+          <p:spPr>
+            <a:xfrm>
+              <a:off x="3548262" y="1678108"/>
+              <a:ext cx="1800154" cy="318109"/>
+            </a:xfrm>
+            <a:prstGeom prst="roundRect">
+              <a:avLst/>
+            </a:prstGeom>
+            <a:solidFill>
+              <a:schemeClr val="bg1"/>
+            </a:solidFill>
+            <a:ln>
+              <a:solidFill>
+                <a:schemeClr val="tx1"/>
+              </a:solidFill>
+            </a:ln>
+          </p:spPr>
+          <p:style>
+            <a:lnRef idx="2">
+              <a:schemeClr val="accent1">
+                <a:shade val="50000"/>
+              </a:schemeClr>
+            </a:lnRef>
+            <a:fillRef idx="1">
+              <a:schemeClr val="accent1"/>
+            </a:fillRef>
+            <a:effectRef idx="0">
+              <a:schemeClr val="accent1"/>
+            </a:effectRef>
+            <a:fontRef idx="minor">
+              <a:schemeClr val="lt1"/>
+            </a:fontRef>
+          </p:style>
+          <p:txBody>
+            <a:bodyPr rtlCol="0" anchor="ctr"/>
+            <a:lstStyle/>
+            <a:p>
+              <a:pPr algn="ctr"/>
+              <a:r>
+                <a:rPr lang="de-DE" sz="1200" b="1">
+                  <a:solidFill>
+                    <a:schemeClr val="tx1"/>
+                  </a:solidFill>
+                </a:rPr>
+                <a:t>Excel-Dateien, XML</a:t>
+              </a:r>
+            </a:p>
+          </p:txBody>
+        </p:sp>
+      </p:grpSp>
+      <p:sp>
+        <p:nvSpPr>
+          <p:cNvPr id="13" name="Rechteck 12">
+            <a:extLst>
+              <a:ext uri="{FF2B5EF4-FFF2-40B4-BE49-F238E27FC236}">
+                <a16:creationId xmlns:a16="http://schemas.microsoft.com/office/drawing/2014/main" id="{A96BB776-D63D-43FB-B470-D03AEB0699BD}"/>
+              </a:ext>
+            </a:extLst>
+          </p:cNvPr>
+          <p:cNvSpPr/>
+          <p:nvPr/>
+        </p:nvSpPr>
+        <p:spPr>
+          <a:xfrm>
+            <a:off x="3861460" y="2129436"/>
+            <a:ext cx="1294330" cy="466578"/>
           </a:xfrm>
           <a:prstGeom prst="rect">
             <a:avLst/>
@@ -5897,22 +6106,17 @@
                   <a:srgbClr val="405786"/>
                 </a:solidFill>
               </a:rPr>
-              <a:t>Antworten (Variablen)</a:t>
-            </a:r>
-            <a:endParaRPr lang="de-DE" sz="1400">
-              <a:solidFill>
-                <a:srgbClr val="405786"/>
-              </a:solidFill>
-            </a:endParaRPr>
-          </a:p>
-        </p:txBody>
-      </p:sp>
-      <p:sp>
-        <p:nvSpPr>
-          <p:cNvPr id="6" name="Pfeil: nach rechts 5">
-            <a:extLst>
-              <a:ext uri="{FF2B5EF4-FFF2-40B4-BE49-F238E27FC236}">
-                <a16:creationId xmlns:a16="http://schemas.microsoft.com/office/drawing/2014/main" id="{E68CA616-A0ED-4681-BB13-5AC00C9707F9}"/>
+              <a:t>Personendaten, Klassendaten</a:t>
+            </a:r>
+          </a:p>
+        </p:txBody>
+      </p:sp>
+      <p:sp>
+        <p:nvSpPr>
+          <p:cNvPr id="29" name="Pfeil: nach rechts 28">
+            <a:extLst>
+              <a:ext uri="{FF2B5EF4-FFF2-40B4-BE49-F238E27FC236}">
+                <a16:creationId xmlns:a16="http://schemas.microsoft.com/office/drawing/2014/main" id="{45D89B47-52C5-4AD1-841B-8C552476B40A}"/>
               </a:ext>
             </a:extLst>
           </p:cNvPr>
@@ -5920,9 +6124,9 @@
           <p:nvPr/>
         </p:nvSpPr>
         <p:spPr>
-          <a:xfrm rot="5400000">
-            <a:off x="2944315" y="3330861"/>
-            <a:ext cx="754737" cy="317898"/>
+          <a:xfrm rot="3850881">
+            <a:off x="3276646" y="4495745"/>
+            <a:ext cx="1527551" cy="317898"/>
           </a:xfrm>
           <a:prstGeom prst="rightArrow">
             <a:avLst/>
@@ -5961,10 +6165,10 @@
       </p:sp>
       <p:sp>
         <p:nvSpPr>
-          <p:cNvPr id="7" name="Rechteck 6">
-            <a:extLst>
-              <a:ext uri="{FF2B5EF4-FFF2-40B4-BE49-F238E27FC236}">
-                <a16:creationId xmlns:a16="http://schemas.microsoft.com/office/drawing/2014/main" id="{9CEA54E5-572E-4CCE-A5EF-D17BB6BA5FFC}"/>
+          <p:cNvPr id="30" name="Pfeil: nach rechts 29">
+            <a:extLst>
+              <a:ext uri="{FF2B5EF4-FFF2-40B4-BE49-F238E27FC236}">
+                <a16:creationId xmlns:a16="http://schemas.microsoft.com/office/drawing/2014/main" id="{E948116F-D3FA-490C-B367-80E0CEF4121F}"/>
               </a:ext>
             </a:extLst>
           </p:cNvPr>
@@ -5972,14 +6176,16 @@
           <p:nvPr/>
         </p:nvSpPr>
         <p:spPr>
-          <a:xfrm>
-            <a:off x="2865482" y="3208925"/>
-            <a:ext cx="912402" cy="443249"/>
-          </a:xfrm>
-          <a:prstGeom prst="rect">
-            <a:avLst/>
-          </a:prstGeom>
-          <a:noFill/>
+          <a:xfrm rot="17749119" flipH="1">
+            <a:off x="1430695" y="4468969"/>
+            <a:ext cx="1543075" cy="317898"/>
+          </a:xfrm>
+          <a:prstGeom prst="rightArrow">
+            <a:avLst/>
+          </a:prstGeom>
+          <a:solidFill>
+            <a:srgbClr val="D6DCE5"/>
+          </a:solidFill>
           <a:ln>
             <a:noFill/>
           </a:ln>
@@ -6001,32 +6207,20 @@
           </a:fontRef>
         </p:style>
         <p:txBody>
-          <a:bodyPr rtlCol="0" anchor="t"/>
+          <a:bodyPr rtlCol="0" anchor="ctr"/>
           <a:lstStyle/>
           <a:p>
             <a:pPr algn="ctr"/>
-            <a:r>
-              <a:rPr lang="de-DE" sz="1200">
-                <a:solidFill>
-                  <a:srgbClr val="405786"/>
-                </a:solidFill>
-              </a:rPr>
-              <a:t>kodierte Antworten</a:t>
-            </a:r>
-            <a:endParaRPr lang="de-DE" sz="1400">
-              <a:solidFill>
-                <a:srgbClr val="405786"/>
-              </a:solidFill>
-            </a:endParaRPr>
-          </a:p>
-        </p:txBody>
-      </p:sp>
-      <p:sp>
-        <p:nvSpPr>
-          <p:cNvPr id="3" name="Rechteck: abgerundete Ecken 2">
-            <a:extLst>
-              <a:ext uri="{FF2B5EF4-FFF2-40B4-BE49-F238E27FC236}">
-                <a16:creationId xmlns:a16="http://schemas.microsoft.com/office/drawing/2014/main" id="{6B49916C-9FB5-4D32-B4BD-F9242855DD09}"/>
+            <a:endParaRPr lang="de-DE"/>
+          </a:p>
+        </p:txBody>
+      </p:sp>
+      <p:sp>
+        <p:nvSpPr>
+          <p:cNvPr id="31" name="Pfeil: nach rechts 30">
+            <a:extLst>
+              <a:ext uri="{FF2B5EF4-FFF2-40B4-BE49-F238E27FC236}">
+                <a16:creationId xmlns:a16="http://schemas.microsoft.com/office/drawing/2014/main" id="{7E1AE68B-0EA4-4E51-B712-345F46C22250}"/>
               </a:ext>
             </a:extLst>
           </p:cNvPr>
@@ -6034,8 +6228,112 @@
           <p:nvPr/>
         </p:nvSpPr>
         <p:spPr>
-          <a:xfrm>
-            <a:off x="2483556" y="2807582"/>
+          <a:xfrm rot="3850881" flipH="1" flipV="1">
+            <a:off x="3611056" y="4547686"/>
+            <a:ext cx="1608578" cy="317898"/>
+          </a:xfrm>
+          <a:prstGeom prst="rightArrow">
+            <a:avLst/>
+          </a:prstGeom>
+          <a:solidFill>
+            <a:srgbClr val="D6DCE5"/>
+          </a:solidFill>
+          <a:ln>
+            <a:noFill/>
+          </a:ln>
+        </p:spPr>
+        <p:style>
+          <a:lnRef idx="2">
+            <a:schemeClr val="accent1">
+              <a:shade val="50000"/>
+            </a:schemeClr>
+          </a:lnRef>
+          <a:fillRef idx="1">
+            <a:schemeClr val="accent1"/>
+          </a:fillRef>
+          <a:effectRef idx="0">
+            <a:schemeClr val="accent1"/>
+          </a:effectRef>
+          <a:fontRef idx="minor">
+            <a:schemeClr val="lt1"/>
+          </a:fontRef>
+        </p:style>
+        <p:txBody>
+          <a:bodyPr rtlCol="0" anchor="ctr"/>
+          <a:lstStyle/>
+          <a:p>
+            <a:pPr algn="ctr"/>
+            <a:endParaRPr lang="de-DE"/>
+          </a:p>
+        </p:txBody>
+      </p:sp>
+      <p:sp>
+        <p:nvSpPr>
+          <p:cNvPr id="32" name="Pfeil: nach rechts 31">
+            <a:extLst>
+              <a:ext uri="{FF2B5EF4-FFF2-40B4-BE49-F238E27FC236}">
+                <a16:creationId xmlns:a16="http://schemas.microsoft.com/office/drawing/2014/main" id="{77EB62EE-B0EB-405E-A9E7-31819D74898A}"/>
+              </a:ext>
+            </a:extLst>
+          </p:cNvPr>
+          <p:cNvSpPr/>
+          <p:nvPr/>
+        </p:nvSpPr>
+        <p:spPr>
+          <a:xfrm rot="17749119" flipV="1">
+            <a:off x="1637146" y="4707528"/>
+            <a:ext cx="1581085" cy="317898"/>
+          </a:xfrm>
+          <a:prstGeom prst="rightArrow">
+            <a:avLst/>
+          </a:prstGeom>
+          <a:solidFill>
+            <a:srgbClr val="D6DCE5"/>
+          </a:solidFill>
+          <a:ln>
+            <a:noFill/>
+          </a:ln>
+        </p:spPr>
+        <p:style>
+          <a:lnRef idx="2">
+            <a:schemeClr val="accent1">
+              <a:shade val="50000"/>
+            </a:schemeClr>
+          </a:lnRef>
+          <a:fillRef idx="1">
+            <a:schemeClr val="accent1"/>
+          </a:fillRef>
+          <a:effectRef idx="0">
+            <a:schemeClr val="accent1"/>
+          </a:effectRef>
+          <a:fontRef idx="minor">
+            <a:schemeClr val="lt1"/>
+          </a:fontRef>
+        </p:style>
+        <p:txBody>
+          <a:bodyPr rtlCol="0" anchor="ctr"/>
+          <a:lstStyle/>
+          <a:p>
+            <a:pPr algn="ctr"/>
+            <a:endParaRPr lang="de-DE"/>
+          </a:p>
+        </p:txBody>
+      </p:sp>
+      <p:sp>
+        <p:nvSpPr>
+          <p:cNvPr id="8" name="Rechteck: abgerundete Ecken 7">
+            <a:extLst>
+              <a:ext uri="{FF2B5EF4-FFF2-40B4-BE49-F238E27FC236}">
+                <a16:creationId xmlns:a16="http://schemas.microsoft.com/office/drawing/2014/main" id="{C650F3AC-0BB7-413D-9A58-24EF66CF2B4F}"/>
+              </a:ext>
+            </a:extLst>
+          </p:cNvPr>
+          <p:cNvSpPr/>
+          <p:nvPr/>
+        </p:nvSpPr>
+        <p:spPr>
+          <a:xfrm>
+            <a:off x="3784333" y="5357746"/>
             <a:ext cx="1676257" cy="318109"/>
           </a:xfrm>
           <a:prstGeom prst="roundRect">
@@ -6071,17 +6369,17 @@
             <a:pPr algn="ctr"/>
             <a:r>
               <a:rPr lang="de-DE" sz="1200"/>
-              <a:t>Autocoder</a:t>
-            </a:r>
-          </a:p>
-        </p:txBody>
-      </p:sp>
-      <p:sp>
-        <p:nvSpPr>
-          <p:cNvPr id="9" name="Pfeil: nach rechts 8">
-            <a:extLst>
-              <a:ext uri="{FF2B5EF4-FFF2-40B4-BE49-F238E27FC236}">
-                <a16:creationId xmlns:a16="http://schemas.microsoft.com/office/drawing/2014/main" id="{F5B0DB56-B8B8-4F09-B779-DBDCC2B8FBB8}"/>
+              <a:t>IQB-KodierBox</a:t>
+            </a:r>
+          </a:p>
+        </p:txBody>
+      </p:sp>
+      <p:sp>
+        <p:nvSpPr>
+          <p:cNvPr id="5" name="Ellipse 4">
+            <a:extLst>
+              <a:ext uri="{FF2B5EF4-FFF2-40B4-BE49-F238E27FC236}">
+                <a16:creationId xmlns:a16="http://schemas.microsoft.com/office/drawing/2014/main" id="{19E9FFAC-5BDD-4619-B944-B410E0D4B7C9}"/>
               </a:ext>
             </a:extLst>
           </p:cNvPr>
@@ -6090,14 +6388,14 @@
         </p:nvSpPr>
         <p:spPr>
           <a:xfrm>
-            <a:off x="1558749" y="3881358"/>
-            <a:ext cx="912402" cy="317898"/>
-          </a:xfrm>
-          <a:prstGeom prst="rightArrow">
+            <a:off x="2129550" y="2762250"/>
+            <a:ext cx="2238375" cy="1438275"/>
+          </a:xfrm>
+          <a:prstGeom prst="ellipse">
             <a:avLst/>
           </a:prstGeom>
           <a:solidFill>
-            <a:srgbClr val="D6DCE5"/>
+            <a:srgbClr val="008CBA"/>
           </a:solidFill>
           <a:ln>
             <a:noFill/>
@@ -6124,16 +6422,19 @@
           <a:lstStyle/>
           <a:p>
             <a:pPr algn="ctr"/>
-            <a:endParaRPr lang="de-DE"/>
-          </a:p>
-        </p:txBody>
-      </p:sp>
-      <p:sp>
-        <p:nvSpPr>
-          <p:cNvPr id="11" name="Pfeil: nach rechts 10">
-            <a:extLst>
-              <a:ext uri="{FF2B5EF4-FFF2-40B4-BE49-F238E27FC236}">
-                <a16:creationId xmlns:a16="http://schemas.microsoft.com/office/drawing/2014/main" id="{952B01B7-7CA7-4859-911C-8ED90D36D649}"/>
+            <a:r>
+              <a:rPr lang="de-DE"/>
+              <a:t>Manuelles Daten-management</a:t>
+            </a:r>
+          </a:p>
+        </p:txBody>
+      </p:sp>
+      <p:sp>
+        <p:nvSpPr>
+          <p:cNvPr id="21" name="Rechteck 20">
+            <a:extLst>
+              <a:ext uri="{FF2B5EF4-FFF2-40B4-BE49-F238E27FC236}">
+                <a16:creationId xmlns:a16="http://schemas.microsoft.com/office/drawing/2014/main" id="{EC5C6E94-3059-4E24-8C1A-34FE1F4BF7F0}"/>
               </a:ext>
             </a:extLst>
           </p:cNvPr>
@@ -6141,61 +6442,9 @@
           <p:nvPr/>
         </p:nvSpPr>
         <p:spPr>
-          <a:xfrm rot="5400000">
-            <a:off x="2944314" y="4390458"/>
-            <a:ext cx="754737" cy="317898"/>
-          </a:xfrm>
-          <a:prstGeom prst="rightArrow">
-            <a:avLst/>
-          </a:prstGeom>
-          <a:solidFill>
-            <a:srgbClr val="D6DCE5"/>
-          </a:solidFill>
-          <a:ln>
-            <a:noFill/>
-          </a:ln>
-        </p:spPr>
-        <p:style>
-          <a:lnRef idx="2">
-            <a:schemeClr val="accent1">
-              <a:shade val="50000"/>
-            </a:schemeClr>
-          </a:lnRef>
-          <a:fillRef idx="1">
-            <a:schemeClr val="accent1"/>
-          </a:fillRef>
-          <a:effectRef idx="0">
-            <a:schemeClr val="accent1"/>
-          </a:effectRef>
-          <a:fontRef idx="minor">
-            <a:schemeClr val="lt1"/>
-          </a:fontRef>
-        </p:style>
-        <p:txBody>
-          <a:bodyPr rtlCol="0" anchor="ctr"/>
-          <a:lstStyle/>
-          <a:p>
-            <a:pPr algn="ctr"/>
-            <a:endParaRPr lang="de-DE"/>
-          </a:p>
-        </p:txBody>
-      </p:sp>
-      <p:sp>
-        <p:nvSpPr>
-          <p:cNvPr id="12" name="Rechteck 11">
-            <a:extLst>
-              <a:ext uri="{FF2B5EF4-FFF2-40B4-BE49-F238E27FC236}">
-                <a16:creationId xmlns:a16="http://schemas.microsoft.com/office/drawing/2014/main" id="{5BF43FF3-FD4D-4671-BBE2-2F5FFF6683B1}"/>
-              </a:ext>
-            </a:extLst>
-          </p:cNvPr>
-          <p:cNvSpPr/>
-          <p:nvPr/>
-        </p:nvSpPr>
-        <p:spPr>
-          <a:xfrm>
-            <a:off x="2865481" y="4268522"/>
-            <a:ext cx="912402" cy="443249"/>
+          <a:xfrm>
+            <a:off x="4082648" y="4564268"/>
+            <a:ext cx="1294330" cy="466578"/>
           </a:xfrm>
           <a:prstGeom prst="rect">
             <a:avLst/>
@@ -6234,6 +6483,63 @@
               </a:rPr>
               <a:t>Item-Matrix</a:t>
             </a:r>
+          </a:p>
+        </p:txBody>
+      </p:sp>
+      <p:sp>
+        <p:nvSpPr>
+          <p:cNvPr id="17" name="Rechteck 16">
+            <a:extLst>
+              <a:ext uri="{FF2B5EF4-FFF2-40B4-BE49-F238E27FC236}">
+                <a16:creationId xmlns:a16="http://schemas.microsoft.com/office/drawing/2014/main" id="{BBC0748C-9234-4B45-8D10-CBF7EEE1374C}"/>
+              </a:ext>
+            </a:extLst>
+          </p:cNvPr>
+          <p:cNvSpPr/>
+          <p:nvPr/>
+        </p:nvSpPr>
+        <p:spPr>
+          <a:xfrm>
+            <a:off x="2245213" y="4866477"/>
+            <a:ext cx="866143" cy="275164"/>
+          </a:xfrm>
+          <a:prstGeom prst="rect">
+            <a:avLst/>
+          </a:prstGeom>
+          <a:noFill/>
+          <a:ln>
+            <a:noFill/>
+          </a:ln>
+        </p:spPr>
+        <p:style>
+          <a:lnRef idx="2">
+            <a:schemeClr val="accent1">
+              <a:shade val="50000"/>
+            </a:schemeClr>
+          </a:lnRef>
+          <a:fillRef idx="1">
+            <a:schemeClr val="accent1"/>
+          </a:fillRef>
+          <a:effectRef idx="0">
+            <a:schemeClr val="accent1"/>
+          </a:effectRef>
+          <a:fontRef idx="minor">
+            <a:schemeClr val="lt1"/>
+          </a:fontRef>
+        </p:style>
+        <p:txBody>
+          <a:bodyPr rtlCol="0" anchor="t"/>
+          <a:lstStyle/>
+          <a:p>
+            <a:pPr algn="ctr"/>
+            <a:r>
+              <a:rPr lang="de-DE" sz="1200">
+                <a:solidFill>
+                  <a:srgbClr val="405786"/>
+                </a:solidFill>
+              </a:rPr>
+              <a:t>Antworten</a:t>
+            </a:r>
             <a:endParaRPr lang="de-DE" sz="1400">
               <a:solidFill>
                 <a:srgbClr val="405786"/>
@@ -6244,10 +6550,10 @@
       </p:sp>
       <p:sp>
         <p:nvSpPr>
-          <p:cNvPr id="8" name="Rechteck: abgerundete Ecken 7">
-            <a:extLst>
-              <a:ext uri="{FF2B5EF4-FFF2-40B4-BE49-F238E27FC236}">
-                <a16:creationId xmlns:a16="http://schemas.microsoft.com/office/drawing/2014/main" id="{FC665028-AAC4-4D57-AEAD-4DB95B7E292B}"/>
+          <p:cNvPr id="33" name="Rechteck 32">
+            <a:extLst>
+              <a:ext uri="{FF2B5EF4-FFF2-40B4-BE49-F238E27FC236}">
+                <a16:creationId xmlns:a16="http://schemas.microsoft.com/office/drawing/2014/main" id="{18BE632D-9126-48FC-ABAA-B1E77D0C6B0D}"/>
               </a:ext>
             </a:extLst>
           </p:cNvPr>
@@ -6256,7 +6562,131 @@
         </p:nvSpPr>
         <p:spPr>
           <a:xfrm>
-            <a:off x="2483556" y="3881358"/>
+            <a:off x="3222584" y="4356059"/>
+            <a:ext cx="951451" cy="466577"/>
+          </a:xfrm>
+          <a:prstGeom prst="rect">
+            <a:avLst/>
+          </a:prstGeom>
+          <a:noFill/>
+          <a:ln>
+            <a:noFill/>
+          </a:ln>
+        </p:spPr>
+        <p:style>
+          <a:lnRef idx="2">
+            <a:schemeClr val="accent1">
+              <a:shade val="50000"/>
+            </a:schemeClr>
+          </a:lnRef>
+          <a:fillRef idx="1">
+            <a:schemeClr val="accent1"/>
+          </a:fillRef>
+          <a:effectRef idx="0">
+            <a:schemeClr val="accent1"/>
+          </a:effectRef>
+          <a:fontRef idx="minor">
+            <a:schemeClr val="lt1"/>
+          </a:fontRef>
+        </p:style>
+        <p:txBody>
+          <a:bodyPr rtlCol="0" anchor="t"/>
+          <a:lstStyle/>
+          <a:p>
+            <a:pPr algn="ctr"/>
+            <a:r>
+              <a:rPr lang="de-DE" sz="1200">
+                <a:solidFill>
+                  <a:srgbClr val="405786"/>
+                </a:solidFill>
+              </a:rPr>
+              <a:t>Antworten</a:t>
+            </a:r>
+            <a:endParaRPr lang="de-DE" sz="1400">
+              <a:solidFill>
+                <a:srgbClr val="405786"/>
+              </a:solidFill>
+            </a:endParaRPr>
+          </a:p>
+        </p:txBody>
+      </p:sp>
+      <p:sp>
+        <p:nvSpPr>
+          <p:cNvPr id="15" name="Rechteck 14">
+            <a:extLst>
+              <a:ext uri="{FF2B5EF4-FFF2-40B4-BE49-F238E27FC236}">
+                <a16:creationId xmlns:a16="http://schemas.microsoft.com/office/drawing/2014/main" id="{A5BFC3D8-81AB-4B6E-AC39-A38E82FEDBCA}"/>
+              </a:ext>
+            </a:extLst>
+          </p:cNvPr>
+          <p:cNvSpPr/>
+          <p:nvPr/>
+        </p:nvSpPr>
+        <p:spPr>
+          <a:xfrm>
+            <a:off x="1489393" y="4134614"/>
+            <a:ext cx="912402" cy="493304"/>
+          </a:xfrm>
+          <a:prstGeom prst="rect">
+            <a:avLst/>
+          </a:prstGeom>
+          <a:noFill/>
+          <a:ln>
+            <a:noFill/>
+          </a:ln>
+        </p:spPr>
+        <p:style>
+          <a:lnRef idx="2">
+            <a:schemeClr val="accent1">
+              <a:shade val="50000"/>
+            </a:schemeClr>
+          </a:lnRef>
+          <a:fillRef idx="1">
+            <a:schemeClr val="accent1"/>
+          </a:fillRef>
+          <a:effectRef idx="0">
+            <a:schemeClr val="accent1"/>
+          </a:effectRef>
+          <a:fontRef idx="minor">
+            <a:schemeClr val="lt1"/>
+          </a:fontRef>
+        </p:style>
+        <p:txBody>
+          <a:bodyPr rtlCol="0" anchor="t"/>
+          <a:lstStyle/>
+          <a:p>
+            <a:pPr algn="ctr"/>
+            <a:r>
+              <a:rPr lang="de-DE" sz="1200">
+                <a:solidFill>
+                  <a:srgbClr val="405786"/>
+                </a:solidFill>
+              </a:rPr>
+              <a:t>Aufgaben, Testhefte</a:t>
+            </a:r>
+            <a:endParaRPr lang="de-DE" sz="1400">
+              <a:solidFill>
+                <a:srgbClr val="405786"/>
+              </a:solidFill>
+            </a:endParaRPr>
+          </a:p>
+        </p:txBody>
+      </p:sp>
+      <p:sp>
+        <p:nvSpPr>
+          <p:cNvPr id="7" name="Rechteck: abgerundete Ecken 6">
+            <a:extLst>
+              <a:ext uri="{FF2B5EF4-FFF2-40B4-BE49-F238E27FC236}">
+                <a16:creationId xmlns:a16="http://schemas.microsoft.com/office/drawing/2014/main" id="{CA9A0AFC-CDCE-4998-A4B7-46F43B78EA44}"/>
+              </a:ext>
+            </a:extLst>
+          </p:cNvPr>
+          <p:cNvSpPr/>
+          <p:nvPr/>
+        </p:nvSpPr>
+        <p:spPr>
+          <a:xfrm>
+            <a:off x="1197445" y="5338674"/>
             <a:ext cx="1676257" cy="318109"/>
           </a:xfrm>
           <a:prstGeom prst="roundRect">
@@ -6292,799 +6722,15 @@
             <a:pPr algn="ctr"/>
             <a:r>
               <a:rPr lang="de-DE" sz="1200"/>
-              <a:t>Itemwerte ableiten</a:t>
-            </a:r>
-          </a:p>
-        </p:txBody>
-      </p:sp>
-      <p:sp>
-        <p:nvSpPr>
-          <p:cNvPr id="15" name="Pfeil: nach rechts 14">
-            <a:extLst>
-              <a:ext uri="{FF2B5EF4-FFF2-40B4-BE49-F238E27FC236}">
-                <a16:creationId xmlns:a16="http://schemas.microsoft.com/office/drawing/2014/main" id="{863A3B5F-DF6D-42E3-B140-36287F671703}"/>
-              </a:ext>
-            </a:extLst>
-          </p:cNvPr>
-          <p:cNvSpPr/>
-          <p:nvPr/>
-        </p:nvSpPr>
-        <p:spPr>
-          <a:xfrm>
-            <a:off x="1558749" y="4926776"/>
-            <a:ext cx="912402" cy="317898"/>
-          </a:xfrm>
-          <a:prstGeom prst="rightArrow">
-            <a:avLst/>
-          </a:prstGeom>
-          <a:solidFill>
-            <a:srgbClr val="D6DCE5"/>
-          </a:solidFill>
-          <a:ln>
-            <a:noFill/>
-          </a:ln>
-        </p:spPr>
-        <p:style>
-          <a:lnRef idx="2">
-            <a:schemeClr val="accent1">
-              <a:shade val="50000"/>
-            </a:schemeClr>
-          </a:lnRef>
-          <a:fillRef idx="1">
-            <a:schemeClr val="accent1"/>
-          </a:fillRef>
-          <a:effectRef idx="0">
-            <a:schemeClr val="accent1"/>
-          </a:effectRef>
-          <a:fontRef idx="minor">
-            <a:schemeClr val="lt1"/>
-          </a:fontRef>
-        </p:style>
-        <p:txBody>
-          <a:bodyPr rtlCol="0" anchor="ctr"/>
-          <a:lstStyle/>
-          <a:p>
-            <a:pPr algn="ctr"/>
-            <a:endParaRPr lang="de-DE"/>
-          </a:p>
-        </p:txBody>
-      </p:sp>
-      <p:sp>
-        <p:nvSpPr>
-          <p:cNvPr id="19" name="Rechteck: abgerundete Ecken 18">
-            <a:extLst>
-              <a:ext uri="{FF2B5EF4-FFF2-40B4-BE49-F238E27FC236}">
-                <a16:creationId xmlns:a16="http://schemas.microsoft.com/office/drawing/2014/main" id="{BE4BD864-25C8-4FB2-8119-D940D979F705}"/>
-              </a:ext>
-            </a:extLst>
-          </p:cNvPr>
-          <p:cNvSpPr/>
-          <p:nvPr/>
-        </p:nvSpPr>
-        <p:spPr>
-          <a:xfrm>
-            <a:off x="2483556" y="4926776"/>
-            <a:ext cx="1676257" cy="318109"/>
-          </a:xfrm>
-          <a:prstGeom prst="roundRect">
-            <a:avLst/>
-          </a:prstGeom>
-          <a:solidFill>
-            <a:srgbClr val="405786"/>
-          </a:solidFill>
-          <a:ln>
-            <a:noFill/>
-          </a:ln>
-        </p:spPr>
-        <p:style>
-          <a:lnRef idx="2">
-            <a:schemeClr val="accent1">
-              <a:shade val="50000"/>
-            </a:schemeClr>
-          </a:lnRef>
-          <a:fillRef idx="1">
-            <a:schemeClr val="accent1"/>
-          </a:fillRef>
-          <a:effectRef idx="0">
-            <a:schemeClr val="accent1"/>
-          </a:effectRef>
-          <a:fontRef idx="minor">
-            <a:schemeClr val="lt1"/>
-          </a:fontRef>
-        </p:style>
-        <p:txBody>
-          <a:bodyPr rtlCol="0" anchor="ctr"/>
-          <a:lstStyle/>
-          <a:p>
-            <a:pPr algn="ctr"/>
-            <a:r>
-              <a:rPr lang="de-DE" sz="1200"/>
-              <a:t>Skalenwerte ableiten</a:t>
-            </a:r>
-          </a:p>
-        </p:txBody>
-      </p:sp>
-      <p:sp>
-        <p:nvSpPr>
-          <p:cNvPr id="22" name="Pfeil: nach rechts 21">
-            <a:extLst>
-              <a:ext uri="{FF2B5EF4-FFF2-40B4-BE49-F238E27FC236}">
-                <a16:creationId xmlns:a16="http://schemas.microsoft.com/office/drawing/2014/main" id="{B7BEFAAF-3039-4C25-8A91-9764F8C2F4EC}"/>
-              </a:ext>
-            </a:extLst>
-          </p:cNvPr>
-          <p:cNvSpPr/>
-          <p:nvPr/>
-        </p:nvSpPr>
-        <p:spPr>
-          <a:xfrm>
-            <a:off x="1558749" y="2815339"/>
-            <a:ext cx="912402" cy="317898"/>
-          </a:xfrm>
-          <a:prstGeom prst="rightArrow">
-            <a:avLst/>
-          </a:prstGeom>
-          <a:solidFill>
-            <a:srgbClr val="D6DCE5"/>
-          </a:solidFill>
-          <a:ln>
-            <a:noFill/>
-          </a:ln>
-        </p:spPr>
-        <p:style>
-          <a:lnRef idx="2">
-            <a:schemeClr val="accent1">
-              <a:shade val="50000"/>
-            </a:schemeClr>
-          </a:lnRef>
-          <a:fillRef idx="1">
-            <a:schemeClr val="accent1"/>
-          </a:fillRef>
-          <a:effectRef idx="0">
-            <a:schemeClr val="accent1"/>
-          </a:effectRef>
-          <a:fontRef idx="minor">
-            <a:schemeClr val="lt1"/>
-          </a:fontRef>
-        </p:style>
-        <p:txBody>
-          <a:bodyPr rtlCol="0" anchor="ctr"/>
-          <a:lstStyle/>
-          <a:p>
-            <a:pPr algn="ctr"/>
-            <a:endParaRPr lang="de-DE"/>
-          </a:p>
-        </p:txBody>
-      </p:sp>
-      <p:sp>
-        <p:nvSpPr>
-          <p:cNvPr id="24" name="Rechteck: abgerundete Ecken 23">
-            <a:extLst>
-              <a:ext uri="{FF2B5EF4-FFF2-40B4-BE49-F238E27FC236}">
-                <a16:creationId xmlns:a16="http://schemas.microsoft.com/office/drawing/2014/main" id="{55A149B1-1B8A-4A2A-A04E-957240767D97}"/>
-              </a:ext>
-            </a:extLst>
-          </p:cNvPr>
-          <p:cNvSpPr/>
-          <p:nvPr/>
-        </p:nvSpPr>
-        <p:spPr>
-          <a:xfrm>
-            <a:off x="2471151" y="1785355"/>
-            <a:ext cx="1676257" cy="318109"/>
-          </a:xfrm>
-          <a:prstGeom prst="roundRect">
-            <a:avLst/>
-          </a:prstGeom>
-          <a:solidFill>
-            <a:srgbClr val="008CBA"/>
-          </a:solidFill>
-          <a:ln>
-            <a:noFill/>
-          </a:ln>
-        </p:spPr>
-        <p:style>
-          <a:lnRef idx="2">
-            <a:schemeClr val="accent1">
-              <a:shade val="50000"/>
-            </a:schemeClr>
-          </a:lnRef>
-          <a:fillRef idx="1">
-            <a:schemeClr val="accent1"/>
-          </a:fillRef>
-          <a:effectRef idx="0">
-            <a:schemeClr val="accent1"/>
-          </a:effectRef>
-          <a:fontRef idx="minor">
-            <a:schemeClr val="lt1"/>
-          </a:fontRef>
-        </p:style>
-        <p:txBody>
-          <a:bodyPr rtlCol="0" anchor="ctr"/>
-          <a:lstStyle/>
-          <a:p>
-            <a:pPr algn="ctr"/>
-            <a:r>
-              <a:rPr lang="de-DE" sz="1400"/>
               <a:t>IQB-Testcenter</a:t>
             </a:r>
-            <a:endParaRPr lang="de-DE"/>
-          </a:p>
-        </p:txBody>
-      </p:sp>
-      <p:sp>
-        <p:nvSpPr>
-          <p:cNvPr id="26" name="Rechteck 25">
-            <a:extLst>
-              <a:ext uri="{FF2B5EF4-FFF2-40B4-BE49-F238E27FC236}">
-                <a16:creationId xmlns:a16="http://schemas.microsoft.com/office/drawing/2014/main" id="{7C023EEC-9FC4-4437-8575-93036B4F18E1}"/>
-              </a:ext>
-            </a:extLst>
-          </p:cNvPr>
-          <p:cNvSpPr/>
-          <p:nvPr/>
-        </p:nvSpPr>
-        <p:spPr>
-          <a:xfrm>
-            <a:off x="650959" y="2604038"/>
-            <a:ext cx="1391955" cy="3155038"/>
-          </a:xfrm>
-          <a:prstGeom prst="rect">
-            <a:avLst/>
-          </a:prstGeom>
-          <a:solidFill>
-            <a:srgbClr val="D6DCE5"/>
-          </a:solidFill>
-          <a:ln>
-            <a:noFill/>
-          </a:ln>
-        </p:spPr>
-        <p:style>
-          <a:lnRef idx="2">
-            <a:schemeClr val="accent1">
-              <a:shade val="50000"/>
-            </a:schemeClr>
-          </a:lnRef>
-          <a:fillRef idx="1">
-            <a:schemeClr val="accent1"/>
-          </a:fillRef>
-          <a:effectRef idx="0">
-            <a:schemeClr val="accent1"/>
-          </a:effectRef>
-          <a:fontRef idx="minor">
-            <a:schemeClr val="lt1"/>
-          </a:fontRef>
-        </p:style>
-        <p:txBody>
-          <a:bodyPr rtlCol="0" anchor="ctr"/>
-          <a:lstStyle/>
-          <a:p>
-            <a:r>
-              <a:rPr lang="de-DE" sz="1600">
-                <a:solidFill>
-                  <a:srgbClr val="405786"/>
-                </a:solidFill>
-              </a:rPr>
-              <a:t>Survey Content Package</a:t>
-            </a:r>
-          </a:p>
-        </p:txBody>
-      </p:sp>
-      <p:sp>
-        <p:nvSpPr>
-          <p:cNvPr id="10" name="Rechteck 9">
-            <a:extLst>
-              <a:ext uri="{FF2B5EF4-FFF2-40B4-BE49-F238E27FC236}">
-                <a16:creationId xmlns:a16="http://schemas.microsoft.com/office/drawing/2014/main" id="{99160057-E182-4527-98B7-B0410D6C4443}"/>
-              </a:ext>
-            </a:extLst>
-          </p:cNvPr>
-          <p:cNvSpPr/>
-          <p:nvPr/>
-        </p:nvSpPr>
-        <p:spPr>
-          <a:xfrm>
-            <a:off x="1376220" y="3819417"/>
-            <a:ext cx="749160" cy="399738"/>
-          </a:xfrm>
-          <a:prstGeom prst="rect">
-            <a:avLst/>
-          </a:prstGeom>
-          <a:noFill/>
-          <a:ln>
-            <a:noFill/>
-          </a:ln>
-        </p:spPr>
-        <p:style>
-          <a:lnRef idx="2">
-            <a:schemeClr val="accent1">
-              <a:shade val="50000"/>
-            </a:schemeClr>
-          </a:lnRef>
-          <a:fillRef idx="1">
-            <a:schemeClr val="accent1"/>
-          </a:fillRef>
-          <a:effectRef idx="0">
-            <a:schemeClr val="accent1"/>
-          </a:effectRef>
-          <a:fontRef idx="minor">
-            <a:schemeClr val="lt1"/>
-          </a:fontRef>
-        </p:style>
-        <p:txBody>
-          <a:bodyPr rtlCol="0" anchor="t"/>
-          <a:lstStyle/>
-          <a:p>
-            <a:pPr algn="ctr"/>
-            <a:r>
-              <a:rPr lang="de-DE" sz="1200">
-                <a:solidFill>
-                  <a:srgbClr val="405786"/>
-                </a:solidFill>
-              </a:rPr>
-              <a:t>Item-Liste</a:t>
-            </a:r>
-            <a:endParaRPr lang="de-DE" sz="1400">
-              <a:solidFill>
-                <a:srgbClr val="405786"/>
-              </a:solidFill>
-            </a:endParaRPr>
-          </a:p>
-        </p:txBody>
-      </p:sp>
-      <p:sp>
-        <p:nvSpPr>
-          <p:cNvPr id="16" name="Rechteck 15">
-            <a:extLst>
-              <a:ext uri="{FF2B5EF4-FFF2-40B4-BE49-F238E27FC236}">
-                <a16:creationId xmlns:a16="http://schemas.microsoft.com/office/drawing/2014/main" id="{BD5D6F1E-C581-4B54-9809-284B7E13817C}"/>
-              </a:ext>
-            </a:extLst>
-          </p:cNvPr>
-          <p:cNvSpPr/>
-          <p:nvPr/>
-        </p:nvSpPr>
-        <p:spPr>
-          <a:xfrm>
-            <a:off x="1349198" y="4941205"/>
-            <a:ext cx="808852" cy="282673"/>
-          </a:xfrm>
-          <a:prstGeom prst="rect">
-            <a:avLst/>
-          </a:prstGeom>
-          <a:noFill/>
-          <a:ln>
-            <a:noFill/>
-          </a:ln>
-        </p:spPr>
-        <p:style>
-          <a:lnRef idx="2">
-            <a:schemeClr val="accent1">
-              <a:shade val="50000"/>
-            </a:schemeClr>
-          </a:lnRef>
-          <a:fillRef idx="1">
-            <a:schemeClr val="accent1"/>
-          </a:fillRef>
-          <a:effectRef idx="0">
-            <a:schemeClr val="accent1"/>
-          </a:effectRef>
-          <a:fontRef idx="minor">
-            <a:schemeClr val="lt1"/>
-          </a:fontRef>
-        </p:style>
-        <p:txBody>
-          <a:bodyPr rtlCol="0" anchor="t"/>
-          <a:lstStyle/>
-          <a:p>
-            <a:pPr algn="ctr"/>
-            <a:r>
-              <a:rPr lang="de-DE" sz="1200">
-                <a:solidFill>
-                  <a:srgbClr val="405786"/>
-                </a:solidFill>
-              </a:rPr>
-              <a:t>Skalen</a:t>
-            </a:r>
-            <a:endParaRPr lang="de-DE" sz="1400">
-              <a:solidFill>
-                <a:srgbClr val="405786"/>
-              </a:solidFill>
-            </a:endParaRPr>
-          </a:p>
-        </p:txBody>
-      </p:sp>
-      <p:sp>
-        <p:nvSpPr>
-          <p:cNvPr id="23" name="Rechteck 22">
-            <a:extLst>
-              <a:ext uri="{FF2B5EF4-FFF2-40B4-BE49-F238E27FC236}">
-                <a16:creationId xmlns:a16="http://schemas.microsoft.com/office/drawing/2014/main" id="{A0B08DA1-F980-4E18-B4CC-577C8A1BE929}"/>
-              </a:ext>
-            </a:extLst>
-          </p:cNvPr>
-          <p:cNvSpPr/>
-          <p:nvPr/>
-        </p:nvSpPr>
-        <p:spPr>
-          <a:xfrm>
-            <a:off x="1349198" y="2745011"/>
-            <a:ext cx="808852" cy="443249"/>
-          </a:xfrm>
-          <a:prstGeom prst="rect">
-            <a:avLst/>
-          </a:prstGeom>
-          <a:noFill/>
-          <a:ln>
-            <a:noFill/>
-          </a:ln>
-        </p:spPr>
-        <p:style>
-          <a:lnRef idx="2">
-            <a:schemeClr val="accent1">
-              <a:shade val="50000"/>
-            </a:schemeClr>
-          </a:lnRef>
-          <a:fillRef idx="1">
-            <a:schemeClr val="accent1"/>
-          </a:fillRef>
-          <a:effectRef idx="0">
-            <a:schemeClr val="accent1"/>
-          </a:effectRef>
-          <a:fontRef idx="minor">
-            <a:schemeClr val="lt1"/>
-          </a:fontRef>
-        </p:style>
-        <p:txBody>
-          <a:bodyPr rtlCol="0" anchor="t"/>
-          <a:lstStyle/>
-          <a:p>
-            <a:pPr algn="ctr"/>
-            <a:r>
-              <a:rPr lang="de-DE" sz="1200">
-                <a:solidFill>
-                  <a:srgbClr val="405786"/>
-                </a:solidFill>
-              </a:rPr>
-              <a:t>Kodier-Schema</a:t>
-            </a:r>
-            <a:endParaRPr lang="de-DE" sz="1400">
-              <a:solidFill>
-                <a:srgbClr val="405786"/>
-              </a:solidFill>
-            </a:endParaRPr>
-          </a:p>
-        </p:txBody>
-      </p:sp>
-      <p:sp>
-        <p:nvSpPr>
-          <p:cNvPr id="34" name="Rechteck 33">
-            <a:extLst>
-              <a:ext uri="{FF2B5EF4-FFF2-40B4-BE49-F238E27FC236}">
-                <a16:creationId xmlns:a16="http://schemas.microsoft.com/office/drawing/2014/main" id="{05CD6CED-F4A9-4957-9DE7-BC2BF51D10A3}"/>
-              </a:ext>
-            </a:extLst>
-          </p:cNvPr>
-          <p:cNvSpPr/>
-          <p:nvPr/>
-        </p:nvSpPr>
-        <p:spPr>
-          <a:xfrm>
-            <a:off x="4630015" y="2604038"/>
-            <a:ext cx="1391955" cy="3155038"/>
-          </a:xfrm>
-          <a:prstGeom prst="rect">
-            <a:avLst/>
-          </a:prstGeom>
-          <a:solidFill>
-            <a:srgbClr val="D6DCE5"/>
-          </a:solidFill>
-          <a:ln>
-            <a:noFill/>
-          </a:ln>
-        </p:spPr>
-        <p:style>
-          <a:lnRef idx="2">
-            <a:schemeClr val="accent1">
-              <a:shade val="50000"/>
-            </a:schemeClr>
-          </a:lnRef>
-          <a:fillRef idx="1">
-            <a:schemeClr val="accent1"/>
-          </a:fillRef>
-          <a:effectRef idx="0">
-            <a:schemeClr val="accent1"/>
-          </a:effectRef>
-          <a:fontRef idx="minor">
-            <a:schemeClr val="lt1"/>
-          </a:fontRef>
-        </p:style>
-        <p:txBody>
-          <a:bodyPr rtlCol="0" anchor="ctr"/>
-          <a:lstStyle/>
-          <a:p>
-            <a:pPr algn="r"/>
-            <a:r>
-              <a:rPr lang="de-DE" sz="1600">
-                <a:solidFill>
-                  <a:srgbClr val="405786"/>
-                </a:solidFill>
-              </a:rPr>
-              <a:t>Speichern</a:t>
-            </a:r>
-          </a:p>
-          <a:p>
-            <a:pPr algn="r"/>
-            <a:endParaRPr lang="de-DE" sz="1600">
-              <a:solidFill>
-                <a:srgbClr val="405786"/>
-              </a:solidFill>
-            </a:endParaRPr>
-          </a:p>
-          <a:p>
-            <a:pPr algn="r"/>
-            <a:r>
-              <a:rPr lang="de-DE" sz="1600">
-                <a:solidFill>
-                  <a:srgbClr val="405786"/>
-                </a:solidFill>
-              </a:rPr>
-              <a:t>Rückmeldung</a:t>
-            </a:r>
-          </a:p>
-          <a:p>
-            <a:pPr algn="r"/>
-            <a:endParaRPr lang="de-DE" sz="1600">
-              <a:solidFill>
-                <a:srgbClr val="405786"/>
-              </a:solidFill>
-            </a:endParaRPr>
-          </a:p>
-          <a:p>
-            <a:pPr algn="r"/>
-            <a:r>
-              <a:rPr lang="de-DE" sz="1600">
-                <a:solidFill>
-                  <a:srgbClr val="405786"/>
-                </a:solidFill>
-              </a:rPr>
-              <a:t>Dashboard</a:t>
-            </a:r>
-          </a:p>
-        </p:txBody>
-      </p:sp>
-      <p:sp>
-        <p:nvSpPr>
-          <p:cNvPr id="30" name="Pfeil: nach rechts 29">
-            <a:extLst>
-              <a:ext uri="{FF2B5EF4-FFF2-40B4-BE49-F238E27FC236}">
-                <a16:creationId xmlns:a16="http://schemas.microsoft.com/office/drawing/2014/main" id="{730BF83F-2D33-486E-AFF3-E44D1A0F53B8}"/>
-              </a:ext>
-            </a:extLst>
-          </p:cNvPr>
-          <p:cNvSpPr/>
-          <p:nvPr/>
-        </p:nvSpPr>
-        <p:spPr>
-          <a:xfrm>
-            <a:off x="3480631" y="5398381"/>
-            <a:ext cx="1131887" cy="317898"/>
-          </a:xfrm>
-          <a:prstGeom prst="rightArrow">
-            <a:avLst/>
-          </a:prstGeom>
-          <a:solidFill>
-            <a:srgbClr val="D6DCE5"/>
-          </a:solidFill>
-          <a:ln>
-            <a:noFill/>
-          </a:ln>
-        </p:spPr>
-        <p:style>
-          <a:lnRef idx="2">
-            <a:schemeClr val="accent1">
-              <a:shade val="50000"/>
-            </a:schemeClr>
-          </a:lnRef>
-          <a:fillRef idx="1">
-            <a:schemeClr val="accent1"/>
-          </a:fillRef>
-          <a:effectRef idx="0">
-            <a:schemeClr val="accent1"/>
-          </a:effectRef>
-          <a:fontRef idx="minor">
-            <a:schemeClr val="lt1"/>
-          </a:fontRef>
-        </p:style>
-        <p:txBody>
-          <a:bodyPr rtlCol="0" anchor="ctr"/>
-          <a:lstStyle/>
-          <a:p>
-            <a:pPr algn="ctr"/>
-            <a:endParaRPr lang="de-DE"/>
-          </a:p>
-        </p:txBody>
-      </p:sp>
-      <p:sp>
-        <p:nvSpPr>
-          <p:cNvPr id="35" name="Rechteck 34">
-            <a:extLst>
-              <a:ext uri="{FF2B5EF4-FFF2-40B4-BE49-F238E27FC236}">
-                <a16:creationId xmlns:a16="http://schemas.microsoft.com/office/drawing/2014/main" id="{AC898965-3275-4C70-80C3-A487C8B568E7}"/>
-              </a:ext>
-            </a:extLst>
-          </p:cNvPr>
-          <p:cNvSpPr/>
-          <p:nvPr/>
-        </p:nvSpPr>
-        <p:spPr>
-          <a:xfrm>
-            <a:off x="3091261" y="5315827"/>
-            <a:ext cx="1294332" cy="443249"/>
-          </a:xfrm>
-          <a:prstGeom prst="rect">
-            <a:avLst/>
-          </a:prstGeom>
-          <a:noFill/>
-          <a:ln>
-            <a:noFill/>
-          </a:ln>
-        </p:spPr>
-        <p:style>
-          <a:lnRef idx="2">
-            <a:schemeClr val="accent1">
-              <a:shade val="50000"/>
-            </a:schemeClr>
-          </a:lnRef>
-          <a:fillRef idx="1">
-            <a:schemeClr val="accent1"/>
-          </a:fillRef>
-          <a:effectRef idx="0">
-            <a:schemeClr val="accent1"/>
-          </a:effectRef>
-          <a:fontRef idx="minor">
-            <a:schemeClr val="lt1"/>
-          </a:fontRef>
-        </p:style>
-        <p:txBody>
-          <a:bodyPr rtlCol="0" anchor="t"/>
-          <a:lstStyle/>
-          <a:p>
-            <a:pPr algn="ctr"/>
-            <a:r>
-              <a:rPr lang="de-DE" sz="1200">
-                <a:solidFill>
-                  <a:srgbClr val="405786"/>
-                </a:solidFill>
-              </a:rPr>
-              <a:t>Personen-Fähigkeitswerte</a:t>
-            </a:r>
-            <a:endParaRPr lang="de-DE" sz="1400">
-              <a:solidFill>
-                <a:srgbClr val="405786"/>
-              </a:solidFill>
-            </a:endParaRPr>
-          </a:p>
-        </p:txBody>
-      </p:sp>
-      <p:sp>
-        <p:nvSpPr>
-          <p:cNvPr id="36" name="Pfeil: nach rechts 35">
-            <a:extLst>
-              <a:ext uri="{FF2B5EF4-FFF2-40B4-BE49-F238E27FC236}">
-                <a16:creationId xmlns:a16="http://schemas.microsoft.com/office/drawing/2014/main" id="{528C509C-B024-46F8-A594-7AAA73B99246}"/>
-              </a:ext>
-            </a:extLst>
-          </p:cNvPr>
-          <p:cNvSpPr/>
-          <p:nvPr/>
-        </p:nvSpPr>
-        <p:spPr>
-          <a:xfrm rot="16200000">
-            <a:off x="2439140" y="5534319"/>
-            <a:ext cx="873197" cy="317898"/>
-          </a:xfrm>
-          <a:prstGeom prst="rightArrow">
-            <a:avLst/>
-          </a:prstGeom>
-          <a:solidFill>
-            <a:srgbClr val="D6DCE5"/>
-          </a:solidFill>
-          <a:ln>
-            <a:noFill/>
-          </a:ln>
-        </p:spPr>
-        <p:style>
-          <a:lnRef idx="2">
-            <a:schemeClr val="accent1">
-              <a:shade val="50000"/>
-            </a:schemeClr>
-          </a:lnRef>
-          <a:fillRef idx="1">
-            <a:schemeClr val="accent1"/>
-          </a:fillRef>
-          <a:effectRef idx="0">
-            <a:schemeClr val="accent1"/>
-          </a:effectRef>
-          <a:fontRef idx="minor">
-            <a:schemeClr val="lt1"/>
-          </a:fontRef>
-        </p:style>
-        <p:txBody>
-          <a:bodyPr rtlCol="0" anchor="ctr"/>
-          <a:lstStyle/>
-          <a:p>
-            <a:pPr algn="ctr"/>
-            <a:endParaRPr lang="de-DE"/>
-          </a:p>
-        </p:txBody>
-      </p:sp>
-      <p:sp>
-        <p:nvSpPr>
-          <p:cNvPr id="40" name="Rechteck 39">
-            <a:extLst>
-              <a:ext uri="{FF2B5EF4-FFF2-40B4-BE49-F238E27FC236}">
-                <a16:creationId xmlns:a16="http://schemas.microsoft.com/office/drawing/2014/main" id="{8676FEC2-3FB2-4376-9EF4-EEA7811E1208}"/>
-              </a:ext>
-            </a:extLst>
-          </p:cNvPr>
-          <p:cNvSpPr/>
-          <p:nvPr/>
-        </p:nvSpPr>
-        <p:spPr>
-          <a:xfrm>
-            <a:off x="2418787" y="5705344"/>
-            <a:ext cx="912402" cy="465410"/>
-          </a:xfrm>
-          <a:prstGeom prst="rect">
-            <a:avLst/>
-          </a:prstGeom>
-          <a:noFill/>
-          <a:ln>
-            <a:noFill/>
-          </a:ln>
-        </p:spPr>
-        <p:style>
-          <a:lnRef idx="2">
-            <a:schemeClr val="accent1">
-              <a:shade val="50000"/>
-            </a:schemeClr>
-          </a:lnRef>
-          <a:fillRef idx="1">
-            <a:schemeClr val="accent1"/>
-          </a:fillRef>
-          <a:effectRef idx="0">
-            <a:schemeClr val="accent1"/>
-          </a:effectRef>
-          <a:fontRef idx="minor">
-            <a:schemeClr val="lt1"/>
-          </a:fontRef>
-        </p:style>
-        <p:txBody>
-          <a:bodyPr rtlCol="0" anchor="t"/>
-          <a:lstStyle/>
-          <a:p>
-            <a:pPr algn="ctr"/>
-            <a:r>
-              <a:rPr lang="de-DE" sz="1200">
-                <a:solidFill>
-                  <a:srgbClr val="405786"/>
-                </a:solidFill>
-              </a:rPr>
-              <a:t>Zusatz-items</a:t>
-            </a:r>
-            <a:endParaRPr lang="de-DE" sz="1400">
-              <a:solidFill>
-                <a:srgbClr val="405786"/>
-              </a:solidFill>
-            </a:endParaRPr>
           </a:p>
         </p:txBody>
       </p:sp>
     </p:spTree>
     <p:extLst>
       <p:ext uri="{BB962C8B-B14F-4D97-AF65-F5344CB8AC3E}">
-        <p14:creationId xmlns:p14="http://schemas.microsoft.com/office/powerpoint/2010/main" val="3117705646"/>
+        <p14:creationId xmlns:p14="http://schemas.microsoft.com/office/powerpoint/2010/main" val="3027367353"/>
       </p:ext>
     </p:extLst>
   </p:cSld>
@@ -7113,10 +6759,10 @@
       </p:grpSpPr>
       <p:sp>
         <p:nvSpPr>
-          <p:cNvPr id="56" name="Pfeil: nach rechts 55">
-            <a:extLst>
-              <a:ext uri="{FF2B5EF4-FFF2-40B4-BE49-F238E27FC236}">
-                <a16:creationId xmlns:a16="http://schemas.microsoft.com/office/drawing/2014/main" id="{8E0770B1-0687-4AE4-A351-D91B3356585F}"/>
+          <p:cNvPr id="32" name="Rechteck 31">
+            <a:extLst>
+              <a:ext uri="{FF2B5EF4-FFF2-40B4-BE49-F238E27FC236}">
+                <a16:creationId xmlns:a16="http://schemas.microsoft.com/office/drawing/2014/main" id="{547B6DB2-0CC1-4E3F-A59F-14514FC55285}"/>
               </a:ext>
             </a:extLst>
           </p:cNvPr>
@@ -7124,11 +6770,11 @@
           <p:nvPr/>
         </p:nvSpPr>
         <p:spPr>
-          <a:xfrm rot="10800000" flipH="1">
-            <a:off x="2420232" y="2256760"/>
-            <a:ext cx="1523157" cy="317898"/>
-          </a:xfrm>
-          <a:prstGeom prst="rightArrow">
+          <a:xfrm rot="5400000">
+            <a:off x="3279685" y="5262563"/>
+            <a:ext cx="581025" cy="161925"/>
+          </a:xfrm>
+          <a:prstGeom prst="rect">
             <a:avLst/>
           </a:prstGeom>
           <a:solidFill>
@@ -7165,10 +6811,10 @@
       </p:sp>
       <p:sp>
         <p:nvSpPr>
-          <p:cNvPr id="53" name="Pfeil: nach rechts 52">
-            <a:extLst>
-              <a:ext uri="{FF2B5EF4-FFF2-40B4-BE49-F238E27FC236}">
-                <a16:creationId xmlns:a16="http://schemas.microsoft.com/office/drawing/2014/main" id="{6782127F-7395-40D6-BBE4-A9C252840B16}"/>
+          <p:cNvPr id="20" name="Pfeil: nach rechts 19">
+            <a:extLst>
+              <a:ext uri="{FF2B5EF4-FFF2-40B4-BE49-F238E27FC236}">
+                <a16:creationId xmlns:a16="http://schemas.microsoft.com/office/drawing/2014/main" id="{0ABCF2EB-9A46-4668-A3A9-1559701052A2}"/>
               </a:ext>
             </a:extLst>
           </p:cNvPr>
@@ -7176,9 +6822,9 @@
           <p:nvPr/>
         </p:nvSpPr>
         <p:spPr>
-          <a:xfrm rot="10800000">
-            <a:off x="2583262" y="2938205"/>
-            <a:ext cx="1691476" cy="317898"/>
+          <a:xfrm>
+            <a:off x="3355659" y="4351076"/>
+            <a:ext cx="1256860" cy="317898"/>
           </a:xfrm>
           <a:prstGeom prst="rightArrow">
             <a:avLst/>
@@ -7217,10 +6863,10 @@
       </p:sp>
       <p:sp>
         <p:nvSpPr>
-          <p:cNvPr id="52" name="Pfeil: nach rechts 51">
-            <a:extLst>
-              <a:ext uri="{FF2B5EF4-FFF2-40B4-BE49-F238E27FC236}">
-                <a16:creationId xmlns:a16="http://schemas.microsoft.com/office/drawing/2014/main" id="{D596ED4A-B066-47F3-883E-6B929CE5C9D4}"/>
+          <p:cNvPr id="13" name="Pfeil: nach rechts 12">
+            <a:extLst>
+              <a:ext uri="{FF2B5EF4-FFF2-40B4-BE49-F238E27FC236}">
+                <a16:creationId xmlns:a16="http://schemas.microsoft.com/office/drawing/2014/main" id="{450DD977-C9E8-4005-AE12-72EF5716B9CB}"/>
               </a:ext>
             </a:extLst>
           </p:cNvPr>
@@ -7228,113 +6874,9 @@
           <p:nvPr/>
         </p:nvSpPr>
         <p:spPr>
-          <a:xfrm rot="10800000" flipH="1">
-            <a:off x="2420232" y="3192469"/>
-            <a:ext cx="1523157" cy="317898"/>
-          </a:xfrm>
-          <a:prstGeom prst="rightArrow">
-            <a:avLst/>
-          </a:prstGeom>
-          <a:solidFill>
-            <a:srgbClr val="D6DCE5"/>
-          </a:solidFill>
-          <a:ln>
-            <a:noFill/>
-          </a:ln>
-        </p:spPr>
-        <p:style>
-          <a:lnRef idx="2">
-            <a:schemeClr val="accent1">
-              <a:shade val="50000"/>
-            </a:schemeClr>
-          </a:lnRef>
-          <a:fillRef idx="1">
-            <a:schemeClr val="accent1"/>
-          </a:fillRef>
-          <a:effectRef idx="0">
-            <a:schemeClr val="accent1"/>
-          </a:effectRef>
-          <a:fontRef idx="minor">
-            <a:schemeClr val="lt1"/>
-          </a:fontRef>
-        </p:style>
-        <p:txBody>
-          <a:bodyPr rtlCol="0" anchor="ctr"/>
-          <a:lstStyle/>
-          <a:p>
-            <a:pPr algn="ctr"/>
-            <a:endParaRPr lang="de-DE"/>
-          </a:p>
-        </p:txBody>
-      </p:sp>
-      <p:sp>
-        <p:nvSpPr>
-          <p:cNvPr id="47" name="Pfeil: nach rechts 46">
-            <a:extLst>
-              <a:ext uri="{FF2B5EF4-FFF2-40B4-BE49-F238E27FC236}">
-                <a16:creationId xmlns:a16="http://schemas.microsoft.com/office/drawing/2014/main" id="{95CEDEDB-F285-455A-8EB9-7D990A4BA321}"/>
-              </a:ext>
-            </a:extLst>
-          </p:cNvPr>
-          <p:cNvSpPr/>
-          <p:nvPr/>
-        </p:nvSpPr>
-        <p:spPr>
-          <a:xfrm rot="10800000" flipH="1">
-            <a:off x="2420232" y="4404850"/>
-            <a:ext cx="1523157" cy="317898"/>
-          </a:xfrm>
-          <a:prstGeom prst="rightArrow">
-            <a:avLst/>
-          </a:prstGeom>
-          <a:solidFill>
-            <a:srgbClr val="D6DCE5"/>
-          </a:solidFill>
-          <a:ln>
-            <a:noFill/>
-          </a:ln>
-        </p:spPr>
-        <p:style>
-          <a:lnRef idx="2">
-            <a:schemeClr val="accent1">
-              <a:shade val="50000"/>
-            </a:schemeClr>
-          </a:lnRef>
-          <a:fillRef idx="1">
-            <a:schemeClr val="accent1"/>
-          </a:fillRef>
-          <a:effectRef idx="0">
-            <a:schemeClr val="accent1"/>
-          </a:effectRef>
-          <a:fontRef idx="minor">
-            <a:schemeClr val="lt1"/>
-          </a:fontRef>
-        </p:style>
-        <p:txBody>
-          <a:bodyPr rtlCol="0" anchor="ctr"/>
-          <a:lstStyle/>
-          <a:p>
-            <a:pPr algn="ctr"/>
-            <a:endParaRPr lang="de-DE"/>
-          </a:p>
-        </p:txBody>
-      </p:sp>
-      <p:sp>
-        <p:nvSpPr>
-          <p:cNvPr id="45" name="Pfeil: nach rechts 44">
-            <a:extLst>
-              <a:ext uri="{FF2B5EF4-FFF2-40B4-BE49-F238E27FC236}">
-                <a16:creationId xmlns:a16="http://schemas.microsoft.com/office/drawing/2014/main" id="{808225D5-188F-4A8B-B9BC-8EBEB9AFF2DE}"/>
-              </a:ext>
-            </a:extLst>
-          </p:cNvPr>
-          <p:cNvSpPr/>
-          <p:nvPr/>
-        </p:nvSpPr>
-        <p:spPr>
-          <a:xfrm rot="10800000">
-            <a:off x="2586771" y="3752796"/>
-            <a:ext cx="1691476" cy="317898"/>
+          <a:xfrm>
+            <a:off x="3293745" y="3271600"/>
+            <a:ext cx="1318773" cy="317898"/>
           </a:xfrm>
           <a:prstGeom prst="rightArrow">
             <a:avLst/>
@@ -7394,8 +6936,60 @@
           <a:p>
             <a:r>
               <a:rPr lang="de-DE"/>
-              <a:t>coding-service-vera.png</a:t>
-            </a:r>
+              <a:t>coding-service.png</a:t>
+            </a:r>
+          </a:p>
+        </p:txBody>
+      </p:sp>
+      <p:sp>
+        <p:nvSpPr>
+          <p:cNvPr id="4" name="Pfeil: nach rechts 3">
+            <a:extLst>
+              <a:ext uri="{FF2B5EF4-FFF2-40B4-BE49-F238E27FC236}">
+                <a16:creationId xmlns:a16="http://schemas.microsoft.com/office/drawing/2014/main" id="{9F9BAA5E-6368-402F-A075-A399214FBCD8}"/>
+              </a:ext>
+            </a:extLst>
+          </p:cNvPr>
+          <p:cNvSpPr/>
+          <p:nvPr/>
+        </p:nvSpPr>
+        <p:spPr>
+          <a:xfrm rot="5400000">
+            <a:off x="2944315" y="2249102"/>
+            <a:ext cx="754737" cy="317898"/>
+          </a:xfrm>
+          <a:prstGeom prst="rightArrow">
+            <a:avLst/>
+          </a:prstGeom>
+          <a:solidFill>
+            <a:srgbClr val="D6DCE5"/>
+          </a:solidFill>
+          <a:ln>
+            <a:noFill/>
+          </a:ln>
+        </p:spPr>
+        <p:style>
+          <a:lnRef idx="2">
+            <a:schemeClr val="accent1">
+              <a:shade val="50000"/>
+            </a:schemeClr>
+          </a:lnRef>
+          <a:fillRef idx="1">
+            <a:schemeClr val="accent1"/>
+          </a:fillRef>
+          <a:effectRef idx="0">
+            <a:schemeClr val="accent1"/>
+          </a:effectRef>
+          <a:fontRef idx="minor">
+            <a:schemeClr val="lt1"/>
+          </a:fontRef>
+        </p:style>
+        <p:txBody>
+          <a:bodyPr rtlCol="0" anchor="ctr"/>
+          <a:lstStyle/>
+          <a:p>
+            <a:pPr algn="ctr"/>
+            <a:endParaRPr lang="de-DE"/>
           </a:p>
         </p:txBody>
       </p:sp>
@@ -7413,8 +7007,8 @@
         </p:nvSpPr>
         <p:spPr>
           <a:xfrm>
-            <a:off x="2660399" y="2950619"/>
-            <a:ext cx="1272142" cy="312190"/>
+            <a:off x="2865482" y="2138628"/>
+            <a:ext cx="912402" cy="465410"/>
           </a:xfrm>
           <a:prstGeom prst="rect">
             <a:avLst/>
@@ -7451,7 +7045,7 @@
                   <a:srgbClr val="405786"/>
                 </a:solidFill>
               </a:rPr>
-              <a:t>Testhefte, Logins</a:t>
+              <a:t>Antworten (Variablen)</a:t>
             </a:r>
             <a:endParaRPr lang="de-DE" sz="1400">
               <a:solidFill>
@@ -7463,6 +7057,555 @@
       </p:sp>
       <p:sp>
         <p:nvSpPr>
+          <p:cNvPr id="6" name="Pfeil: nach rechts 5">
+            <a:extLst>
+              <a:ext uri="{FF2B5EF4-FFF2-40B4-BE49-F238E27FC236}">
+                <a16:creationId xmlns:a16="http://schemas.microsoft.com/office/drawing/2014/main" id="{E68CA616-A0ED-4681-BB13-5AC00C9707F9}"/>
+              </a:ext>
+            </a:extLst>
+          </p:cNvPr>
+          <p:cNvSpPr/>
+          <p:nvPr/>
+        </p:nvSpPr>
+        <p:spPr>
+          <a:xfrm rot="5400000">
+            <a:off x="2944315" y="3330861"/>
+            <a:ext cx="754737" cy="317898"/>
+          </a:xfrm>
+          <a:prstGeom prst="rightArrow">
+            <a:avLst/>
+          </a:prstGeom>
+          <a:solidFill>
+            <a:srgbClr val="D6DCE5"/>
+          </a:solidFill>
+          <a:ln>
+            <a:noFill/>
+          </a:ln>
+        </p:spPr>
+        <p:style>
+          <a:lnRef idx="2">
+            <a:schemeClr val="accent1">
+              <a:shade val="50000"/>
+            </a:schemeClr>
+          </a:lnRef>
+          <a:fillRef idx="1">
+            <a:schemeClr val="accent1"/>
+          </a:fillRef>
+          <a:effectRef idx="0">
+            <a:schemeClr val="accent1"/>
+          </a:effectRef>
+          <a:fontRef idx="minor">
+            <a:schemeClr val="lt1"/>
+          </a:fontRef>
+        </p:style>
+        <p:txBody>
+          <a:bodyPr rtlCol="0" anchor="ctr"/>
+          <a:lstStyle/>
+          <a:p>
+            <a:pPr algn="ctr"/>
+            <a:endParaRPr lang="de-DE"/>
+          </a:p>
+        </p:txBody>
+      </p:sp>
+      <p:sp>
+        <p:nvSpPr>
+          <p:cNvPr id="7" name="Rechteck 6">
+            <a:extLst>
+              <a:ext uri="{FF2B5EF4-FFF2-40B4-BE49-F238E27FC236}">
+                <a16:creationId xmlns:a16="http://schemas.microsoft.com/office/drawing/2014/main" id="{9CEA54E5-572E-4CCE-A5EF-D17BB6BA5FFC}"/>
+              </a:ext>
+            </a:extLst>
+          </p:cNvPr>
+          <p:cNvSpPr/>
+          <p:nvPr/>
+        </p:nvSpPr>
+        <p:spPr>
+          <a:xfrm>
+            <a:off x="2865482" y="3208925"/>
+            <a:ext cx="912402" cy="443249"/>
+          </a:xfrm>
+          <a:prstGeom prst="rect">
+            <a:avLst/>
+          </a:prstGeom>
+          <a:noFill/>
+          <a:ln>
+            <a:noFill/>
+          </a:ln>
+        </p:spPr>
+        <p:style>
+          <a:lnRef idx="2">
+            <a:schemeClr val="accent1">
+              <a:shade val="50000"/>
+            </a:schemeClr>
+          </a:lnRef>
+          <a:fillRef idx="1">
+            <a:schemeClr val="accent1"/>
+          </a:fillRef>
+          <a:effectRef idx="0">
+            <a:schemeClr val="accent1"/>
+          </a:effectRef>
+          <a:fontRef idx="minor">
+            <a:schemeClr val="lt1"/>
+          </a:fontRef>
+        </p:style>
+        <p:txBody>
+          <a:bodyPr rtlCol="0" anchor="t"/>
+          <a:lstStyle/>
+          <a:p>
+            <a:pPr algn="ctr"/>
+            <a:r>
+              <a:rPr lang="de-DE" sz="1200">
+                <a:solidFill>
+                  <a:srgbClr val="405786"/>
+                </a:solidFill>
+              </a:rPr>
+              <a:t>kodierte Antworten</a:t>
+            </a:r>
+            <a:endParaRPr lang="de-DE" sz="1400">
+              <a:solidFill>
+                <a:srgbClr val="405786"/>
+              </a:solidFill>
+            </a:endParaRPr>
+          </a:p>
+        </p:txBody>
+      </p:sp>
+      <p:sp>
+        <p:nvSpPr>
+          <p:cNvPr id="3" name="Rechteck: abgerundete Ecken 2">
+            <a:extLst>
+              <a:ext uri="{FF2B5EF4-FFF2-40B4-BE49-F238E27FC236}">
+                <a16:creationId xmlns:a16="http://schemas.microsoft.com/office/drawing/2014/main" id="{6B49916C-9FB5-4D32-B4BD-F9242855DD09}"/>
+              </a:ext>
+            </a:extLst>
+          </p:cNvPr>
+          <p:cNvSpPr/>
+          <p:nvPr/>
+        </p:nvSpPr>
+        <p:spPr>
+          <a:xfrm>
+            <a:off x="2483556" y="2807582"/>
+            <a:ext cx="1676257" cy="318109"/>
+          </a:xfrm>
+          <a:prstGeom prst="roundRect">
+            <a:avLst/>
+          </a:prstGeom>
+          <a:solidFill>
+            <a:srgbClr val="405786"/>
+          </a:solidFill>
+          <a:ln>
+            <a:noFill/>
+          </a:ln>
+        </p:spPr>
+        <p:style>
+          <a:lnRef idx="2">
+            <a:schemeClr val="accent1">
+              <a:shade val="50000"/>
+            </a:schemeClr>
+          </a:lnRef>
+          <a:fillRef idx="1">
+            <a:schemeClr val="accent1"/>
+          </a:fillRef>
+          <a:effectRef idx="0">
+            <a:schemeClr val="accent1"/>
+          </a:effectRef>
+          <a:fontRef idx="minor">
+            <a:schemeClr val="lt1"/>
+          </a:fontRef>
+        </p:style>
+        <p:txBody>
+          <a:bodyPr rtlCol="0" anchor="ctr"/>
+          <a:lstStyle/>
+          <a:p>
+            <a:pPr algn="ctr"/>
+            <a:r>
+              <a:rPr lang="de-DE" sz="1200"/>
+              <a:t>Autocoder</a:t>
+            </a:r>
+          </a:p>
+        </p:txBody>
+      </p:sp>
+      <p:sp>
+        <p:nvSpPr>
+          <p:cNvPr id="9" name="Pfeil: nach rechts 8">
+            <a:extLst>
+              <a:ext uri="{FF2B5EF4-FFF2-40B4-BE49-F238E27FC236}">
+                <a16:creationId xmlns:a16="http://schemas.microsoft.com/office/drawing/2014/main" id="{F5B0DB56-B8B8-4F09-B779-DBDCC2B8FBB8}"/>
+              </a:ext>
+            </a:extLst>
+          </p:cNvPr>
+          <p:cNvSpPr/>
+          <p:nvPr/>
+        </p:nvSpPr>
+        <p:spPr>
+          <a:xfrm>
+            <a:off x="1558749" y="3881358"/>
+            <a:ext cx="912402" cy="317898"/>
+          </a:xfrm>
+          <a:prstGeom prst="rightArrow">
+            <a:avLst/>
+          </a:prstGeom>
+          <a:solidFill>
+            <a:srgbClr val="D6DCE5"/>
+          </a:solidFill>
+          <a:ln>
+            <a:noFill/>
+          </a:ln>
+        </p:spPr>
+        <p:style>
+          <a:lnRef idx="2">
+            <a:schemeClr val="accent1">
+              <a:shade val="50000"/>
+            </a:schemeClr>
+          </a:lnRef>
+          <a:fillRef idx="1">
+            <a:schemeClr val="accent1"/>
+          </a:fillRef>
+          <a:effectRef idx="0">
+            <a:schemeClr val="accent1"/>
+          </a:effectRef>
+          <a:fontRef idx="minor">
+            <a:schemeClr val="lt1"/>
+          </a:fontRef>
+        </p:style>
+        <p:txBody>
+          <a:bodyPr rtlCol="0" anchor="ctr"/>
+          <a:lstStyle/>
+          <a:p>
+            <a:pPr algn="ctr"/>
+            <a:endParaRPr lang="de-DE"/>
+          </a:p>
+        </p:txBody>
+      </p:sp>
+      <p:sp>
+        <p:nvSpPr>
+          <p:cNvPr id="11" name="Pfeil: nach rechts 10">
+            <a:extLst>
+              <a:ext uri="{FF2B5EF4-FFF2-40B4-BE49-F238E27FC236}">
+                <a16:creationId xmlns:a16="http://schemas.microsoft.com/office/drawing/2014/main" id="{952B01B7-7CA7-4859-911C-8ED90D36D649}"/>
+              </a:ext>
+            </a:extLst>
+          </p:cNvPr>
+          <p:cNvSpPr/>
+          <p:nvPr/>
+        </p:nvSpPr>
+        <p:spPr>
+          <a:xfrm rot="5400000">
+            <a:off x="2944314" y="4390458"/>
+            <a:ext cx="754737" cy="317898"/>
+          </a:xfrm>
+          <a:prstGeom prst="rightArrow">
+            <a:avLst/>
+          </a:prstGeom>
+          <a:solidFill>
+            <a:srgbClr val="D6DCE5"/>
+          </a:solidFill>
+          <a:ln>
+            <a:noFill/>
+          </a:ln>
+        </p:spPr>
+        <p:style>
+          <a:lnRef idx="2">
+            <a:schemeClr val="accent1">
+              <a:shade val="50000"/>
+            </a:schemeClr>
+          </a:lnRef>
+          <a:fillRef idx="1">
+            <a:schemeClr val="accent1"/>
+          </a:fillRef>
+          <a:effectRef idx="0">
+            <a:schemeClr val="accent1"/>
+          </a:effectRef>
+          <a:fontRef idx="minor">
+            <a:schemeClr val="lt1"/>
+          </a:fontRef>
+        </p:style>
+        <p:txBody>
+          <a:bodyPr rtlCol="0" anchor="ctr"/>
+          <a:lstStyle/>
+          <a:p>
+            <a:pPr algn="ctr"/>
+            <a:endParaRPr lang="de-DE"/>
+          </a:p>
+        </p:txBody>
+      </p:sp>
+      <p:sp>
+        <p:nvSpPr>
+          <p:cNvPr id="12" name="Rechteck 11">
+            <a:extLst>
+              <a:ext uri="{FF2B5EF4-FFF2-40B4-BE49-F238E27FC236}">
+                <a16:creationId xmlns:a16="http://schemas.microsoft.com/office/drawing/2014/main" id="{5BF43FF3-FD4D-4671-BBE2-2F5FFF6683B1}"/>
+              </a:ext>
+            </a:extLst>
+          </p:cNvPr>
+          <p:cNvSpPr/>
+          <p:nvPr/>
+        </p:nvSpPr>
+        <p:spPr>
+          <a:xfrm>
+            <a:off x="2865481" y="4268522"/>
+            <a:ext cx="912402" cy="443249"/>
+          </a:xfrm>
+          <a:prstGeom prst="rect">
+            <a:avLst/>
+          </a:prstGeom>
+          <a:noFill/>
+          <a:ln>
+            <a:noFill/>
+          </a:ln>
+        </p:spPr>
+        <p:style>
+          <a:lnRef idx="2">
+            <a:schemeClr val="accent1">
+              <a:shade val="50000"/>
+            </a:schemeClr>
+          </a:lnRef>
+          <a:fillRef idx="1">
+            <a:schemeClr val="accent1"/>
+          </a:fillRef>
+          <a:effectRef idx="0">
+            <a:schemeClr val="accent1"/>
+          </a:effectRef>
+          <a:fontRef idx="minor">
+            <a:schemeClr val="lt1"/>
+          </a:fontRef>
+        </p:style>
+        <p:txBody>
+          <a:bodyPr rtlCol="0" anchor="t"/>
+          <a:lstStyle/>
+          <a:p>
+            <a:pPr algn="ctr"/>
+            <a:r>
+              <a:rPr lang="de-DE" sz="1200">
+                <a:solidFill>
+                  <a:srgbClr val="405786"/>
+                </a:solidFill>
+              </a:rPr>
+              <a:t>Item-Matrix</a:t>
+            </a:r>
+            <a:endParaRPr lang="de-DE" sz="1400">
+              <a:solidFill>
+                <a:srgbClr val="405786"/>
+              </a:solidFill>
+            </a:endParaRPr>
+          </a:p>
+        </p:txBody>
+      </p:sp>
+      <p:sp>
+        <p:nvSpPr>
+          <p:cNvPr id="8" name="Rechteck: abgerundete Ecken 7">
+            <a:extLst>
+              <a:ext uri="{FF2B5EF4-FFF2-40B4-BE49-F238E27FC236}">
+                <a16:creationId xmlns:a16="http://schemas.microsoft.com/office/drawing/2014/main" id="{FC665028-AAC4-4D57-AEAD-4DB95B7E292B}"/>
+              </a:ext>
+            </a:extLst>
+          </p:cNvPr>
+          <p:cNvSpPr/>
+          <p:nvPr/>
+        </p:nvSpPr>
+        <p:spPr>
+          <a:xfrm>
+            <a:off x="2483556" y="3881358"/>
+            <a:ext cx="1676257" cy="318109"/>
+          </a:xfrm>
+          <a:prstGeom prst="roundRect">
+            <a:avLst/>
+          </a:prstGeom>
+          <a:solidFill>
+            <a:srgbClr val="405786"/>
+          </a:solidFill>
+          <a:ln>
+            <a:noFill/>
+          </a:ln>
+        </p:spPr>
+        <p:style>
+          <a:lnRef idx="2">
+            <a:schemeClr val="accent1">
+              <a:shade val="50000"/>
+            </a:schemeClr>
+          </a:lnRef>
+          <a:fillRef idx="1">
+            <a:schemeClr val="accent1"/>
+          </a:fillRef>
+          <a:effectRef idx="0">
+            <a:schemeClr val="accent1"/>
+          </a:effectRef>
+          <a:fontRef idx="minor">
+            <a:schemeClr val="lt1"/>
+          </a:fontRef>
+        </p:style>
+        <p:txBody>
+          <a:bodyPr rtlCol="0" anchor="ctr"/>
+          <a:lstStyle/>
+          <a:p>
+            <a:pPr algn="ctr"/>
+            <a:r>
+              <a:rPr lang="de-DE" sz="1200"/>
+              <a:t>Itemwerte ableiten</a:t>
+            </a:r>
+          </a:p>
+        </p:txBody>
+      </p:sp>
+      <p:sp>
+        <p:nvSpPr>
+          <p:cNvPr id="15" name="Pfeil: nach rechts 14">
+            <a:extLst>
+              <a:ext uri="{FF2B5EF4-FFF2-40B4-BE49-F238E27FC236}">
+                <a16:creationId xmlns:a16="http://schemas.microsoft.com/office/drawing/2014/main" id="{863A3B5F-DF6D-42E3-B140-36287F671703}"/>
+              </a:ext>
+            </a:extLst>
+          </p:cNvPr>
+          <p:cNvSpPr/>
+          <p:nvPr/>
+        </p:nvSpPr>
+        <p:spPr>
+          <a:xfrm>
+            <a:off x="1558749" y="4926776"/>
+            <a:ext cx="912402" cy="317898"/>
+          </a:xfrm>
+          <a:prstGeom prst="rightArrow">
+            <a:avLst/>
+          </a:prstGeom>
+          <a:solidFill>
+            <a:srgbClr val="D6DCE5"/>
+          </a:solidFill>
+          <a:ln>
+            <a:noFill/>
+          </a:ln>
+        </p:spPr>
+        <p:style>
+          <a:lnRef idx="2">
+            <a:schemeClr val="accent1">
+              <a:shade val="50000"/>
+            </a:schemeClr>
+          </a:lnRef>
+          <a:fillRef idx="1">
+            <a:schemeClr val="accent1"/>
+          </a:fillRef>
+          <a:effectRef idx="0">
+            <a:schemeClr val="accent1"/>
+          </a:effectRef>
+          <a:fontRef idx="minor">
+            <a:schemeClr val="lt1"/>
+          </a:fontRef>
+        </p:style>
+        <p:txBody>
+          <a:bodyPr rtlCol="0" anchor="ctr"/>
+          <a:lstStyle/>
+          <a:p>
+            <a:pPr algn="ctr"/>
+            <a:endParaRPr lang="de-DE"/>
+          </a:p>
+        </p:txBody>
+      </p:sp>
+      <p:sp>
+        <p:nvSpPr>
+          <p:cNvPr id="19" name="Rechteck: abgerundete Ecken 18">
+            <a:extLst>
+              <a:ext uri="{FF2B5EF4-FFF2-40B4-BE49-F238E27FC236}">
+                <a16:creationId xmlns:a16="http://schemas.microsoft.com/office/drawing/2014/main" id="{BE4BD864-25C8-4FB2-8119-D940D979F705}"/>
+              </a:ext>
+            </a:extLst>
+          </p:cNvPr>
+          <p:cNvSpPr/>
+          <p:nvPr/>
+        </p:nvSpPr>
+        <p:spPr>
+          <a:xfrm>
+            <a:off x="2483556" y="4926776"/>
+            <a:ext cx="1676257" cy="318109"/>
+          </a:xfrm>
+          <a:prstGeom prst="roundRect">
+            <a:avLst/>
+          </a:prstGeom>
+          <a:solidFill>
+            <a:srgbClr val="405786"/>
+          </a:solidFill>
+          <a:ln>
+            <a:noFill/>
+          </a:ln>
+        </p:spPr>
+        <p:style>
+          <a:lnRef idx="2">
+            <a:schemeClr val="accent1">
+              <a:shade val="50000"/>
+            </a:schemeClr>
+          </a:lnRef>
+          <a:fillRef idx="1">
+            <a:schemeClr val="accent1"/>
+          </a:fillRef>
+          <a:effectRef idx="0">
+            <a:schemeClr val="accent1"/>
+          </a:effectRef>
+          <a:fontRef idx="minor">
+            <a:schemeClr val="lt1"/>
+          </a:fontRef>
+        </p:style>
+        <p:txBody>
+          <a:bodyPr rtlCol="0" anchor="ctr"/>
+          <a:lstStyle/>
+          <a:p>
+            <a:pPr algn="ctr"/>
+            <a:r>
+              <a:rPr lang="de-DE" sz="1200"/>
+              <a:t>Skalenwerte ableiten</a:t>
+            </a:r>
+          </a:p>
+        </p:txBody>
+      </p:sp>
+      <p:sp>
+        <p:nvSpPr>
+          <p:cNvPr id="22" name="Pfeil: nach rechts 21">
+            <a:extLst>
+              <a:ext uri="{FF2B5EF4-FFF2-40B4-BE49-F238E27FC236}">
+                <a16:creationId xmlns:a16="http://schemas.microsoft.com/office/drawing/2014/main" id="{B7BEFAAF-3039-4C25-8A91-9764F8C2F4EC}"/>
+              </a:ext>
+            </a:extLst>
+          </p:cNvPr>
+          <p:cNvSpPr/>
+          <p:nvPr/>
+        </p:nvSpPr>
+        <p:spPr>
+          <a:xfrm>
+            <a:off x="1558749" y="2815339"/>
+            <a:ext cx="912402" cy="317898"/>
+          </a:xfrm>
+          <a:prstGeom prst="rightArrow">
+            <a:avLst/>
+          </a:prstGeom>
+          <a:solidFill>
+            <a:srgbClr val="D6DCE5"/>
+          </a:solidFill>
+          <a:ln>
+            <a:noFill/>
+          </a:ln>
+        </p:spPr>
+        <p:style>
+          <a:lnRef idx="2">
+            <a:schemeClr val="accent1">
+              <a:shade val="50000"/>
+            </a:schemeClr>
+          </a:lnRef>
+          <a:fillRef idx="1">
+            <a:schemeClr val="accent1"/>
+          </a:fillRef>
+          <a:effectRef idx="0">
+            <a:schemeClr val="accent1"/>
+          </a:effectRef>
+          <a:fontRef idx="minor">
+            <a:schemeClr val="lt1"/>
+          </a:fontRef>
+        </p:style>
+        <p:txBody>
+          <a:bodyPr rtlCol="0" anchor="ctr"/>
+          <a:lstStyle/>
+          <a:p>
+            <a:pPr algn="ctr"/>
+            <a:endParaRPr lang="de-DE"/>
+          </a:p>
+        </p:txBody>
+      </p:sp>
+      <p:sp>
+        <p:nvSpPr>
           <p:cNvPr id="24" name="Rechteck: abgerundete Ecken 23">
             <a:extLst>
               <a:ext uri="{FF2B5EF4-FFF2-40B4-BE49-F238E27FC236}">
@@ -7475,8 +7618,8 @@
         </p:nvSpPr>
         <p:spPr>
           <a:xfrm>
-            <a:off x="842318" y="2938048"/>
-            <a:ext cx="1676257" cy="566909"/>
+            <a:off x="2471151" y="1785355"/>
+            <a:ext cx="1676257" cy="318109"/>
           </a:xfrm>
           <a:prstGeom prst="roundRect">
             <a:avLst/>
@@ -7519,10 +7662,10 @@
       </p:sp>
       <p:sp>
         <p:nvSpPr>
-          <p:cNvPr id="28" name="Rechteck: abgerundete Ecken 27">
-            <a:extLst>
-              <a:ext uri="{FF2B5EF4-FFF2-40B4-BE49-F238E27FC236}">
-                <a16:creationId xmlns:a16="http://schemas.microsoft.com/office/drawing/2014/main" id="{18CDCB2C-10D5-4159-8DD6-1628F42C8F1C}"/>
+          <p:cNvPr id="26" name="Rechteck 25">
+            <a:extLst>
+              <a:ext uri="{FF2B5EF4-FFF2-40B4-BE49-F238E27FC236}">
+                <a16:creationId xmlns:a16="http://schemas.microsoft.com/office/drawing/2014/main" id="{7C023EEC-9FC4-4437-8575-93036B4F18E1}"/>
               </a:ext>
             </a:extLst>
           </p:cNvPr>
@@ -7531,64 +7674,8 @@
         </p:nvSpPr>
         <p:spPr>
           <a:xfrm>
-            <a:off x="842318" y="3776488"/>
-            <a:ext cx="1676257" cy="961458"/>
-          </a:xfrm>
-          <a:prstGeom prst="roundRect">
-            <a:avLst/>
-          </a:prstGeom>
-          <a:solidFill>
-            <a:srgbClr val="008CBA"/>
-          </a:solidFill>
-          <a:ln>
-            <a:noFill/>
-          </a:ln>
-        </p:spPr>
-        <p:style>
-          <a:lnRef idx="2">
-            <a:schemeClr val="accent1">
-              <a:shade val="50000"/>
-            </a:schemeClr>
-          </a:lnRef>
-          <a:fillRef idx="1">
-            <a:schemeClr val="accent1"/>
-          </a:fillRef>
-          <a:effectRef idx="0">
-            <a:schemeClr val="accent1"/>
-          </a:effectRef>
-          <a:fontRef idx="minor">
-            <a:schemeClr val="lt1"/>
-          </a:fontRef>
-        </p:style>
-        <p:txBody>
-          <a:bodyPr rtlCol="0" anchor="ctr"/>
-          <a:lstStyle/>
-          <a:p>
-            <a:pPr algn="ctr"/>
-            <a:r>
-              <a:rPr lang="de-DE" sz="1400"/>
-              <a:t>IQB-CodingService</a:t>
-            </a:r>
-            <a:endParaRPr lang="de-DE"/>
-          </a:p>
-        </p:txBody>
-      </p:sp>
-      <p:sp>
-        <p:nvSpPr>
-          <p:cNvPr id="33" name="Rechteck 32">
-            <a:extLst>
-              <a:ext uri="{FF2B5EF4-FFF2-40B4-BE49-F238E27FC236}">
-                <a16:creationId xmlns:a16="http://schemas.microsoft.com/office/drawing/2014/main" id="{E60FA52C-E5FD-4D73-BD0B-066F95104E73}"/>
-              </a:ext>
-            </a:extLst>
-          </p:cNvPr>
-          <p:cNvSpPr/>
-          <p:nvPr/>
-        </p:nvSpPr>
-        <p:spPr>
-          <a:xfrm>
-            <a:off x="3976878" y="2080260"/>
-            <a:ext cx="2230163" cy="3558540"/>
+            <a:off x="650959" y="2604038"/>
+            <a:ext cx="1391955" cy="3155038"/>
           </a:xfrm>
           <a:prstGeom prst="rect">
             <a:avLst/>
@@ -7619,6 +7706,261 @@
         <p:txBody>
           <a:bodyPr rtlCol="0" anchor="ctr"/>
           <a:lstStyle/>
+          <a:p>
+            <a:r>
+              <a:rPr lang="de-DE" sz="1600">
+                <a:solidFill>
+                  <a:srgbClr val="405786"/>
+                </a:solidFill>
+              </a:rPr>
+              <a:t>Survey Content Package</a:t>
+            </a:r>
+          </a:p>
+        </p:txBody>
+      </p:sp>
+      <p:sp>
+        <p:nvSpPr>
+          <p:cNvPr id="10" name="Rechteck 9">
+            <a:extLst>
+              <a:ext uri="{FF2B5EF4-FFF2-40B4-BE49-F238E27FC236}">
+                <a16:creationId xmlns:a16="http://schemas.microsoft.com/office/drawing/2014/main" id="{99160057-E182-4527-98B7-B0410D6C4443}"/>
+              </a:ext>
+            </a:extLst>
+          </p:cNvPr>
+          <p:cNvSpPr/>
+          <p:nvPr/>
+        </p:nvSpPr>
+        <p:spPr>
+          <a:xfrm>
+            <a:off x="1376220" y="3819417"/>
+            <a:ext cx="749160" cy="399738"/>
+          </a:xfrm>
+          <a:prstGeom prst="rect">
+            <a:avLst/>
+          </a:prstGeom>
+          <a:noFill/>
+          <a:ln>
+            <a:noFill/>
+          </a:ln>
+        </p:spPr>
+        <p:style>
+          <a:lnRef idx="2">
+            <a:schemeClr val="accent1">
+              <a:shade val="50000"/>
+            </a:schemeClr>
+          </a:lnRef>
+          <a:fillRef idx="1">
+            <a:schemeClr val="accent1"/>
+          </a:fillRef>
+          <a:effectRef idx="0">
+            <a:schemeClr val="accent1"/>
+          </a:effectRef>
+          <a:fontRef idx="minor">
+            <a:schemeClr val="lt1"/>
+          </a:fontRef>
+        </p:style>
+        <p:txBody>
+          <a:bodyPr rtlCol="0" anchor="t"/>
+          <a:lstStyle/>
+          <a:p>
+            <a:pPr algn="ctr"/>
+            <a:r>
+              <a:rPr lang="de-DE" sz="1200">
+                <a:solidFill>
+                  <a:srgbClr val="405786"/>
+                </a:solidFill>
+              </a:rPr>
+              <a:t>Item-Liste</a:t>
+            </a:r>
+            <a:endParaRPr lang="de-DE" sz="1400">
+              <a:solidFill>
+                <a:srgbClr val="405786"/>
+              </a:solidFill>
+            </a:endParaRPr>
+          </a:p>
+        </p:txBody>
+      </p:sp>
+      <p:sp>
+        <p:nvSpPr>
+          <p:cNvPr id="16" name="Rechteck 15">
+            <a:extLst>
+              <a:ext uri="{FF2B5EF4-FFF2-40B4-BE49-F238E27FC236}">
+                <a16:creationId xmlns:a16="http://schemas.microsoft.com/office/drawing/2014/main" id="{BD5D6F1E-C581-4B54-9809-284B7E13817C}"/>
+              </a:ext>
+            </a:extLst>
+          </p:cNvPr>
+          <p:cNvSpPr/>
+          <p:nvPr/>
+        </p:nvSpPr>
+        <p:spPr>
+          <a:xfrm>
+            <a:off x="1349198" y="4941205"/>
+            <a:ext cx="808852" cy="282673"/>
+          </a:xfrm>
+          <a:prstGeom prst="rect">
+            <a:avLst/>
+          </a:prstGeom>
+          <a:noFill/>
+          <a:ln>
+            <a:noFill/>
+          </a:ln>
+        </p:spPr>
+        <p:style>
+          <a:lnRef idx="2">
+            <a:schemeClr val="accent1">
+              <a:shade val="50000"/>
+            </a:schemeClr>
+          </a:lnRef>
+          <a:fillRef idx="1">
+            <a:schemeClr val="accent1"/>
+          </a:fillRef>
+          <a:effectRef idx="0">
+            <a:schemeClr val="accent1"/>
+          </a:effectRef>
+          <a:fontRef idx="minor">
+            <a:schemeClr val="lt1"/>
+          </a:fontRef>
+        </p:style>
+        <p:txBody>
+          <a:bodyPr rtlCol="0" anchor="t"/>
+          <a:lstStyle/>
+          <a:p>
+            <a:pPr algn="ctr"/>
+            <a:r>
+              <a:rPr lang="de-DE" sz="1200">
+                <a:solidFill>
+                  <a:srgbClr val="405786"/>
+                </a:solidFill>
+              </a:rPr>
+              <a:t>Skalen</a:t>
+            </a:r>
+            <a:endParaRPr lang="de-DE" sz="1400">
+              <a:solidFill>
+                <a:srgbClr val="405786"/>
+              </a:solidFill>
+            </a:endParaRPr>
+          </a:p>
+        </p:txBody>
+      </p:sp>
+      <p:sp>
+        <p:nvSpPr>
+          <p:cNvPr id="23" name="Rechteck 22">
+            <a:extLst>
+              <a:ext uri="{FF2B5EF4-FFF2-40B4-BE49-F238E27FC236}">
+                <a16:creationId xmlns:a16="http://schemas.microsoft.com/office/drawing/2014/main" id="{A0B08DA1-F980-4E18-B4CC-577C8A1BE929}"/>
+              </a:ext>
+            </a:extLst>
+          </p:cNvPr>
+          <p:cNvSpPr/>
+          <p:nvPr/>
+        </p:nvSpPr>
+        <p:spPr>
+          <a:xfrm>
+            <a:off x="1349198" y="2745011"/>
+            <a:ext cx="808852" cy="443249"/>
+          </a:xfrm>
+          <a:prstGeom prst="rect">
+            <a:avLst/>
+          </a:prstGeom>
+          <a:noFill/>
+          <a:ln>
+            <a:noFill/>
+          </a:ln>
+        </p:spPr>
+        <p:style>
+          <a:lnRef idx="2">
+            <a:schemeClr val="accent1">
+              <a:shade val="50000"/>
+            </a:schemeClr>
+          </a:lnRef>
+          <a:fillRef idx="1">
+            <a:schemeClr val="accent1"/>
+          </a:fillRef>
+          <a:effectRef idx="0">
+            <a:schemeClr val="accent1"/>
+          </a:effectRef>
+          <a:fontRef idx="minor">
+            <a:schemeClr val="lt1"/>
+          </a:fontRef>
+        </p:style>
+        <p:txBody>
+          <a:bodyPr rtlCol="0" anchor="t"/>
+          <a:lstStyle/>
+          <a:p>
+            <a:pPr algn="ctr"/>
+            <a:r>
+              <a:rPr lang="de-DE" sz="1200">
+                <a:solidFill>
+                  <a:srgbClr val="405786"/>
+                </a:solidFill>
+              </a:rPr>
+              <a:t>Kodier-Schema</a:t>
+            </a:r>
+            <a:endParaRPr lang="de-DE" sz="1400">
+              <a:solidFill>
+                <a:srgbClr val="405786"/>
+              </a:solidFill>
+            </a:endParaRPr>
+          </a:p>
+        </p:txBody>
+      </p:sp>
+      <p:sp>
+        <p:nvSpPr>
+          <p:cNvPr id="34" name="Rechteck 33">
+            <a:extLst>
+              <a:ext uri="{FF2B5EF4-FFF2-40B4-BE49-F238E27FC236}">
+                <a16:creationId xmlns:a16="http://schemas.microsoft.com/office/drawing/2014/main" id="{05CD6CED-F4A9-4957-9DE7-BC2BF51D10A3}"/>
+              </a:ext>
+            </a:extLst>
+          </p:cNvPr>
+          <p:cNvSpPr/>
+          <p:nvPr/>
+        </p:nvSpPr>
+        <p:spPr>
+          <a:xfrm>
+            <a:off x="4630015" y="2604038"/>
+            <a:ext cx="1391955" cy="3155038"/>
+          </a:xfrm>
+          <a:prstGeom prst="rect">
+            <a:avLst/>
+          </a:prstGeom>
+          <a:solidFill>
+            <a:srgbClr val="D6DCE5"/>
+          </a:solidFill>
+          <a:ln>
+            <a:noFill/>
+          </a:ln>
+        </p:spPr>
+        <p:style>
+          <a:lnRef idx="2">
+            <a:schemeClr val="accent1">
+              <a:shade val="50000"/>
+            </a:schemeClr>
+          </a:lnRef>
+          <a:fillRef idx="1">
+            <a:schemeClr val="accent1"/>
+          </a:fillRef>
+          <a:effectRef idx="0">
+            <a:schemeClr val="accent1"/>
+          </a:effectRef>
+          <a:fontRef idx="minor">
+            <a:schemeClr val="lt1"/>
+          </a:fontRef>
+        </p:style>
+        <p:txBody>
+          <a:bodyPr rtlCol="0" anchor="ctr"/>
+          <a:lstStyle/>
+          <a:p>
+            <a:pPr algn="r"/>
+            <a:r>
+              <a:rPr lang="de-DE" sz="1600">
+                <a:solidFill>
+                  <a:srgbClr val="405786"/>
+                </a:solidFill>
+              </a:rPr>
+              <a:t>Speichern</a:t>
+            </a:r>
+          </a:p>
           <a:p>
             <a:pPr algn="r"/>
             <a:endParaRPr lang="de-DE" sz="1600">
@@ -7627,14 +7969,44 @@
               </a:solidFill>
             </a:endParaRPr>
           </a:p>
-        </p:txBody>
-      </p:sp>
-      <p:sp>
-        <p:nvSpPr>
-          <p:cNvPr id="37" name="Rechteck 36">
-            <a:extLst>
-              <a:ext uri="{FF2B5EF4-FFF2-40B4-BE49-F238E27FC236}">
-                <a16:creationId xmlns:a16="http://schemas.microsoft.com/office/drawing/2014/main" id="{A169B987-A534-4CB7-A1B9-63A9F65E37E4}"/>
+          <a:p>
+            <a:pPr algn="r"/>
+            <a:r>
+              <a:rPr lang="de-DE" sz="1600">
+                <a:solidFill>
+                  <a:srgbClr val="405786"/>
+                </a:solidFill>
+              </a:rPr>
+              <a:t>Rückmeldung</a:t>
+            </a:r>
+          </a:p>
+          <a:p>
+            <a:pPr algn="r"/>
+            <a:endParaRPr lang="de-DE" sz="1600">
+              <a:solidFill>
+                <a:srgbClr val="405786"/>
+              </a:solidFill>
+            </a:endParaRPr>
+          </a:p>
+          <a:p>
+            <a:pPr algn="r"/>
+            <a:r>
+              <a:rPr lang="de-DE" sz="1600">
+                <a:solidFill>
+                  <a:srgbClr val="405786"/>
+                </a:solidFill>
+              </a:rPr>
+              <a:t>Dashboard</a:t>
+            </a:r>
+          </a:p>
+        </p:txBody>
+      </p:sp>
+      <p:sp>
+        <p:nvSpPr>
+          <p:cNvPr id="30" name="Pfeil: nach rechts 29">
+            <a:extLst>
+              <a:ext uri="{FF2B5EF4-FFF2-40B4-BE49-F238E27FC236}">
+                <a16:creationId xmlns:a16="http://schemas.microsoft.com/office/drawing/2014/main" id="{730BF83F-2D33-486E-AFF3-E44D1A0F53B8}"/>
               </a:ext>
             </a:extLst>
           </p:cNvPr>
@@ -7643,13 +8015,15 @@
         </p:nvSpPr>
         <p:spPr>
           <a:xfrm>
-            <a:off x="4124904" y="3182935"/>
-            <a:ext cx="1878368" cy="404398"/>
-          </a:xfrm>
-          <a:prstGeom prst="rect">
-            <a:avLst/>
-          </a:prstGeom>
-          <a:noFill/>
+            <a:off x="3480631" y="5398381"/>
+            <a:ext cx="1131887" cy="317898"/>
+          </a:xfrm>
+          <a:prstGeom prst="rightArrow">
+            <a:avLst/>
+          </a:prstGeom>
+          <a:solidFill>
+            <a:srgbClr val="D6DCE5"/>
+          </a:solidFill>
           <a:ln>
             <a:noFill/>
           </a:ln>
@@ -7671,26 +8045,82 @@
           </a:fontRef>
         </p:style>
         <p:txBody>
+          <a:bodyPr rtlCol="0" anchor="ctr"/>
+          <a:lstStyle/>
+          <a:p>
+            <a:pPr algn="ctr"/>
+            <a:endParaRPr lang="de-DE"/>
+          </a:p>
+        </p:txBody>
+      </p:sp>
+      <p:sp>
+        <p:nvSpPr>
+          <p:cNvPr id="35" name="Rechteck 34">
+            <a:extLst>
+              <a:ext uri="{FF2B5EF4-FFF2-40B4-BE49-F238E27FC236}">
+                <a16:creationId xmlns:a16="http://schemas.microsoft.com/office/drawing/2014/main" id="{AC898965-3275-4C70-80C3-A487C8B568E7}"/>
+              </a:ext>
+            </a:extLst>
+          </p:cNvPr>
+          <p:cNvSpPr/>
+          <p:nvPr/>
+        </p:nvSpPr>
+        <p:spPr>
+          <a:xfrm>
+            <a:off x="3091261" y="5315827"/>
+            <a:ext cx="1294332" cy="443249"/>
+          </a:xfrm>
+          <a:prstGeom prst="rect">
+            <a:avLst/>
+          </a:prstGeom>
+          <a:noFill/>
+          <a:ln>
+            <a:noFill/>
+          </a:ln>
+        </p:spPr>
+        <p:style>
+          <a:lnRef idx="2">
+            <a:schemeClr val="accent1">
+              <a:shade val="50000"/>
+            </a:schemeClr>
+          </a:lnRef>
+          <a:fillRef idx="1">
+            <a:schemeClr val="accent1"/>
+          </a:fillRef>
+          <a:effectRef idx="0">
+            <a:schemeClr val="accent1"/>
+          </a:effectRef>
+          <a:fontRef idx="minor">
+            <a:schemeClr val="lt1"/>
+          </a:fontRef>
+        </p:style>
+        <p:txBody>
           <a:bodyPr rtlCol="0" anchor="t"/>
           <a:lstStyle/>
           <a:p>
+            <a:pPr algn="ctr"/>
             <a:r>
               <a:rPr lang="de-DE" sz="1200">
                 <a:solidFill>
                   <a:srgbClr val="405786"/>
                 </a:solidFill>
               </a:rPr>
-              <a:t>Transformation Antworten</a:t>
-            </a:r>
-          </a:p>
-        </p:txBody>
-      </p:sp>
-      <p:sp>
-        <p:nvSpPr>
-          <p:cNvPr id="38" name="Rechteck 37">
-            <a:extLst>
-              <a:ext uri="{FF2B5EF4-FFF2-40B4-BE49-F238E27FC236}">
-                <a16:creationId xmlns:a16="http://schemas.microsoft.com/office/drawing/2014/main" id="{36AA9122-78A1-4FE7-93DE-AF0FC8D3F9F2}"/>
+              <a:t>Personen-Fähigkeitswerte</a:t>
+            </a:r>
+            <a:endParaRPr lang="de-DE" sz="1400">
+              <a:solidFill>
+                <a:srgbClr val="405786"/>
+              </a:solidFill>
+            </a:endParaRPr>
+          </a:p>
+        </p:txBody>
+      </p:sp>
+      <p:sp>
+        <p:nvSpPr>
+          <p:cNvPr id="36" name="Pfeil: nach rechts 35">
+            <a:extLst>
+              <a:ext uri="{FF2B5EF4-FFF2-40B4-BE49-F238E27FC236}">
+                <a16:creationId xmlns:a16="http://schemas.microsoft.com/office/drawing/2014/main" id="{528C509C-B024-46F8-A594-7AAA73B99246}"/>
               </a:ext>
             </a:extLst>
           </p:cNvPr>
@@ -7698,14 +8128,16 @@
           <p:nvPr/>
         </p:nvSpPr>
         <p:spPr>
-          <a:xfrm>
-            <a:off x="4124904" y="3614576"/>
-            <a:ext cx="1942950" cy="504072"/>
-          </a:xfrm>
-          <a:prstGeom prst="rect">
-            <a:avLst/>
-          </a:prstGeom>
-          <a:noFill/>
+          <a:xfrm rot="16200000">
+            <a:off x="2439140" y="5534319"/>
+            <a:ext cx="873197" cy="317898"/>
+          </a:xfrm>
+          <a:prstGeom prst="rightArrow">
+            <a:avLst/>
+          </a:prstGeom>
+          <a:solidFill>
+            <a:srgbClr val="D6DCE5"/>
+          </a:solidFill>
           <a:ln>
             <a:noFill/>
           </a:ln>
@@ -7727,293 +8159,67 @@
           </a:fontRef>
         </p:style>
         <p:txBody>
+          <a:bodyPr rtlCol="0" anchor="ctr"/>
+          <a:lstStyle/>
+          <a:p>
+            <a:pPr algn="ctr"/>
+            <a:endParaRPr lang="de-DE"/>
+          </a:p>
+        </p:txBody>
+      </p:sp>
+      <p:sp>
+        <p:nvSpPr>
+          <p:cNvPr id="40" name="Rechteck 39">
+            <a:extLst>
+              <a:ext uri="{FF2B5EF4-FFF2-40B4-BE49-F238E27FC236}">
+                <a16:creationId xmlns:a16="http://schemas.microsoft.com/office/drawing/2014/main" id="{8676FEC2-3FB2-4376-9EF4-EEA7811E1208}"/>
+              </a:ext>
+            </a:extLst>
+          </p:cNvPr>
+          <p:cNvSpPr/>
+          <p:nvPr/>
+        </p:nvSpPr>
+        <p:spPr>
+          <a:xfrm>
+            <a:off x="2418787" y="5705344"/>
+            <a:ext cx="912402" cy="465410"/>
+          </a:xfrm>
+          <a:prstGeom prst="rect">
+            <a:avLst/>
+          </a:prstGeom>
+          <a:noFill/>
+          <a:ln>
+            <a:noFill/>
+          </a:ln>
+        </p:spPr>
+        <p:style>
+          <a:lnRef idx="2">
+            <a:schemeClr val="accent1">
+              <a:shade val="50000"/>
+            </a:schemeClr>
+          </a:lnRef>
+          <a:fillRef idx="1">
+            <a:schemeClr val="accent1"/>
+          </a:fillRef>
+          <a:effectRef idx="0">
+            <a:schemeClr val="accent1"/>
+          </a:effectRef>
+          <a:fontRef idx="minor">
+            <a:schemeClr val="lt1"/>
+          </a:fontRef>
+        </p:style>
+        <p:txBody>
           <a:bodyPr rtlCol="0" anchor="t"/>
           <a:lstStyle/>
           <a:p>
+            <a:pPr algn="ctr"/>
             <a:r>
               <a:rPr lang="de-DE" sz="1200">
                 <a:solidFill>
                   <a:srgbClr val="405786"/>
                 </a:solidFill>
               </a:rPr>
-              <a:t>Zusammenfassung von Personendaten</a:t>
-            </a:r>
-          </a:p>
-        </p:txBody>
-      </p:sp>
-      <p:sp>
-        <p:nvSpPr>
-          <p:cNvPr id="29" name="Rechteck: abgerundete Ecken 28">
-            <a:extLst>
-              <a:ext uri="{FF2B5EF4-FFF2-40B4-BE49-F238E27FC236}">
-                <a16:creationId xmlns:a16="http://schemas.microsoft.com/office/drawing/2014/main" id="{9FDE0028-0EE4-4C14-9A21-5BA76FD49DBA}"/>
-              </a:ext>
-            </a:extLst>
-          </p:cNvPr>
-          <p:cNvSpPr/>
-          <p:nvPr/>
-        </p:nvSpPr>
-        <p:spPr>
-          <a:xfrm>
-            <a:off x="4143415" y="2165014"/>
-            <a:ext cx="1897087" cy="491386"/>
-          </a:xfrm>
-          <a:prstGeom prst="roundRect">
-            <a:avLst/>
-          </a:prstGeom>
-          <a:solidFill>
-            <a:srgbClr val="7D12B9"/>
-          </a:solidFill>
-          <a:ln>
-            <a:noFill/>
-          </a:ln>
-        </p:spPr>
-        <p:style>
-          <a:lnRef idx="2">
-            <a:schemeClr val="accent1">
-              <a:shade val="50000"/>
-            </a:schemeClr>
-          </a:lnRef>
-          <a:fillRef idx="1">
-            <a:schemeClr val="accent1"/>
-          </a:fillRef>
-          <a:effectRef idx="0">
-            <a:schemeClr val="accent1"/>
-          </a:effectRef>
-          <a:fontRef idx="minor">
-            <a:schemeClr val="lt1"/>
-          </a:fontRef>
-        </p:style>
-        <p:txBody>
-          <a:bodyPr rtlCol="0" anchor="ctr"/>
-          <a:lstStyle/>
-          <a:p>
-            <a:pPr algn="ctr"/>
-            <a:r>
-              <a:rPr lang="de-DE" sz="1400"/>
-              <a:t>Landesportalsystem</a:t>
-            </a:r>
-            <a:endParaRPr lang="de-DE"/>
-          </a:p>
-        </p:txBody>
-      </p:sp>
-      <p:sp>
-        <p:nvSpPr>
-          <p:cNvPr id="39" name="Rechteck 38">
-            <a:extLst>
-              <a:ext uri="{FF2B5EF4-FFF2-40B4-BE49-F238E27FC236}">
-                <a16:creationId xmlns:a16="http://schemas.microsoft.com/office/drawing/2014/main" id="{2B9FEF30-B504-4280-9D45-C365E076D20C}"/>
-              </a:ext>
-            </a:extLst>
-          </p:cNvPr>
-          <p:cNvSpPr/>
-          <p:nvPr/>
-        </p:nvSpPr>
-        <p:spPr>
-          <a:xfrm>
-            <a:off x="4124904" y="4078823"/>
-            <a:ext cx="1903188" cy="337057"/>
-          </a:xfrm>
-          <a:prstGeom prst="rect">
-            <a:avLst/>
-          </a:prstGeom>
-          <a:noFill/>
-          <a:ln>
-            <a:noFill/>
-          </a:ln>
-        </p:spPr>
-        <p:style>
-          <a:lnRef idx="2">
-            <a:schemeClr val="accent1">
-              <a:shade val="50000"/>
-            </a:schemeClr>
-          </a:lnRef>
-          <a:fillRef idx="1">
-            <a:schemeClr val="accent1"/>
-          </a:fillRef>
-          <a:effectRef idx="0">
-            <a:schemeClr val="accent1"/>
-          </a:effectRef>
-          <a:fontRef idx="minor">
-            <a:schemeClr val="lt1"/>
-          </a:fontRef>
-        </p:style>
-        <p:txBody>
-          <a:bodyPr rtlCol="0" anchor="t"/>
-          <a:lstStyle/>
-          <a:p>
-            <a:r>
-              <a:rPr lang="de-DE" sz="1200">
-                <a:solidFill>
-                  <a:srgbClr val="405786"/>
-                </a:solidFill>
-              </a:rPr>
-              <a:t>Manuelle Kodierung</a:t>
-            </a:r>
-          </a:p>
-        </p:txBody>
-      </p:sp>
-      <p:sp>
-        <p:nvSpPr>
-          <p:cNvPr id="41" name="Rechteck 40">
-            <a:extLst>
-              <a:ext uri="{FF2B5EF4-FFF2-40B4-BE49-F238E27FC236}">
-                <a16:creationId xmlns:a16="http://schemas.microsoft.com/office/drawing/2014/main" id="{11699080-069A-4BBF-89B5-ECD97458B24F}"/>
-              </a:ext>
-            </a:extLst>
-          </p:cNvPr>
-          <p:cNvSpPr/>
-          <p:nvPr/>
-        </p:nvSpPr>
-        <p:spPr>
-          <a:xfrm>
-            <a:off x="4124904" y="2753811"/>
-            <a:ext cx="1676258" cy="436770"/>
-          </a:xfrm>
-          <a:prstGeom prst="rect">
-            <a:avLst/>
-          </a:prstGeom>
-          <a:noFill/>
-          <a:ln>
-            <a:noFill/>
-          </a:ln>
-        </p:spPr>
-        <p:style>
-          <a:lnRef idx="2">
-            <a:schemeClr val="accent1">
-              <a:shade val="50000"/>
-            </a:schemeClr>
-          </a:lnRef>
-          <a:fillRef idx="1">
-            <a:schemeClr val="accent1"/>
-          </a:fillRef>
-          <a:effectRef idx="0">
-            <a:schemeClr val="accent1"/>
-          </a:effectRef>
-          <a:fontRef idx="minor">
-            <a:schemeClr val="lt1"/>
-          </a:fontRef>
-        </p:style>
-        <p:txBody>
-          <a:bodyPr rtlCol="0" anchor="t"/>
-          <a:lstStyle/>
-          <a:p>
-            <a:r>
-              <a:rPr lang="de-DE" sz="1200">
-                <a:solidFill>
-                  <a:srgbClr val="405786"/>
-                </a:solidFill>
-              </a:rPr>
-              <a:t>Zuweisung Personen zu Testheften</a:t>
-            </a:r>
-          </a:p>
-        </p:txBody>
-      </p:sp>
-      <p:sp>
-        <p:nvSpPr>
-          <p:cNvPr id="42" name="Pfeil: nach links und rechts 41">
-            <a:extLst>
-              <a:ext uri="{FF2B5EF4-FFF2-40B4-BE49-F238E27FC236}">
-                <a16:creationId xmlns:a16="http://schemas.microsoft.com/office/drawing/2014/main" id="{DB134E8A-B06F-4954-956A-97E7E41D151E}"/>
-              </a:ext>
-            </a:extLst>
-          </p:cNvPr>
-          <p:cNvSpPr/>
-          <p:nvPr/>
-        </p:nvSpPr>
-        <p:spPr>
-          <a:xfrm rot="10800000">
-            <a:off x="2586772" y="4078823"/>
-            <a:ext cx="1356617" cy="317898"/>
-          </a:xfrm>
-          <a:prstGeom prst="leftRightArrow">
-            <a:avLst/>
-          </a:prstGeom>
-          <a:solidFill>
-            <a:srgbClr val="D6DCE5"/>
-          </a:solidFill>
-          <a:ln>
-            <a:noFill/>
-          </a:ln>
-        </p:spPr>
-        <p:style>
-          <a:lnRef idx="2">
-            <a:schemeClr val="accent1">
-              <a:shade val="50000"/>
-            </a:schemeClr>
-          </a:lnRef>
-          <a:fillRef idx="1">
-            <a:schemeClr val="accent1"/>
-          </a:fillRef>
-          <a:effectRef idx="0">
-            <a:schemeClr val="accent1"/>
-          </a:effectRef>
-          <a:fontRef idx="minor">
-            <a:schemeClr val="lt1"/>
-          </a:fontRef>
-        </p:style>
-        <p:txBody>
-          <a:bodyPr rtlCol="0" anchor="ctr"/>
-          <a:lstStyle/>
-          <a:p>
-            <a:pPr algn="ctr"/>
-            <a:endParaRPr lang="de-DE"/>
-          </a:p>
-        </p:txBody>
-      </p:sp>
-      <p:sp>
-        <p:nvSpPr>
-          <p:cNvPr id="43" name="Rechteck 42">
-            <a:extLst>
-              <a:ext uri="{FF2B5EF4-FFF2-40B4-BE49-F238E27FC236}">
-                <a16:creationId xmlns:a16="http://schemas.microsoft.com/office/drawing/2014/main" id="{89E45DD8-5AC8-452A-8CF4-54F340B0E071}"/>
-              </a:ext>
-            </a:extLst>
-          </p:cNvPr>
-          <p:cNvSpPr/>
-          <p:nvPr/>
-        </p:nvSpPr>
-        <p:spPr>
-          <a:xfrm>
-            <a:off x="2747770" y="3211688"/>
-            <a:ext cx="912402" cy="323060"/>
-          </a:xfrm>
-          <a:prstGeom prst="rect">
-            <a:avLst/>
-          </a:prstGeom>
-          <a:noFill/>
-          <a:ln>
-            <a:noFill/>
-          </a:ln>
-        </p:spPr>
-        <p:style>
-          <a:lnRef idx="2">
-            <a:schemeClr val="accent1">
-              <a:shade val="50000"/>
-            </a:schemeClr>
-          </a:lnRef>
-          <a:fillRef idx="1">
-            <a:schemeClr val="accent1"/>
-          </a:fillRef>
-          <a:effectRef idx="0">
-            <a:schemeClr val="accent1"/>
-          </a:effectRef>
-          <a:fontRef idx="minor">
-            <a:schemeClr val="lt1"/>
-          </a:fontRef>
-        </p:style>
-        <p:txBody>
-          <a:bodyPr rtlCol="0" anchor="t"/>
-          <a:lstStyle/>
-          <a:p>
-            <a:pPr algn="ctr"/>
-            <a:r>
-              <a:rPr lang="de-DE" sz="1200">
-                <a:solidFill>
-                  <a:srgbClr val="405786"/>
-                </a:solidFill>
-              </a:rPr>
-              <a:t>Antworten</a:t>
+              <a:t>Zusatz-items</a:t>
             </a:r>
             <a:endParaRPr lang="de-DE" sz="1400">
               <a:solidFill>
@@ -8023,506 +8229,10 @@
           </a:p>
         </p:txBody>
       </p:sp>
-      <p:sp>
-        <p:nvSpPr>
-          <p:cNvPr id="46" name="Rechteck 45">
-            <a:extLst>
-              <a:ext uri="{FF2B5EF4-FFF2-40B4-BE49-F238E27FC236}">
-                <a16:creationId xmlns:a16="http://schemas.microsoft.com/office/drawing/2014/main" id="{447F9071-D586-4080-ACEF-639E7E083537}"/>
-              </a:ext>
-            </a:extLst>
-          </p:cNvPr>
-          <p:cNvSpPr/>
-          <p:nvPr/>
-        </p:nvSpPr>
-        <p:spPr>
-          <a:xfrm>
-            <a:off x="2747770" y="3774276"/>
-            <a:ext cx="912402" cy="317898"/>
-          </a:xfrm>
-          <a:prstGeom prst="rect">
-            <a:avLst/>
-          </a:prstGeom>
-          <a:noFill/>
-          <a:ln>
-            <a:noFill/>
-          </a:ln>
-        </p:spPr>
-        <p:style>
-          <a:lnRef idx="2">
-            <a:schemeClr val="accent1">
-              <a:shade val="50000"/>
-            </a:schemeClr>
-          </a:lnRef>
-          <a:fillRef idx="1">
-            <a:schemeClr val="accent1"/>
-          </a:fillRef>
-          <a:effectRef idx="0">
-            <a:schemeClr val="accent1"/>
-          </a:effectRef>
-          <a:fontRef idx="minor">
-            <a:schemeClr val="lt1"/>
-          </a:fontRef>
-        </p:style>
-        <p:txBody>
-          <a:bodyPr rtlCol="0" anchor="t"/>
-          <a:lstStyle/>
-          <a:p>
-            <a:pPr algn="ctr"/>
-            <a:r>
-              <a:rPr lang="de-DE" sz="1200">
-                <a:solidFill>
-                  <a:srgbClr val="405786"/>
-                </a:solidFill>
-              </a:rPr>
-              <a:t>Antworten</a:t>
-            </a:r>
-            <a:endParaRPr lang="de-DE" sz="1400">
-              <a:solidFill>
-                <a:srgbClr val="405786"/>
-              </a:solidFill>
-            </a:endParaRPr>
-          </a:p>
-        </p:txBody>
-      </p:sp>
-      <p:sp>
-        <p:nvSpPr>
-          <p:cNvPr id="48" name="Rechteck 47">
-            <a:extLst>
-              <a:ext uri="{FF2B5EF4-FFF2-40B4-BE49-F238E27FC236}">
-                <a16:creationId xmlns:a16="http://schemas.microsoft.com/office/drawing/2014/main" id="{1E0FABDF-2317-4303-A7BD-8A147CEB1B88}"/>
-              </a:ext>
-            </a:extLst>
-          </p:cNvPr>
-          <p:cNvSpPr/>
-          <p:nvPr/>
-        </p:nvSpPr>
-        <p:spPr>
-          <a:xfrm>
-            <a:off x="2672838" y="4424605"/>
-            <a:ext cx="1062267" cy="323060"/>
-          </a:xfrm>
-          <a:prstGeom prst="rect">
-            <a:avLst/>
-          </a:prstGeom>
-          <a:noFill/>
-          <a:ln>
-            <a:noFill/>
-          </a:ln>
-        </p:spPr>
-        <p:style>
-          <a:lnRef idx="2">
-            <a:schemeClr val="accent1">
-              <a:shade val="50000"/>
-            </a:schemeClr>
-          </a:lnRef>
-          <a:fillRef idx="1">
-            <a:schemeClr val="accent1"/>
-          </a:fillRef>
-          <a:effectRef idx="0">
-            <a:schemeClr val="accent1"/>
-          </a:effectRef>
-          <a:fontRef idx="minor">
-            <a:schemeClr val="lt1"/>
-          </a:fontRef>
-        </p:style>
-        <p:txBody>
-          <a:bodyPr rtlCol="0" anchor="t"/>
-          <a:lstStyle/>
-          <a:p>
-            <a:pPr algn="ctr"/>
-            <a:r>
-              <a:rPr lang="de-DE" sz="1200">
-                <a:solidFill>
-                  <a:srgbClr val="405786"/>
-                </a:solidFill>
-              </a:rPr>
-              <a:t>Skalenwerte</a:t>
-            </a:r>
-            <a:endParaRPr lang="de-DE" sz="1400">
-              <a:solidFill>
-                <a:srgbClr val="405786"/>
-              </a:solidFill>
-            </a:endParaRPr>
-          </a:p>
-        </p:txBody>
-      </p:sp>
-      <p:sp>
-        <p:nvSpPr>
-          <p:cNvPr id="49" name="Rechteck 48">
-            <a:extLst>
-              <a:ext uri="{FF2B5EF4-FFF2-40B4-BE49-F238E27FC236}">
-                <a16:creationId xmlns:a16="http://schemas.microsoft.com/office/drawing/2014/main" id="{9E0FAA92-76A1-43B5-A73E-501E6515C764}"/>
-              </a:ext>
-            </a:extLst>
-          </p:cNvPr>
-          <p:cNvSpPr/>
-          <p:nvPr/>
-        </p:nvSpPr>
-        <p:spPr>
-          <a:xfrm>
-            <a:off x="4124904" y="5305424"/>
-            <a:ext cx="1903188" cy="337057"/>
-          </a:xfrm>
-          <a:prstGeom prst="rect">
-            <a:avLst/>
-          </a:prstGeom>
-          <a:noFill/>
-          <a:ln>
-            <a:noFill/>
-          </a:ln>
-        </p:spPr>
-        <p:style>
-          <a:lnRef idx="2">
-            <a:schemeClr val="accent1">
-              <a:shade val="50000"/>
-            </a:schemeClr>
-          </a:lnRef>
-          <a:fillRef idx="1">
-            <a:schemeClr val="accent1"/>
-          </a:fillRef>
-          <a:effectRef idx="0">
-            <a:schemeClr val="accent1"/>
-          </a:effectRef>
-          <a:fontRef idx="minor">
-            <a:schemeClr val="lt1"/>
-          </a:fontRef>
-        </p:style>
-        <p:txBody>
-          <a:bodyPr rtlCol="0" anchor="t"/>
-          <a:lstStyle/>
-          <a:p>
-            <a:r>
-              <a:rPr lang="de-DE" sz="1200">
-                <a:solidFill>
-                  <a:srgbClr val="405786"/>
-                </a:solidFill>
-              </a:rPr>
-              <a:t>Rückmeldung</a:t>
-            </a:r>
-          </a:p>
-        </p:txBody>
-      </p:sp>
-      <p:sp>
-        <p:nvSpPr>
-          <p:cNvPr id="50" name="Rechteck 49">
-            <a:extLst>
-              <a:ext uri="{FF2B5EF4-FFF2-40B4-BE49-F238E27FC236}">
-                <a16:creationId xmlns:a16="http://schemas.microsoft.com/office/drawing/2014/main" id="{0F10F39A-DEE5-417F-91DF-57AC6B95C10E}"/>
-              </a:ext>
-            </a:extLst>
-          </p:cNvPr>
-          <p:cNvSpPr/>
-          <p:nvPr/>
-        </p:nvSpPr>
-        <p:spPr>
-          <a:xfrm>
-            <a:off x="4124904" y="4413742"/>
-            <a:ext cx="1903188" cy="522105"/>
-          </a:xfrm>
-          <a:prstGeom prst="rect">
-            <a:avLst/>
-          </a:prstGeom>
-          <a:noFill/>
-          <a:ln>
-            <a:noFill/>
-          </a:ln>
-        </p:spPr>
-        <p:style>
-          <a:lnRef idx="2">
-            <a:schemeClr val="accent1">
-              <a:shade val="50000"/>
-            </a:schemeClr>
-          </a:lnRef>
-          <a:fillRef idx="1">
-            <a:schemeClr val="accent1"/>
-          </a:fillRef>
-          <a:effectRef idx="0">
-            <a:schemeClr val="accent1"/>
-          </a:effectRef>
-          <a:fontRef idx="minor">
-            <a:schemeClr val="lt1"/>
-          </a:fontRef>
-        </p:style>
-        <p:txBody>
-          <a:bodyPr rtlCol="0" anchor="t"/>
-          <a:lstStyle/>
-          <a:p>
-            <a:r>
-              <a:rPr lang="de-DE" sz="1200">
-                <a:solidFill>
-                  <a:srgbClr val="405786"/>
-                </a:solidFill>
-              </a:rPr>
-              <a:t>Transformation in eigene Skalen</a:t>
-            </a:r>
-          </a:p>
-        </p:txBody>
-      </p:sp>
-      <p:cxnSp>
-        <p:nvCxnSpPr>
-          <p:cNvPr id="21" name="Gerader Verbinder 20">
-            <a:extLst>
-              <a:ext uri="{FF2B5EF4-FFF2-40B4-BE49-F238E27FC236}">
-                <a16:creationId xmlns:a16="http://schemas.microsoft.com/office/drawing/2014/main" id="{309971D6-DD97-4ABD-8807-E42A785D7F03}"/>
-              </a:ext>
-            </a:extLst>
-          </p:cNvPr>
-          <p:cNvCxnSpPr>
-            <a:cxnSpLocks/>
-          </p:cNvCxnSpPr>
-          <p:nvPr/>
-        </p:nvCxnSpPr>
-        <p:spPr>
-          <a:xfrm>
-            <a:off x="4124904" y="3197114"/>
-            <a:ext cx="1903188" cy="0"/>
-          </a:xfrm>
-          <a:prstGeom prst="line">
-            <a:avLst/>
-          </a:prstGeom>
-          <a:ln>
-            <a:solidFill>
-              <a:srgbClr val="405786"/>
-            </a:solidFill>
-          </a:ln>
-        </p:spPr>
-        <p:style>
-          <a:lnRef idx="1">
-            <a:schemeClr val="accent1"/>
-          </a:lnRef>
-          <a:fillRef idx="0">
-            <a:schemeClr val="accent1"/>
-          </a:fillRef>
-          <a:effectRef idx="0">
-            <a:schemeClr val="accent1"/>
-          </a:effectRef>
-          <a:fontRef idx="minor">
-            <a:schemeClr val="tx1"/>
-          </a:fontRef>
-        </p:style>
-      </p:cxnSp>
-      <p:cxnSp>
-        <p:nvCxnSpPr>
-          <p:cNvPr id="51" name="Gerader Verbinder 50">
-            <a:extLst>
-              <a:ext uri="{FF2B5EF4-FFF2-40B4-BE49-F238E27FC236}">
-                <a16:creationId xmlns:a16="http://schemas.microsoft.com/office/drawing/2014/main" id="{D63E6CDF-7D22-41DD-9734-C92BED2F0A28}"/>
-              </a:ext>
-            </a:extLst>
-          </p:cNvPr>
-          <p:cNvCxnSpPr>
-            <a:cxnSpLocks/>
-          </p:cNvCxnSpPr>
-          <p:nvPr/>
-        </p:nvCxnSpPr>
-        <p:spPr>
-          <a:xfrm>
-            <a:off x="4124904" y="4379976"/>
-            <a:ext cx="1903188" cy="0"/>
-          </a:xfrm>
-          <a:prstGeom prst="line">
-            <a:avLst/>
-          </a:prstGeom>
-          <a:ln>
-            <a:solidFill>
-              <a:srgbClr val="405786"/>
-            </a:solidFill>
-          </a:ln>
-        </p:spPr>
-        <p:style>
-          <a:lnRef idx="1">
-            <a:schemeClr val="accent1"/>
-          </a:lnRef>
-          <a:fillRef idx="0">
-            <a:schemeClr val="accent1"/>
-          </a:fillRef>
-          <a:effectRef idx="0">
-            <a:schemeClr val="accent1"/>
-          </a:effectRef>
-          <a:fontRef idx="minor">
-            <a:schemeClr val="tx1"/>
-          </a:fontRef>
-        </p:style>
-      </p:cxnSp>
-      <p:sp>
-        <p:nvSpPr>
-          <p:cNvPr id="54" name="Rechteck 53">
-            <a:extLst>
-              <a:ext uri="{FF2B5EF4-FFF2-40B4-BE49-F238E27FC236}">
-                <a16:creationId xmlns:a16="http://schemas.microsoft.com/office/drawing/2014/main" id="{19E56569-12D7-4838-9C41-290707F74D50}"/>
-              </a:ext>
-            </a:extLst>
-          </p:cNvPr>
-          <p:cNvSpPr/>
-          <p:nvPr/>
-        </p:nvSpPr>
-        <p:spPr>
-          <a:xfrm>
-            <a:off x="4124904" y="4822062"/>
-            <a:ext cx="1903188" cy="522105"/>
-          </a:xfrm>
-          <a:prstGeom prst="rect">
-            <a:avLst/>
-          </a:prstGeom>
-          <a:noFill/>
-          <a:ln>
-            <a:noFill/>
-          </a:ln>
-        </p:spPr>
-        <p:style>
-          <a:lnRef idx="2">
-            <a:schemeClr val="accent1">
-              <a:shade val="50000"/>
-            </a:schemeClr>
-          </a:lnRef>
-          <a:fillRef idx="1">
-            <a:schemeClr val="accent1"/>
-          </a:fillRef>
-          <a:effectRef idx="0">
-            <a:schemeClr val="accent1"/>
-          </a:effectRef>
-          <a:fontRef idx="minor">
-            <a:schemeClr val="lt1"/>
-          </a:fontRef>
-        </p:style>
-        <p:txBody>
-          <a:bodyPr rtlCol="0" anchor="t"/>
-          <a:lstStyle/>
-          <a:p>
-            <a:r>
-              <a:rPr lang="de-DE" sz="1200">
-                <a:solidFill>
-                  <a:srgbClr val="405786"/>
-                </a:solidFill>
-              </a:rPr>
-              <a:t>Aggregationen Personengruppen</a:t>
-            </a:r>
-          </a:p>
-        </p:txBody>
-      </p:sp>
-      <p:sp>
-        <p:nvSpPr>
-          <p:cNvPr id="55" name="Rechteck: abgerundete Ecken 54">
-            <a:extLst>
-              <a:ext uri="{FF2B5EF4-FFF2-40B4-BE49-F238E27FC236}">
-                <a16:creationId xmlns:a16="http://schemas.microsoft.com/office/drawing/2014/main" id="{D80FD2EA-39F5-4A60-B97E-43A066217136}"/>
-              </a:ext>
-            </a:extLst>
-          </p:cNvPr>
-          <p:cNvSpPr/>
-          <p:nvPr/>
-        </p:nvSpPr>
-        <p:spPr>
-          <a:xfrm>
-            <a:off x="842318" y="2128711"/>
-            <a:ext cx="1676257" cy="566909"/>
-          </a:xfrm>
-          <a:prstGeom prst="roundRect">
-            <a:avLst/>
-          </a:prstGeom>
-          <a:solidFill>
-            <a:srgbClr val="008CBA"/>
-          </a:solidFill>
-          <a:ln>
-            <a:noFill/>
-          </a:ln>
-        </p:spPr>
-        <p:style>
-          <a:lnRef idx="2">
-            <a:schemeClr val="accent1">
-              <a:shade val="50000"/>
-            </a:schemeClr>
-          </a:lnRef>
-          <a:fillRef idx="1">
-            <a:schemeClr val="accent1"/>
-          </a:fillRef>
-          <a:effectRef idx="0">
-            <a:schemeClr val="accent1"/>
-          </a:effectRef>
-          <a:fontRef idx="minor">
-            <a:schemeClr val="lt1"/>
-          </a:fontRef>
-        </p:style>
-        <p:txBody>
-          <a:bodyPr rtlCol="0" anchor="ctr"/>
-          <a:lstStyle/>
-          <a:p>
-            <a:pPr algn="ctr"/>
-            <a:r>
-              <a:rPr lang="de-DE" sz="1400"/>
-              <a:t>Survey Content Pool</a:t>
-            </a:r>
-            <a:endParaRPr lang="de-DE"/>
-          </a:p>
-        </p:txBody>
-      </p:sp>
-      <p:sp>
-        <p:nvSpPr>
-          <p:cNvPr id="57" name="Rechteck 56">
-            <a:extLst>
-              <a:ext uri="{FF2B5EF4-FFF2-40B4-BE49-F238E27FC236}">
-                <a16:creationId xmlns:a16="http://schemas.microsoft.com/office/drawing/2014/main" id="{4F292E1B-316F-4BB3-B8A9-D3804172848E}"/>
-              </a:ext>
-            </a:extLst>
-          </p:cNvPr>
-          <p:cNvSpPr/>
-          <p:nvPr/>
-        </p:nvSpPr>
-        <p:spPr>
-          <a:xfrm>
-            <a:off x="2620175" y="2179648"/>
-            <a:ext cx="1130749" cy="323060"/>
-          </a:xfrm>
-          <a:prstGeom prst="rect">
-            <a:avLst/>
-          </a:prstGeom>
-          <a:noFill/>
-          <a:ln>
-            <a:noFill/>
-          </a:ln>
-        </p:spPr>
-        <p:style>
-          <a:lnRef idx="2">
-            <a:schemeClr val="accent1">
-              <a:shade val="50000"/>
-            </a:schemeClr>
-          </a:lnRef>
-          <a:fillRef idx="1">
-            <a:schemeClr val="accent1"/>
-          </a:fillRef>
-          <a:effectRef idx="0">
-            <a:schemeClr val="accent1"/>
-          </a:effectRef>
-          <a:fontRef idx="minor">
-            <a:schemeClr val="lt1"/>
-          </a:fontRef>
-        </p:style>
-        <p:txBody>
-          <a:bodyPr rtlCol="0" anchor="t"/>
-          <a:lstStyle/>
-          <a:p>
-            <a:pPr algn="ctr"/>
-            <a:r>
-              <a:rPr lang="de-DE" sz="1200">
-                <a:solidFill>
-                  <a:srgbClr val="405786"/>
-                </a:solidFill>
-              </a:rPr>
-              <a:t>Survey Content Package</a:t>
-            </a:r>
-            <a:endParaRPr lang="de-DE" sz="1400">
-              <a:solidFill>
-                <a:srgbClr val="405786"/>
-              </a:solidFill>
-            </a:endParaRPr>
-          </a:p>
-        </p:txBody>
-      </p:sp>
     </p:spTree>
     <p:extLst>
       <p:ext uri="{BB962C8B-B14F-4D97-AF65-F5344CB8AC3E}">
-        <p14:creationId xmlns:p14="http://schemas.microsoft.com/office/powerpoint/2010/main" val="2712301531"/>
+        <p14:creationId xmlns:p14="http://schemas.microsoft.com/office/powerpoint/2010/main" val="3117705646"/>
       </p:ext>
     </p:extLst>
   </p:cSld>
@@ -8719,6 +8429,1444 @@
         </p:nvSpPr>
         <p:spPr>
           <a:xfrm rot="10800000" flipH="1">
+            <a:off x="2420232" y="4404850"/>
+            <a:ext cx="1523157" cy="317898"/>
+          </a:xfrm>
+          <a:prstGeom prst="rightArrow">
+            <a:avLst/>
+          </a:prstGeom>
+          <a:solidFill>
+            <a:srgbClr val="D6DCE5"/>
+          </a:solidFill>
+          <a:ln>
+            <a:noFill/>
+          </a:ln>
+        </p:spPr>
+        <p:style>
+          <a:lnRef idx="2">
+            <a:schemeClr val="accent1">
+              <a:shade val="50000"/>
+            </a:schemeClr>
+          </a:lnRef>
+          <a:fillRef idx="1">
+            <a:schemeClr val="accent1"/>
+          </a:fillRef>
+          <a:effectRef idx="0">
+            <a:schemeClr val="accent1"/>
+          </a:effectRef>
+          <a:fontRef idx="minor">
+            <a:schemeClr val="lt1"/>
+          </a:fontRef>
+        </p:style>
+        <p:txBody>
+          <a:bodyPr rtlCol="0" anchor="ctr"/>
+          <a:lstStyle/>
+          <a:p>
+            <a:pPr algn="ctr"/>
+            <a:endParaRPr lang="de-DE"/>
+          </a:p>
+        </p:txBody>
+      </p:sp>
+      <p:sp>
+        <p:nvSpPr>
+          <p:cNvPr id="45" name="Pfeil: nach rechts 44">
+            <a:extLst>
+              <a:ext uri="{FF2B5EF4-FFF2-40B4-BE49-F238E27FC236}">
+                <a16:creationId xmlns:a16="http://schemas.microsoft.com/office/drawing/2014/main" id="{808225D5-188F-4A8B-B9BC-8EBEB9AFF2DE}"/>
+              </a:ext>
+            </a:extLst>
+          </p:cNvPr>
+          <p:cNvSpPr/>
+          <p:nvPr/>
+        </p:nvSpPr>
+        <p:spPr>
+          <a:xfrm rot="10800000">
+            <a:off x="2586771" y="3752796"/>
+            <a:ext cx="1691476" cy="317898"/>
+          </a:xfrm>
+          <a:prstGeom prst="rightArrow">
+            <a:avLst/>
+          </a:prstGeom>
+          <a:solidFill>
+            <a:srgbClr val="D6DCE5"/>
+          </a:solidFill>
+          <a:ln>
+            <a:noFill/>
+          </a:ln>
+        </p:spPr>
+        <p:style>
+          <a:lnRef idx="2">
+            <a:schemeClr val="accent1">
+              <a:shade val="50000"/>
+            </a:schemeClr>
+          </a:lnRef>
+          <a:fillRef idx="1">
+            <a:schemeClr val="accent1"/>
+          </a:fillRef>
+          <a:effectRef idx="0">
+            <a:schemeClr val="accent1"/>
+          </a:effectRef>
+          <a:fontRef idx="minor">
+            <a:schemeClr val="lt1"/>
+          </a:fontRef>
+        </p:style>
+        <p:txBody>
+          <a:bodyPr rtlCol="0" anchor="ctr"/>
+          <a:lstStyle/>
+          <a:p>
+            <a:pPr algn="ctr"/>
+            <a:endParaRPr lang="de-DE"/>
+          </a:p>
+        </p:txBody>
+      </p:sp>
+      <p:sp>
+        <p:nvSpPr>
+          <p:cNvPr id="2" name="Titel 1">
+            <a:extLst>
+              <a:ext uri="{FF2B5EF4-FFF2-40B4-BE49-F238E27FC236}">
+                <a16:creationId xmlns:a16="http://schemas.microsoft.com/office/drawing/2014/main" id="{0551B04D-69E8-4BFE-9F1D-951E570F0118}"/>
+              </a:ext>
+            </a:extLst>
+          </p:cNvPr>
+          <p:cNvSpPr>
+            <a:spLocks noGrp="1"/>
+          </p:cNvSpPr>
+          <p:nvPr>
+            <p:ph type="title"/>
+          </p:nvPr>
+        </p:nvSpPr>
+        <p:spPr/>
+        <p:txBody>
+          <a:bodyPr/>
+          <a:lstStyle/>
+          <a:p>
+            <a:r>
+              <a:rPr lang="de-DE"/>
+              <a:t>coding-service-vera.png</a:t>
+            </a:r>
+          </a:p>
+        </p:txBody>
+      </p:sp>
+      <p:sp>
+        <p:nvSpPr>
+          <p:cNvPr id="5" name="Rechteck 4">
+            <a:extLst>
+              <a:ext uri="{FF2B5EF4-FFF2-40B4-BE49-F238E27FC236}">
+                <a16:creationId xmlns:a16="http://schemas.microsoft.com/office/drawing/2014/main" id="{8D492F30-5400-4C0A-AFC2-EAC63131E272}"/>
+              </a:ext>
+            </a:extLst>
+          </p:cNvPr>
+          <p:cNvSpPr/>
+          <p:nvPr/>
+        </p:nvSpPr>
+        <p:spPr>
+          <a:xfrm>
+            <a:off x="2660399" y="2950619"/>
+            <a:ext cx="1272142" cy="312190"/>
+          </a:xfrm>
+          <a:prstGeom prst="rect">
+            <a:avLst/>
+          </a:prstGeom>
+          <a:noFill/>
+          <a:ln>
+            <a:noFill/>
+          </a:ln>
+        </p:spPr>
+        <p:style>
+          <a:lnRef idx="2">
+            <a:schemeClr val="accent1">
+              <a:shade val="50000"/>
+            </a:schemeClr>
+          </a:lnRef>
+          <a:fillRef idx="1">
+            <a:schemeClr val="accent1"/>
+          </a:fillRef>
+          <a:effectRef idx="0">
+            <a:schemeClr val="accent1"/>
+          </a:effectRef>
+          <a:fontRef idx="minor">
+            <a:schemeClr val="lt1"/>
+          </a:fontRef>
+        </p:style>
+        <p:txBody>
+          <a:bodyPr rtlCol="0" anchor="t"/>
+          <a:lstStyle/>
+          <a:p>
+            <a:pPr algn="ctr"/>
+            <a:r>
+              <a:rPr lang="de-DE" sz="1200">
+                <a:solidFill>
+                  <a:srgbClr val="405786"/>
+                </a:solidFill>
+              </a:rPr>
+              <a:t>Testhefte, Logins</a:t>
+            </a:r>
+            <a:endParaRPr lang="de-DE" sz="1400">
+              <a:solidFill>
+                <a:srgbClr val="405786"/>
+              </a:solidFill>
+            </a:endParaRPr>
+          </a:p>
+        </p:txBody>
+      </p:sp>
+      <p:sp>
+        <p:nvSpPr>
+          <p:cNvPr id="24" name="Rechteck: abgerundete Ecken 23">
+            <a:extLst>
+              <a:ext uri="{FF2B5EF4-FFF2-40B4-BE49-F238E27FC236}">
+                <a16:creationId xmlns:a16="http://schemas.microsoft.com/office/drawing/2014/main" id="{55A149B1-1B8A-4A2A-A04E-957240767D97}"/>
+              </a:ext>
+            </a:extLst>
+          </p:cNvPr>
+          <p:cNvSpPr/>
+          <p:nvPr/>
+        </p:nvSpPr>
+        <p:spPr>
+          <a:xfrm>
+            <a:off x="842318" y="2938048"/>
+            <a:ext cx="1676257" cy="566909"/>
+          </a:xfrm>
+          <a:prstGeom prst="roundRect">
+            <a:avLst/>
+          </a:prstGeom>
+          <a:solidFill>
+            <a:srgbClr val="008CBA"/>
+          </a:solidFill>
+          <a:ln>
+            <a:noFill/>
+          </a:ln>
+        </p:spPr>
+        <p:style>
+          <a:lnRef idx="2">
+            <a:schemeClr val="accent1">
+              <a:shade val="50000"/>
+            </a:schemeClr>
+          </a:lnRef>
+          <a:fillRef idx="1">
+            <a:schemeClr val="accent1"/>
+          </a:fillRef>
+          <a:effectRef idx="0">
+            <a:schemeClr val="accent1"/>
+          </a:effectRef>
+          <a:fontRef idx="minor">
+            <a:schemeClr val="lt1"/>
+          </a:fontRef>
+        </p:style>
+        <p:txBody>
+          <a:bodyPr rtlCol="0" anchor="ctr"/>
+          <a:lstStyle/>
+          <a:p>
+            <a:pPr algn="ctr"/>
+            <a:r>
+              <a:rPr lang="de-DE" sz="1400"/>
+              <a:t>IQB-Testcenter</a:t>
+            </a:r>
+            <a:endParaRPr lang="de-DE"/>
+          </a:p>
+        </p:txBody>
+      </p:sp>
+      <p:sp>
+        <p:nvSpPr>
+          <p:cNvPr id="28" name="Rechteck: abgerundete Ecken 27">
+            <a:extLst>
+              <a:ext uri="{FF2B5EF4-FFF2-40B4-BE49-F238E27FC236}">
+                <a16:creationId xmlns:a16="http://schemas.microsoft.com/office/drawing/2014/main" id="{18CDCB2C-10D5-4159-8DD6-1628F42C8F1C}"/>
+              </a:ext>
+            </a:extLst>
+          </p:cNvPr>
+          <p:cNvSpPr/>
+          <p:nvPr/>
+        </p:nvSpPr>
+        <p:spPr>
+          <a:xfrm>
+            <a:off x="842318" y="3776488"/>
+            <a:ext cx="1676257" cy="961458"/>
+          </a:xfrm>
+          <a:prstGeom prst="roundRect">
+            <a:avLst/>
+          </a:prstGeom>
+          <a:solidFill>
+            <a:srgbClr val="008CBA"/>
+          </a:solidFill>
+          <a:ln>
+            <a:noFill/>
+          </a:ln>
+        </p:spPr>
+        <p:style>
+          <a:lnRef idx="2">
+            <a:schemeClr val="accent1">
+              <a:shade val="50000"/>
+            </a:schemeClr>
+          </a:lnRef>
+          <a:fillRef idx="1">
+            <a:schemeClr val="accent1"/>
+          </a:fillRef>
+          <a:effectRef idx="0">
+            <a:schemeClr val="accent1"/>
+          </a:effectRef>
+          <a:fontRef idx="minor">
+            <a:schemeClr val="lt1"/>
+          </a:fontRef>
+        </p:style>
+        <p:txBody>
+          <a:bodyPr rtlCol="0" anchor="ctr"/>
+          <a:lstStyle/>
+          <a:p>
+            <a:pPr algn="ctr"/>
+            <a:r>
+              <a:rPr lang="de-DE" sz="1400"/>
+              <a:t>IQB-CodingService</a:t>
+            </a:r>
+            <a:endParaRPr lang="de-DE"/>
+          </a:p>
+        </p:txBody>
+      </p:sp>
+      <p:sp>
+        <p:nvSpPr>
+          <p:cNvPr id="33" name="Rechteck 32">
+            <a:extLst>
+              <a:ext uri="{FF2B5EF4-FFF2-40B4-BE49-F238E27FC236}">
+                <a16:creationId xmlns:a16="http://schemas.microsoft.com/office/drawing/2014/main" id="{E60FA52C-E5FD-4D73-BD0B-066F95104E73}"/>
+              </a:ext>
+            </a:extLst>
+          </p:cNvPr>
+          <p:cNvSpPr/>
+          <p:nvPr/>
+        </p:nvSpPr>
+        <p:spPr>
+          <a:xfrm>
+            <a:off x="3976878" y="2080260"/>
+            <a:ext cx="2230163" cy="3558540"/>
+          </a:xfrm>
+          <a:prstGeom prst="rect">
+            <a:avLst/>
+          </a:prstGeom>
+          <a:solidFill>
+            <a:srgbClr val="D6DCE5"/>
+          </a:solidFill>
+          <a:ln>
+            <a:noFill/>
+          </a:ln>
+        </p:spPr>
+        <p:style>
+          <a:lnRef idx="2">
+            <a:schemeClr val="accent1">
+              <a:shade val="50000"/>
+            </a:schemeClr>
+          </a:lnRef>
+          <a:fillRef idx="1">
+            <a:schemeClr val="accent1"/>
+          </a:fillRef>
+          <a:effectRef idx="0">
+            <a:schemeClr val="accent1"/>
+          </a:effectRef>
+          <a:fontRef idx="minor">
+            <a:schemeClr val="lt1"/>
+          </a:fontRef>
+        </p:style>
+        <p:txBody>
+          <a:bodyPr rtlCol="0" anchor="ctr"/>
+          <a:lstStyle/>
+          <a:p>
+            <a:pPr algn="r"/>
+            <a:endParaRPr lang="de-DE" sz="1600">
+              <a:solidFill>
+                <a:srgbClr val="405786"/>
+              </a:solidFill>
+            </a:endParaRPr>
+          </a:p>
+        </p:txBody>
+      </p:sp>
+      <p:sp>
+        <p:nvSpPr>
+          <p:cNvPr id="37" name="Rechteck 36">
+            <a:extLst>
+              <a:ext uri="{FF2B5EF4-FFF2-40B4-BE49-F238E27FC236}">
+                <a16:creationId xmlns:a16="http://schemas.microsoft.com/office/drawing/2014/main" id="{A169B987-A534-4CB7-A1B9-63A9F65E37E4}"/>
+              </a:ext>
+            </a:extLst>
+          </p:cNvPr>
+          <p:cNvSpPr/>
+          <p:nvPr/>
+        </p:nvSpPr>
+        <p:spPr>
+          <a:xfrm>
+            <a:off x="4124904" y="3182935"/>
+            <a:ext cx="1878368" cy="404398"/>
+          </a:xfrm>
+          <a:prstGeom prst="rect">
+            <a:avLst/>
+          </a:prstGeom>
+          <a:noFill/>
+          <a:ln>
+            <a:noFill/>
+          </a:ln>
+        </p:spPr>
+        <p:style>
+          <a:lnRef idx="2">
+            <a:schemeClr val="accent1">
+              <a:shade val="50000"/>
+            </a:schemeClr>
+          </a:lnRef>
+          <a:fillRef idx="1">
+            <a:schemeClr val="accent1"/>
+          </a:fillRef>
+          <a:effectRef idx="0">
+            <a:schemeClr val="accent1"/>
+          </a:effectRef>
+          <a:fontRef idx="minor">
+            <a:schemeClr val="lt1"/>
+          </a:fontRef>
+        </p:style>
+        <p:txBody>
+          <a:bodyPr rtlCol="0" anchor="t"/>
+          <a:lstStyle/>
+          <a:p>
+            <a:r>
+              <a:rPr lang="de-DE" sz="1200">
+                <a:solidFill>
+                  <a:srgbClr val="405786"/>
+                </a:solidFill>
+              </a:rPr>
+              <a:t>Transformation Antworten</a:t>
+            </a:r>
+          </a:p>
+        </p:txBody>
+      </p:sp>
+      <p:sp>
+        <p:nvSpPr>
+          <p:cNvPr id="38" name="Rechteck 37">
+            <a:extLst>
+              <a:ext uri="{FF2B5EF4-FFF2-40B4-BE49-F238E27FC236}">
+                <a16:creationId xmlns:a16="http://schemas.microsoft.com/office/drawing/2014/main" id="{36AA9122-78A1-4FE7-93DE-AF0FC8D3F9F2}"/>
+              </a:ext>
+            </a:extLst>
+          </p:cNvPr>
+          <p:cNvSpPr/>
+          <p:nvPr/>
+        </p:nvSpPr>
+        <p:spPr>
+          <a:xfrm>
+            <a:off x="4124904" y="3614576"/>
+            <a:ext cx="1942950" cy="504072"/>
+          </a:xfrm>
+          <a:prstGeom prst="rect">
+            <a:avLst/>
+          </a:prstGeom>
+          <a:noFill/>
+          <a:ln>
+            <a:noFill/>
+          </a:ln>
+        </p:spPr>
+        <p:style>
+          <a:lnRef idx="2">
+            <a:schemeClr val="accent1">
+              <a:shade val="50000"/>
+            </a:schemeClr>
+          </a:lnRef>
+          <a:fillRef idx="1">
+            <a:schemeClr val="accent1"/>
+          </a:fillRef>
+          <a:effectRef idx="0">
+            <a:schemeClr val="accent1"/>
+          </a:effectRef>
+          <a:fontRef idx="minor">
+            <a:schemeClr val="lt1"/>
+          </a:fontRef>
+        </p:style>
+        <p:txBody>
+          <a:bodyPr rtlCol="0" anchor="t"/>
+          <a:lstStyle/>
+          <a:p>
+            <a:r>
+              <a:rPr lang="de-DE" sz="1200">
+                <a:solidFill>
+                  <a:srgbClr val="405786"/>
+                </a:solidFill>
+              </a:rPr>
+              <a:t>Zusammenfassung von Personendaten</a:t>
+            </a:r>
+          </a:p>
+        </p:txBody>
+      </p:sp>
+      <p:sp>
+        <p:nvSpPr>
+          <p:cNvPr id="29" name="Rechteck: abgerundete Ecken 28">
+            <a:extLst>
+              <a:ext uri="{FF2B5EF4-FFF2-40B4-BE49-F238E27FC236}">
+                <a16:creationId xmlns:a16="http://schemas.microsoft.com/office/drawing/2014/main" id="{9FDE0028-0EE4-4C14-9A21-5BA76FD49DBA}"/>
+              </a:ext>
+            </a:extLst>
+          </p:cNvPr>
+          <p:cNvSpPr/>
+          <p:nvPr/>
+        </p:nvSpPr>
+        <p:spPr>
+          <a:xfrm>
+            <a:off x="4143415" y="2165014"/>
+            <a:ext cx="1897087" cy="491386"/>
+          </a:xfrm>
+          <a:prstGeom prst="roundRect">
+            <a:avLst/>
+          </a:prstGeom>
+          <a:solidFill>
+            <a:srgbClr val="7D12B9"/>
+          </a:solidFill>
+          <a:ln>
+            <a:noFill/>
+          </a:ln>
+        </p:spPr>
+        <p:style>
+          <a:lnRef idx="2">
+            <a:schemeClr val="accent1">
+              <a:shade val="50000"/>
+            </a:schemeClr>
+          </a:lnRef>
+          <a:fillRef idx="1">
+            <a:schemeClr val="accent1"/>
+          </a:fillRef>
+          <a:effectRef idx="0">
+            <a:schemeClr val="accent1"/>
+          </a:effectRef>
+          <a:fontRef idx="minor">
+            <a:schemeClr val="lt1"/>
+          </a:fontRef>
+        </p:style>
+        <p:txBody>
+          <a:bodyPr rtlCol="0" anchor="ctr"/>
+          <a:lstStyle/>
+          <a:p>
+            <a:pPr algn="ctr"/>
+            <a:r>
+              <a:rPr lang="de-DE" sz="1400"/>
+              <a:t>Landesportalsystem</a:t>
+            </a:r>
+            <a:endParaRPr lang="de-DE"/>
+          </a:p>
+        </p:txBody>
+      </p:sp>
+      <p:sp>
+        <p:nvSpPr>
+          <p:cNvPr id="39" name="Rechteck 38">
+            <a:extLst>
+              <a:ext uri="{FF2B5EF4-FFF2-40B4-BE49-F238E27FC236}">
+                <a16:creationId xmlns:a16="http://schemas.microsoft.com/office/drawing/2014/main" id="{2B9FEF30-B504-4280-9D45-C365E076D20C}"/>
+              </a:ext>
+            </a:extLst>
+          </p:cNvPr>
+          <p:cNvSpPr/>
+          <p:nvPr/>
+        </p:nvSpPr>
+        <p:spPr>
+          <a:xfrm>
+            <a:off x="4124904" y="4078823"/>
+            <a:ext cx="1903188" cy="337057"/>
+          </a:xfrm>
+          <a:prstGeom prst="rect">
+            <a:avLst/>
+          </a:prstGeom>
+          <a:noFill/>
+          <a:ln>
+            <a:noFill/>
+          </a:ln>
+        </p:spPr>
+        <p:style>
+          <a:lnRef idx="2">
+            <a:schemeClr val="accent1">
+              <a:shade val="50000"/>
+            </a:schemeClr>
+          </a:lnRef>
+          <a:fillRef idx="1">
+            <a:schemeClr val="accent1"/>
+          </a:fillRef>
+          <a:effectRef idx="0">
+            <a:schemeClr val="accent1"/>
+          </a:effectRef>
+          <a:fontRef idx="minor">
+            <a:schemeClr val="lt1"/>
+          </a:fontRef>
+        </p:style>
+        <p:txBody>
+          <a:bodyPr rtlCol="0" anchor="t"/>
+          <a:lstStyle/>
+          <a:p>
+            <a:r>
+              <a:rPr lang="de-DE" sz="1200">
+                <a:solidFill>
+                  <a:srgbClr val="405786"/>
+                </a:solidFill>
+              </a:rPr>
+              <a:t>Manuelle Kodierung</a:t>
+            </a:r>
+          </a:p>
+        </p:txBody>
+      </p:sp>
+      <p:sp>
+        <p:nvSpPr>
+          <p:cNvPr id="41" name="Rechteck 40">
+            <a:extLst>
+              <a:ext uri="{FF2B5EF4-FFF2-40B4-BE49-F238E27FC236}">
+                <a16:creationId xmlns:a16="http://schemas.microsoft.com/office/drawing/2014/main" id="{11699080-069A-4BBF-89B5-ECD97458B24F}"/>
+              </a:ext>
+            </a:extLst>
+          </p:cNvPr>
+          <p:cNvSpPr/>
+          <p:nvPr/>
+        </p:nvSpPr>
+        <p:spPr>
+          <a:xfrm>
+            <a:off x="4124904" y="2753811"/>
+            <a:ext cx="1676258" cy="436770"/>
+          </a:xfrm>
+          <a:prstGeom prst="rect">
+            <a:avLst/>
+          </a:prstGeom>
+          <a:noFill/>
+          <a:ln>
+            <a:noFill/>
+          </a:ln>
+        </p:spPr>
+        <p:style>
+          <a:lnRef idx="2">
+            <a:schemeClr val="accent1">
+              <a:shade val="50000"/>
+            </a:schemeClr>
+          </a:lnRef>
+          <a:fillRef idx="1">
+            <a:schemeClr val="accent1"/>
+          </a:fillRef>
+          <a:effectRef idx="0">
+            <a:schemeClr val="accent1"/>
+          </a:effectRef>
+          <a:fontRef idx="minor">
+            <a:schemeClr val="lt1"/>
+          </a:fontRef>
+        </p:style>
+        <p:txBody>
+          <a:bodyPr rtlCol="0" anchor="t"/>
+          <a:lstStyle/>
+          <a:p>
+            <a:r>
+              <a:rPr lang="de-DE" sz="1200">
+                <a:solidFill>
+                  <a:srgbClr val="405786"/>
+                </a:solidFill>
+              </a:rPr>
+              <a:t>Zuweisung Personen zu Testheften</a:t>
+            </a:r>
+          </a:p>
+        </p:txBody>
+      </p:sp>
+      <p:sp>
+        <p:nvSpPr>
+          <p:cNvPr id="42" name="Pfeil: nach links und rechts 41">
+            <a:extLst>
+              <a:ext uri="{FF2B5EF4-FFF2-40B4-BE49-F238E27FC236}">
+                <a16:creationId xmlns:a16="http://schemas.microsoft.com/office/drawing/2014/main" id="{DB134E8A-B06F-4954-956A-97E7E41D151E}"/>
+              </a:ext>
+            </a:extLst>
+          </p:cNvPr>
+          <p:cNvSpPr/>
+          <p:nvPr/>
+        </p:nvSpPr>
+        <p:spPr>
+          <a:xfrm rot="10800000">
+            <a:off x="2586772" y="4078823"/>
+            <a:ext cx="1356617" cy="317898"/>
+          </a:xfrm>
+          <a:prstGeom prst="leftRightArrow">
+            <a:avLst/>
+          </a:prstGeom>
+          <a:solidFill>
+            <a:srgbClr val="D6DCE5"/>
+          </a:solidFill>
+          <a:ln>
+            <a:noFill/>
+          </a:ln>
+        </p:spPr>
+        <p:style>
+          <a:lnRef idx="2">
+            <a:schemeClr val="accent1">
+              <a:shade val="50000"/>
+            </a:schemeClr>
+          </a:lnRef>
+          <a:fillRef idx="1">
+            <a:schemeClr val="accent1"/>
+          </a:fillRef>
+          <a:effectRef idx="0">
+            <a:schemeClr val="accent1"/>
+          </a:effectRef>
+          <a:fontRef idx="minor">
+            <a:schemeClr val="lt1"/>
+          </a:fontRef>
+        </p:style>
+        <p:txBody>
+          <a:bodyPr rtlCol="0" anchor="ctr"/>
+          <a:lstStyle/>
+          <a:p>
+            <a:pPr algn="ctr"/>
+            <a:endParaRPr lang="de-DE"/>
+          </a:p>
+        </p:txBody>
+      </p:sp>
+      <p:sp>
+        <p:nvSpPr>
+          <p:cNvPr id="43" name="Rechteck 42">
+            <a:extLst>
+              <a:ext uri="{FF2B5EF4-FFF2-40B4-BE49-F238E27FC236}">
+                <a16:creationId xmlns:a16="http://schemas.microsoft.com/office/drawing/2014/main" id="{89E45DD8-5AC8-452A-8CF4-54F340B0E071}"/>
+              </a:ext>
+            </a:extLst>
+          </p:cNvPr>
+          <p:cNvSpPr/>
+          <p:nvPr/>
+        </p:nvSpPr>
+        <p:spPr>
+          <a:xfrm>
+            <a:off x="2747770" y="3211688"/>
+            <a:ext cx="912402" cy="323060"/>
+          </a:xfrm>
+          <a:prstGeom prst="rect">
+            <a:avLst/>
+          </a:prstGeom>
+          <a:noFill/>
+          <a:ln>
+            <a:noFill/>
+          </a:ln>
+        </p:spPr>
+        <p:style>
+          <a:lnRef idx="2">
+            <a:schemeClr val="accent1">
+              <a:shade val="50000"/>
+            </a:schemeClr>
+          </a:lnRef>
+          <a:fillRef idx="1">
+            <a:schemeClr val="accent1"/>
+          </a:fillRef>
+          <a:effectRef idx="0">
+            <a:schemeClr val="accent1"/>
+          </a:effectRef>
+          <a:fontRef idx="minor">
+            <a:schemeClr val="lt1"/>
+          </a:fontRef>
+        </p:style>
+        <p:txBody>
+          <a:bodyPr rtlCol="0" anchor="t"/>
+          <a:lstStyle/>
+          <a:p>
+            <a:pPr algn="ctr"/>
+            <a:r>
+              <a:rPr lang="de-DE" sz="1200">
+                <a:solidFill>
+                  <a:srgbClr val="405786"/>
+                </a:solidFill>
+              </a:rPr>
+              <a:t>Antworten</a:t>
+            </a:r>
+            <a:endParaRPr lang="de-DE" sz="1400">
+              <a:solidFill>
+                <a:srgbClr val="405786"/>
+              </a:solidFill>
+            </a:endParaRPr>
+          </a:p>
+        </p:txBody>
+      </p:sp>
+      <p:sp>
+        <p:nvSpPr>
+          <p:cNvPr id="46" name="Rechteck 45">
+            <a:extLst>
+              <a:ext uri="{FF2B5EF4-FFF2-40B4-BE49-F238E27FC236}">
+                <a16:creationId xmlns:a16="http://schemas.microsoft.com/office/drawing/2014/main" id="{447F9071-D586-4080-ACEF-639E7E083537}"/>
+              </a:ext>
+            </a:extLst>
+          </p:cNvPr>
+          <p:cNvSpPr/>
+          <p:nvPr/>
+        </p:nvSpPr>
+        <p:spPr>
+          <a:xfrm>
+            <a:off x="2747770" y="3774276"/>
+            <a:ext cx="912402" cy="317898"/>
+          </a:xfrm>
+          <a:prstGeom prst="rect">
+            <a:avLst/>
+          </a:prstGeom>
+          <a:noFill/>
+          <a:ln>
+            <a:noFill/>
+          </a:ln>
+        </p:spPr>
+        <p:style>
+          <a:lnRef idx="2">
+            <a:schemeClr val="accent1">
+              <a:shade val="50000"/>
+            </a:schemeClr>
+          </a:lnRef>
+          <a:fillRef idx="1">
+            <a:schemeClr val="accent1"/>
+          </a:fillRef>
+          <a:effectRef idx="0">
+            <a:schemeClr val="accent1"/>
+          </a:effectRef>
+          <a:fontRef idx="minor">
+            <a:schemeClr val="lt1"/>
+          </a:fontRef>
+        </p:style>
+        <p:txBody>
+          <a:bodyPr rtlCol="0" anchor="t"/>
+          <a:lstStyle/>
+          <a:p>
+            <a:pPr algn="ctr"/>
+            <a:r>
+              <a:rPr lang="de-DE" sz="1200">
+                <a:solidFill>
+                  <a:srgbClr val="405786"/>
+                </a:solidFill>
+              </a:rPr>
+              <a:t>Antworten</a:t>
+            </a:r>
+            <a:endParaRPr lang="de-DE" sz="1400">
+              <a:solidFill>
+                <a:srgbClr val="405786"/>
+              </a:solidFill>
+            </a:endParaRPr>
+          </a:p>
+        </p:txBody>
+      </p:sp>
+      <p:sp>
+        <p:nvSpPr>
+          <p:cNvPr id="48" name="Rechteck 47">
+            <a:extLst>
+              <a:ext uri="{FF2B5EF4-FFF2-40B4-BE49-F238E27FC236}">
+                <a16:creationId xmlns:a16="http://schemas.microsoft.com/office/drawing/2014/main" id="{1E0FABDF-2317-4303-A7BD-8A147CEB1B88}"/>
+              </a:ext>
+            </a:extLst>
+          </p:cNvPr>
+          <p:cNvSpPr/>
+          <p:nvPr/>
+        </p:nvSpPr>
+        <p:spPr>
+          <a:xfrm>
+            <a:off x="2672838" y="4424605"/>
+            <a:ext cx="1062267" cy="323060"/>
+          </a:xfrm>
+          <a:prstGeom prst="rect">
+            <a:avLst/>
+          </a:prstGeom>
+          <a:noFill/>
+          <a:ln>
+            <a:noFill/>
+          </a:ln>
+        </p:spPr>
+        <p:style>
+          <a:lnRef idx="2">
+            <a:schemeClr val="accent1">
+              <a:shade val="50000"/>
+            </a:schemeClr>
+          </a:lnRef>
+          <a:fillRef idx="1">
+            <a:schemeClr val="accent1"/>
+          </a:fillRef>
+          <a:effectRef idx="0">
+            <a:schemeClr val="accent1"/>
+          </a:effectRef>
+          <a:fontRef idx="minor">
+            <a:schemeClr val="lt1"/>
+          </a:fontRef>
+        </p:style>
+        <p:txBody>
+          <a:bodyPr rtlCol="0" anchor="t"/>
+          <a:lstStyle/>
+          <a:p>
+            <a:pPr algn="ctr"/>
+            <a:r>
+              <a:rPr lang="de-DE" sz="1200">
+                <a:solidFill>
+                  <a:srgbClr val="405786"/>
+                </a:solidFill>
+              </a:rPr>
+              <a:t>Skalenwerte</a:t>
+            </a:r>
+            <a:endParaRPr lang="de-DE" sz="1400">
+              <a:solidFill>
+                <a:srgbClr val="405786"/>
+              </a:solidFill>
+            </a:endParaRPr>
+          </a:p>
+        </p:txBody>
+      </p:sp>
+      <p:sp>
+        <p:nvSpPr>
+          <p:cNvPr id="49" name="Rechteck 48">
+            <a:extLst>
+              <a:ext uri="{FF2B5EF4-FFF2-40B4-BE49-F238E27FC236}">
+                <a16:creationId xmlns:a16="http://schemas.microsoft.com/office/drawing/2014/main" id="{9E0FAA92-76A1-43B5-A73E-501E6515C764}"/>
+              </a:ext>
+            </a:extLst>
+          </p:cNvPr>
+          <p:cNvSpPr/>
+          <p:nvPr/>
+        </p:nvSpPr>
+        <p:spPr>
+          <a:xfrm>
+            <a:off x="4124904" y="5305424"/>
+            <a:ext cx="1903188" cy="337057"/>
+          </a:xfrm>
+          <a:prstGeom prst="rect">
+            <a:avLst/>
+          </a:prstGeom>
+          <a:noFill/>
+          <a:ln>
+            <a:noFill/>
+          </a:ln>
+        </p:spPr>
+        <p:style>
+          <a:lnRef idx="2">
+            <a:schemeClr val="accent1">
+              <a:shade val="50000"/>
+            </a:schemeClr>
+          </a:lnRef>
+          <a:fillRef idx="1">
+            <a:schemeClr val="accent1"/>
+          </a:fillRef>
+          <a:effectRef idx="0">
+            <a:schemeClr val="accent1"/>
+          </a:effectRef>
+          <a:fontRef idx="minor">
+            <a:schemeClr val="lt1"/>
+          </a:fontRef>
+        </p:style>
+        <p:txBody>
+          <a:bodyPr rtlCol="0" anchor="t"/>
+          <a:lstStyle/>
+          <a:p>
+            <a:r>
+              <a:rPr lang="de-DE" sz="1200">
+                <a:solidFill>
+                  <a:srgbClr val="405786"/>
+                </a:solidFill>
+              </a:rPr>
+              <a:t>Rückmeldung</a:t>
+            </a:r>
+          </a:p>
+        </p:txBody>
+      </p:sp>
+      <p:sp>
+        <p:nvSpPr>
+          <p:cNvPr id="50" name="Rechteck 49">
+            <a:extLst>
+              <a:ext uri="{FF2B5EF4-FFF2-40B4-BE49-F238E27FC236}">
+                <a16:creationId xmlns:a16="http://schemas.microsoft.com/office/drawing/2014/main" id="{0F10F39A-DEE5-417F-91DF-57AC6B95C10E}"/>
+              </a:ext>
+            </a:extLst>
+          </p:cNvPr>
+          <p:cNvSpPr/>
+          <p:nvPr/>
+        </p:nvSpPr>
+        <p:spPr>
+          <a:xfrm>
+            <a:off x="4124904" y="4413742"/>
+            <a:ext cx="1903188" cy="522105"/>
+          </a:xfrm>
+          <a:prstGeom prst="rect">
+            <a:avLst/>
+          </a:prstGeom>
+          <a:noFill/>
+          <a:ln>
+            <a:noFill/>
+          </a:ln>
+        </p:spPr>
+        <p:style>
+          <a:lnRef idx="2">
+            <a:schemeClr val="accent1">
+              <a:shade val="50000"/>
+            </a:schemeClr>
+          </a:lnRef>
+          <a:fillRef idx="1">
+            <a:schemeClr val="accent1"/>
+          </a:fillRef>
+          <a:effectRef idx="0">
+            <a:schemeClr val="accent1"/>
+          </a:effectRef>
+          <a:fontRef idx="minor">
+            <a:schemeClr val="lt1"/>
+          </a:fontRef>
+        </p:style>
+        <p:txBody>
+          <a:bodyPr rtlCol="0" anchor="t"/>
+          <a:lstStyle/>
+          <a:p>
+            <a:r>
+              <a:rPr lang="de-DE" sz="1200">
+                <a:solidFill>
+                  <a:srgbClr val="405786"/>
+                </a:solidFill>
+              </a:rPr>
+              <a:t>Transformation in eigene Skalen</a:t>
+            </a:r>
+          </a:p>
+        </p:txBody>
+      </p:sp>
+      <p:cxnSp>
+        <p:nvCxnSpPr>
+          <p:cNvPr id="21" name="Gerader Verbinder 20">
+            <a:extLst>
+              <a:ext uri="{FF2B5EF4-FFF2-40B4-BE49-F238E27FC236}">
+                <a16:creationId xmlns:a16="http://schemas.microsoft.com/office/drawing/2014/main" id="{309971D6-DD97-4ABD-8807-E42A785D7F03}"/>
+              </a:ext>
+            </a:extLst>
+          </p:cNvPr>
+          <p:cNvCxnSpPr>
+            <a:cxnSpLocks/>
+          </p:cNvCxnSpPr>
+          <p:nvPr/>
+        </p:nvCxnSpPr>
+        <p:spPr>
+          <a:xfrm>
+            <a:off x="4124904" y="3197114"/>
+            <a:ext cx="1903188" cy="0"/>
+          </a:xfrm>
+          <a:prstGeom prst="line">
+            <a:avLst/>
+          </a:prstGeom>
+          <a:ln>
+            <a:solidFill>
+              <a:srgbClr val="405786"/>
+            </a:solidFill>
+          </a:ln>
+        </p:spPr>
+        <p:style>
+          <a:lnRef idx="1">
+            <a:schemeClr val="accent1"/>
+          </a:lnRef>
+          <a:fillRef idx="0">
+            <a:schemeClr val="accent1"/>
+          </a:fillRef>
+          <a:effectRef idx="0">
+            <a:schemeClr val="accent1"/>
+          </a:effectRef>
+          <a:fontRef idx="minor">
+            <a:schemeClr val="tx1"/>
+          </a:fontRef>
+        </p:style>
+      </p:cxnSp>
+      <p:cxnSp>
+        <p:nvCxnSpPr>
+          <p:cNvPr id="51" name="Gerader Verbinder 50">
+            <a:extLst>
+              <a:ext uri="{FF2B5EF4-FFF2-40B4-BE49-F238E27FC236}">
+                <a16:creationId xmlns:a16="http://schemas.microsoft.com/office/drawing/2014/main" id="{D63E6CDF-7D22-41DD-9734-C92BED2F0A28}"/>
+              </a:ext>
+            </a:extLst>
+          </p:cNvPr>
+          <p:cNvCxnSpPr>
+            <a:cxnSpLocks/>
+          </p:cNvCxnSpPr>
+          <p:nvPr/>
+        </p:nvCxnSpPr>
+        <p:spPr>
+          <a:xfrm>
+            <a:off x="4124904" y="4379976"/>
+            <a:ext cx="1903188" cy="0"/>
+          </a:xfrm>
+          <a:prstGeom prst="line">
+            <a:avLst/>
+          </a:prstGeom>
+          <a:ln>
+            <a:solidFill>
+              <a:srgbClr val="405786"/>
+            </a:solidFill>
+          </a:ln>
+        </p:spPr>
+        <p:style>
+          <a:lnRef idx="1">
+            <a:schemeClr val="accent1"/>
+          </a:lnRef>
+          <a:fillRef idx="0">
+            <a:schemeClr val="accent1"/>
+          </a:fillRef>
+          <a:effectRef idx="0">
+            <a:schemeClr val="accent1"/>
+          </a:effectRef>
+          <a:fontRef idx="minor">
+            <a:schemeClr val="tx1"/>
+          </a:fontRef>
+        </p:style>
+      </p:cxnSp>
+      <p:sp>
+        <p:nvSpPr>
+          <p:cNvPr id="54" name="Rechteck 53">
+            <a:extLst>
+              <a:ext uri="{FF2B5EF4-FFF2-40B4-BE49-F238E27FC236}">
+                <a16:creationId xmlns:a16="http://schemas.microsoft.com/office/drawing/2014/main" id="{19E56569-12D7-4838-9C41-290707F74D50}"/>
+              </a:ext>
+            </a:extLst>
+          </p:cNvPr>
+          <p:cNvSpPr/>
+          <p:nvPr/>
+        </p:nvSpPr>
+        <p:spPr>
+          <a:xfrm>
+            <a:off x="4124904" y="4822062"/>
+            <a:ext cx="1903188" cy="522105"/>
+          </a:xfrm>
+          <a:prstGeom prst="rect">
+            <a:avLst/>
+          </a:prstGeom>
+          <a:noFill/>
+          <a:ln>
+            <a:noFill/>
+          </a:ln>
+        </p:spPr>
+        <p:style>
+          <a:lnRef idx="2">
+            <a:schemeClr val="accent1">
+              <a:shade val="50000"/>
+            </a:schemeClr>
+          </a:lnRef>
+          <a:fillRef idx="1">
+            <a:schemeClr val="accent1"/>
+          </a:fillRef>
+          <a:effectRef idx="0">
+            <a:schemeClr val="accent1"/>
+          </a:effectRef>
+          <a:fontRef idx="minor">
+            <a:schemeClr val="lt1"/>
+          </a:fontRef>
+        </p:style>
+        <p:txBody>
+          <a:bodyPr rtlCol="0" anchor="t"/>
+          <a:lstStyle/>
+          <a:p>
+            <a:r>
+              <a:rPr lang="de-DE" sz="1200">
+                <a:solidFill>
+                  <a:srgbClr val="405786"/>
+                </a:solidFill>
+              </a:rPr>
+              <a:t>Aggregationen Personengruppen</a:t>
+            </a:r>
+          </a:p>
+        </p:txBody>
+      </p:sp>
+      <p:sp>
+        <p:nvSpPr>
+          <p:cNvPr id="55" name="Rechteck: abgerundete Ecken 54">
+            <a:extLst>
+              <a:ext uri="{FF2B5EF4-FFF2-40B4-BE49-F238E27FC236}">
+                <a16:creationId xmlns:a16="http://schemas.microsoft.com/office/drawing/2014/main" id="{D80FD2EA-39F5-4A60-B97E-43A066217136}"/>
+              </a:ext>
+            </a:extLst>
+          </p:cNvPr>
+          <p:cNvSpPr/>
+          <p:nvPr/>
+        </p:nvSpPr>
+        <p:spPr>
+          <a:xfrm>
+            <a:off x="842318" y="2128711"/>
+            <a:ext cx="1676257" cy="566909"/>
+          </a:xfrm>
+          <a:prstGeom prst="roundRect">
+            <a:avLst/>
+          </a:prstGeom>
+          <a:solidFill>
+            <a:srgbClr val="008CBA"/>
+          </a:solidFill>
+          <a:ln>
+            <a:noFill/>
+          </a:ln>
+        </p:spPr>
+        <p:style>
+          <a:lnRef idx="2">
+            <a:schemeClr val="accent1">
+              <a:shade val="50000"/>
+            </a:schemeClr>
+          </a:lnRef>
+          <a:fillRef idx="1">
+            <a:schemeClr val="accent1"/>
+          </a:fillRef>
+          <a:effectRef idx="0">
+            <a:schemeClr val="accent1"/>
+          </a:effectRef>
+          <a:fontRef idx="minor">
+            <a:schemeClr val="lt1"/>
+          </a:fontRef>
+        </p:style>
+        <p:txBody>
+          <a:bodyPr rtlCol="0" anchor="ctr"/>
+          <a:lstStyle/>
+          <a:p>
+            <a:pPr algn="ctr"/>
+            <a:r>
+              <a:rPr lang="de-DE" sz="1400"/>
+              <a:t>Survey Content Pool</a:t>
+            </a:r>
+            <a:endParaRPr lang="de-DE"/>
+          </a:p>
+        </p:txBody>
+      </p:sp>
+      <p:sp>
+        <p:nvSpPr>
+          <p:cNvPr id="57" name="Rechteck 56">
+            <a:extLst>
+              <a:ext uri="{FF2B5EF4-FFF2-40B4-BE49-F238E27FC236}">
+                <a16:creationId xmlns:a16="http://schemas.microsoft.com/office/drawing/2014/main" id="{4F292E1B-316F-4BB3-B8A9-D3804172848E}"/>
+              </a:ext>
+            </a:extLst>
+          </p:cNvPr>
+          <p:cNvSpPr/>
+          <p:nvPr/>
+        </p:nvSpPr>
+        <p:spPr>
+          <a:xfrm>
+            <a:off x="2620175" y="2179648"/>
+            <a:ext cx="1130749" cy="323060"/>
+          </a:xfrm>
+          <a:prstGeom prst="rect">
+            <a:avLst/>
+          </a:prstGeom>
+          <a:noFill/>
+          <a:ln>
+            <a:noFill/>
+          </a:ln>
+        </p:spPr>
+        <p:style>
+          <a:lnRef idx="2">
+            <a:schemeClr val="accent1">
+              <a:shade val="50000"/>
+            </a:schemeClr>
+          </a:lnRef>
+          <a:fillRef idx="1">
+            <a:schemeClr val="accent1"/>
+          </a:fillRef>
+          <a:effectRef idx="0">
+            <a:schemeClr val="accent1"/>
+          </a:effectRef>
+          <a:fontRef idx="minor">
+            <a:schemeClr val="lt1"/>
+          </a:fontRef>
+        </p:style>
+        <p:txBody>
+          <a:bodyPr rtlCol="0" anchor="t"/>
+          <a:lstStyle/>
+          <a:p>
+            <a:pPr algn="ctr"/>
+            <a:r>
+              <a:rPr lang="de-DE" sz="1200">
+                <a:solidFill>
+                  <a:srgbClr val="405786"/>
+                </a:solidFill>
+              </a:rPr>
+              <a:t>Survey Content Package</a:t>
+            </a:r>
+            <a:endParaRPr lang="de-DE" sz="1400">
+              <a:solidFill>
+                <a:srgbClr val="405786"/>
+              </a:solidFill>
+            </a:endParaRPr>
+          </a:p>
+        </p:txBody>
+      </p:sp>
+    </p:spTree>
+    <p:extLst>
+      <p:ext uri="{BB962C8B-B14F-4D97-AF65-F5344CB8AC3E}">
+        <p14:creationId xmlns:p14="http://schemas.microsoft.com/office/powerpoint/2010/main" val="2712301531"/>
+      </p:ext>
+    </p:extLst>
+  </p:cSld>
+  <p:clrMapOvr>
+    <a:masterClrMapping/>
+  </p:clrMapOvr>
+</p:sld>
+</file>
+
+<file path=ppt/slides/slide7.xml><?xml version="1.0" encoding="utf-8"?>
+<p:sld xmlns:a="http://schemas.openxmlformats.org/drawingml/2006/main" xmlns:r="http://schemas.openxmlformats.org/officeDocument/2006/relationships" xmlns:p="http://schemas.openxmlformats.org/presentationml/2006/main">
+  <p:cSld>
+    <p:spTree>
+      <p:nvGrpSpPr>
+        <p:cNvPr id="1" name=""/>
+        <p:cNvGrpSpPr/>
+        <p:nvPr/>
+      </p:nvGrpSpPr>
+      <p:grpSpPr>
+        <a:xfrm>
+          <a:off x="0" y="0"/>
+          <a:ext cx="0" cy="0"/>
+          <a:chOff x="0" y="0"/>
+          <a:chExt cx="0" cy="0"/>
+        </a:xfrm>
+      </p:grpSpPr>
+      <p:sp>
+        <p:nvSpPr>
+          <p:cNvPr id="56" name="Pfeil: nach rechts 55">
+            <a:extLst>
+              <a:ext uri="{FF2B5EF4-FFF2-40B4-BE49-F238E27FC236}">
+                <a16:creationId xmlns:a16="http://schemas.microsoft.com/office/drawing/2014/main" id="{8E0770B1-0687-4AE4-A351-D91B3356585F}"/>
+              </a:ext>
+            </a:extLst>
+          </p:cNvPr>
+          <p:cNvSpPr/>
+          <p:nvPr/>
+        </p:nvSpPr>
+        <p:spPr>
+          <a:xfrm rot="10800000" flipH="1">
+            <a:off x="2420232" y="2256760"/>
+            <a:ext cx="1523157" cy="317898"/>
+          </a:xfrm>
+          <a:prstGeom prst="rightArrow">
+            <a:avLst/>
+          </a:prstGeom>
+          <a:solidFill>
+            <a:srgbClr val="D6DCE5"/>
+          </a:solidFill>
+          <a:ln>
+            <a:noFill/>
+          </a:ln>
+        </p:spPr>
+        <p:style>
+          <a:lnRef idx="2">
+            <a:schemeClr val="accent1">
+              <a:shade val="50000"/>
+            </a:schemeClr>
+          </a:lnRef>
+          <a:fillRef idx="1">
+            <a:schemeClr val="accent1"/>
+          </a:fillRef>
+          <a:effectRef idx="0">
+            <a:schemeClr val="accent1"/>
+          </a:effectRef>
+          <a:fontRef idx="minor">
+            <a:schemeClr val="lt1"/>
+          </a:fontRef>
+        </p:style>
+        <p:txBody>
+          <a:bodyPr rtlCol="0" anchor="ctr"/>
+          <a:lstStyle/>
+          <a:p>
+            <a:pPr algn="ctr"/>
+            <a:endParaRPr lang="de-DE"/>
+          </a:p>
+        </p:txBody>
+      </p:sp>
+      <p:sp>
+        <p:nvSpPr>
+          <p:cNvPr id="53" name="Pfeil: nach rechts 52">
+            <a:extLst>
+              <a:ext uri="{FF2B5EF4-FFF2-40B4-BE49-F238E27FC236}">
+                <a16:creationId xmlns:a16="http://schemas.microsoft.com/office/drawing/2014/main" id="{6782127F-7395-40D6-BBE4-A9C252840B16}"/>
+              </a:ext>
+            </a:extLst>
+          </p:cNvPr>
+          <p:cNvSpPr/>
+          <p:nvPr/>
+        </p:nvSpPr>
+        <p:spPr>
+          <a:xfrm rot="10800000">
+            <a:off x="2583262" y="2938205"/>
+            <a:ext cx="1691476" cy="317898"/>
+          </a:xfrm>
+          <a:prstGeom prst="rightArrow">
+            <a:avLst/>
+          </a:prstGeom>
+          <a:solidFill>
+            <a:srgbClr val="D6DCE5"/>
+          </a:solidFill>
+          <a:ln>
+            <a:noFill/>
+          </a:ln>
+        </p:spPr>
+        <p:style>
+          <a:lnRef idx="2">
+            <a:schemeClr val="accent1">
+              <a:shade val="50000"/>
+            </a:schemeClr>
+          </a:lnRef>
+          <a:fillRef idx="1">
+            <a:schemeClr val="accent1"/>
+          </a:fillRef>
+          <a:effectRef idx="0">
+            <a:schemeClr val="accent1"/>
+          </a:effectRef>
+          <a:fontRef idx="minor">
+            <a:schemeClr val="lt1"/>
+          </a:fontRef>
+        </p:style>
+        <p:txBody>
+          <a:bodyPr rtlCol="0" anchor="ctr"/>
+          <a:lstStyle/>
+          <a:p>
+            <a:pPr algn="ctr"/>
+            <a:endParaRPr lang="de-DE"/>
+          </a:p>
+        </p:txBody>
+      </p:sp>
+      <p:sp>
+        <p:nvSpPr>
+          <p:cNvPr id="52" name="Pfeil: nach rechts 51">
+            <a:extLst>
+              <a:ext uri="{FF2B5EF4-FFF2-40B4-BE49-F238E27FC236}">
+                <a16:creationId xmlns:a16="http://schemas.microsoft.com/office/drawing/2014/main" id="{D596ED4A-B066-47F3-883E-6B929CE5C9D4}"/>
+              </a:ext>
+            </a:extLst>
+          </p:cNvPr>
+          <p:cNvSpPr/>
+          <p:nvPr/>
+        </p:nvSpPr>
+        <p:spPr>
+          <a:xfrm rot="10800000" flipH="1">
+            <a:off x="2420232" y="3192469"/>
+            <a:ext cx="1523157" cy="317898"/>
+          </a:xfrm>
+          <a:prstGeom prst="rightArrow">
+            <a:avLst/>
+          </a:prstGeom>
+          <a:solidFill>
+            <a:srgbClr val="D6DCE5"/>
+          </a:solidFill>
+          <a:ln>
+            <a:noFill/>
+          </a:ln>
+        </p:spPr>
+        <p:style>
+          <a:lnRef idx="2">
+            <a:schemeClr val="accent1">
+              <a:shade val="50000"/>
+            </a:schemeClr>
+          </a:lnRef>
+          <a:fillRef idx="1">
+            <a:schemeClr val="accent1"/>
+          </a:fillRef>
+          <a:effectRef idx="0">
+            <a:schemeClr val="accent1"/>
+          </a:effectRef>
+          <a:fontRef idx="minor">
+            <a:schemeClr val="lt1"/>
+          </a:fontRef>
+        </p:style>
+        <p:txBody>
+          <a:bodyPr rtlCol="0" anchor="ctr"/>
+          <a:lstStyle/>
+          <a:p>
+            <a:pPr algn="ctr"/>
+            <a:endParaRPr lang="de-DE"/>
+          </a:p>
+        </p:txBody>
+      </p:sp>
+      <p:sp>
+        <p:nvSpPr>
+          <p:cNvPr id="47" name="Pfeil: nach rechts 46">
+            <a:extLst>
+              <a:ext uri="{FF2B5EF4-FFF2-40B4-BE49-F238E27FC236}">
+                <a16:creationId xmlns:a16="http://schemas.microsoft.com/office/drawing/2014/main" id="{95CEDEDB-F285-455A-8EB9-7D990A4BA321}"/>
+              </a:ext>
+            </a:extLst>
+          </p:cNvPr>
+          <p:cNvSpPr/>
+          <p:nvPr/>
+        </p:nvSpPr>
+        <p:spPr>
+          <a:xfrm rot="10800000" flipH="1">
             <a:off x="2420232" y="4244830"/>
             <a:ext cx="1523157" cy="317898"/>
           </a:xfrm>
@@ -9806,7 +10954,7 @@
 </p:sld>
 </file>
 
-<file path=ppt/slides/slide7.xml><?xml version="1.0" encoding="utf-8"?>
+<file path=ppt/slides/slide8.xml><?xml version="1.0" encoding="utf-8"?>
 <p:sld xmlns:a="http://schemas.openxmlformats.org/drawingml/2006/main" xmlns:r="http://schemas.openxmlformats.org/officeDocument/2006/relationships" xmlns:p="http://schemas.openxmlformats.org/presentationml/2006/main">
   <p:cSld>
     <p:spTree>

--- a/assets/figures.pptx
+++ b/assets/figures.pptx
@@ -250,7 +250,7 @@
           <a:p>
             <a:fld id="{C07B6569-5EFF-41A8-B6CB-39864A9A9501}" type="datetimeFigureOut">
               <a:rPr lang="de-DE" smtClean="0"/>
-              <a:t>24.09.2025</a:t>
+              <a:t>25.09.2025</a:t>
             </a:fld>
             <a:endParaRPr lang="de-DE"/>
           </a:p>
@@ -420,7 +420,7 @@
           <a:p>
             <a:fld id="{C07B6569-5EFF-41A8-B6CB-39864A9A9501}" type="datetimeFigureOut">
               <a:rPr lang="de-DE" smtClean="0"/>
-              <a:t>24.09.2025</a:t>
+              <a:t>25.09.2025</a:t>
             </a:fld>
             <a:endParaRPr lang="de-DE"/>
           </a:p>
@@ -600,7 +600,7 @@
           <a:p>
             <a:fld id="{C07B6569-5EFF-41A8-B6CB-39864A9A9501}" type="datetimeFigureOut">
               <a:rPr lang="de-DE" smtClean="0"/>
-              <a:t>24.09.2025</a:t>
+              <a:t>25.09.2025</a:t>
             </a:fld>
             <a:endParaRPr lang="de-DE"/>
           </a:p>
@@ -847,7 +847,7 @@
           <a:p>
             <a:fld id="{C07B6569-5EFF-41A8-B6CB-39864A9A9501}" type="datetimeFigureOut">
               <a:rPr lang="de-DE" smtClean="0"/>
-              <a:t>24.09.2025</a:t>
+              <a:t>25.09.2025</a:t>
             </a:fld>
             <a:endParaRPr lang="de-DE"/>
           </a:p>
@@ -1091,7 +1091,7 @@
           <a:p>
             <a:fld id="{C07B6569-5EFF-41A8-B6CB-39864A9A9501}" type="datetimeFigureOut">
               <a:rPr lang="de-DE" smtClean="0"/>
-              <a:t>24.09.2025</a:t>
+              <a:t>25.09.2025</a:t>
             </a:fld>
             <a:endParaRPr lang="de-DE"/>
           </a:p>
@@ -1323,7 +1323,7 @@
           <a:p>
             <a:fld id="{C07B6569-5EFF-41A8-B6CB-39864A9A9501}" type="datetimeFigureOut">
               <a:rPr lang="de-DE" smtClean="0"/>
-              <a:t>24.09.2025</a:t>
+              <a:t>25.09.2025</a:t>
             </a:fld>
             <a:endParaRPr lang="de-DE"/>
           </a:p>
@@ -1690,7 +1690,7 @@
           <a:p>
             <a:fld id="{C07B6569-5EFF-41A8-B6CB-39864A9A9501}" type="datetimeFigureOut">
               <a:rPr lang="de-DE" smtClean="0"/>
-              <a:t>24.09.2025</a:t>
+              <a:t>25.09.2025</a:t>
             </a:fld>
             <a:endParaRPr lang="de-DE"/>
           </a:p>
@@ -1808,7 +1808,7 @@
           <a:p>
             <a:fld id="{C07B6569-5EFF-41A8-B6CB-39864A9A9501}" type="datetimeFigureOut">
               <a:rPr lang="de-DE" smtClean="0"/>
-              <a:t>24.09.2025</a:t>
+              <a:t>25.09.2025</a:t>
             </a:fld>
             <a:endParaRPr lang="de-DE"/>
           </a:p>
@@ -1903,7 +1903,7 @@
           <a:p>
             <a:fld id="{C07B6569-5EFF-41A8-B6CB-39864A9A9501}" type="datetimeFigureOut">
               <a:rPr lang="de-DE" smtClean="0"/>
-              <a:t>24.09.2025</a:t>
+              <a:t>25.09.2025</a:t>
             </a:fld>
             <a:endParaRPr lang="de-DE"/>
           </a:p>
@@ -2180,7 +2180,7 @@
           <a:p>
             <a:fld id="{C07B6569-5EFF-41A8-B6CB-39864A9A9501}" type="datetimeFigureOut">
               <a:rPr lang="de-DE" smtClean="0"/>
-              <a:t>24.09.2025</a:t>
+              <a:t>25.09.2025</a:t>
             </a:fld>
             <a:endParaRPr lang="de-DE"/>
           </a:p>
@@ -2437,7 +2437,7 @@
           <a:p>
             <a:fld id="{C07B6569-5EFF-41A8-B6CB-39864A9A9501}" type="datetimeFigureOut">
               <a:rPr lang="de-DE" smtClean="0"/>
-              <a:t>24.09.2025</a:t>
+              <a:t>25.09.2025</a:t>
             </a:fld>
             <a:endParaRPr lang="de-DE"/>
           </a:p>
@@ -2650,7 +2650,7 @@
           <a:p>
             <a:fld id="{C07B6569-5EFF-41A8-B6CB-39864A9A9501}" type="datetimeFigureOut">
               <a:rPr lang="de-DE" smtClean="0"/>
-              <a:t>24.09.2025</a:t>
+              <a:t>25.09.2025</a:t>
             </a:fld>
             <a:endParaRPr lang="de-DE"/>
           </a:p>
@@ -6395,10 +6395,12 @@
             <a:avLst/>
           </a:prstGeom>
           <a:solidFill>
-            <a:srgbClr val="008CBA"/>
+            <a:schemeClr val="bg1"/>
           </a:solidFill>
           <a:ln>
-            <a:noFill/>
+            <a:solidFill>
+              <a:schemeClr val="tx1"/>
+            </a:solidFill>
           </a:ln>
         </p:spPr>
         <p:style>
@@ -6423,7 +6425,11 @@
           <a:p>
             <a:pPr algn="ctr"/>
             <a:r>
-              <a:rPr lang="de-DE"/>
+              <a:rPr lang="de-DE" sz="1600" b="1">
+                <a:solidFill>
+                  <a:schemeClr val="tx1"/>
+                </a:solidFill>
+              </a:rPr>
               <a:t>Manuelles Daten-management</a:t>
             </a:r>
           </a:p>
